--- a/Users/LuanNM/document/Core Flow.pptx
+++ b/Users/LuanNM/document/Core Flow.pptx
@@ -8,8 +8,8 @@
     <p:notesMasterId r:id="rId12"/>
   </p:notesMasterIdLst>
   <p:sldIdLst>
-    <p:sldId id="260" r:id="rId2"/>
-    <p:sldId id="256" r:id="rId3"/>
+    <p:sldId id="266" r:id="rId2"/>
+    <p:sldId id="267" r:id="rId3"/>
     <p:sldId id="257" r:id="rId4"/>
     <p:sldId id="258" r:id="rId5"/>
     <p:sldId id="262" r:id="rId6"/>
@@ -573,7 +573,7 @@
     </p:spTree>
     <p:extLst>
       <p:ext uri="{BB962C8B-B14F-4D97-AF65-F5344CB8AC3E}">
-        <p14:creationId xmlns:p14="http://schemas.microsoft.com/office/powerpoint/2010/main" val="857879779"/>
+        <p14:creationId xmlns:p14="http://schemas.microsoft.com/office/powerpoint/2010/main" val="741875559"/>
       </p:ext>
     </p:extLst>
   </p:cSld>
@@ -584,6 +584,411 @@
 </file>
 
 <file path=ppt/notesSlides/notesSlide2.xml><?xml version="1.0" encoding="utf-8"?>
+<p:notes xmlns:a="http://schemas.openxmlformats.org/drawingml/2006/main" xmlns:r="http://schemas.openxmlformats.org/officeDocument/2006/relationships" xmlns:p="http://schemas.openxmlformats.org/presentationml/2006/main" showMasterSp="0" showMasterPhAnim="0">
+  <p:cSld>
+    <p:spTree>
+      <p:nvGrpSpPr>
+        <p:cNvPr id="1" name="Shape 853"/>
+        <p:cNvGrpSpPr/>
+        <p:nvPr/>
+      </p:nvGrpSpPr>
+      <p:grpSpPr>
+        <a:xfrm>
+          <a:off x="0" y="0"/>
+          <a:ext cx="0" cy="0"/>
+          <a:chOff x="0" y="0"/>
+          <a:chExt cx="0" cy="0"/>
+        </a:xfrm>
+      </p:grpSpPr>
+      <p:sp>
+        <p:nvSpPr>
+          <p:cNvPr id="854" name="Google Shape;854;gcba122229f_0_9:notes"/>
+          <p:cNvSpPr>
+            <a:spLocks noGrp="1" noRot="1" noChangeAspect="1"/>
+          </p:cNvSpPr>
+          <p:nvPr>
+            <p:ph type="sldImg" idx="2"/>
+          </p:nvPr>
+        </p:nvSpPr>
+        <p:spPr>
+          <a:xfrm>
+            <a:off x="381000" y="685800"/>
+            <a:ext cx="6096000" cy="3429000"/>
+          </a:xfrm>
+          <a:custGeom>
+            <a:avLst/>
+            <a:gdLst/>
+            <a:ahLst/>
+            <a:cxnLst/>
+            <a:rect l="l" t="t" r="r" b="b"/>
+            <a:pathLst>
+              <a:path w="120000" h="120000" extrusionOk="0">
+                <a:moveTo>
+                  <a:pt x="0" y="0"/>
+                </a:moveTo>
+                <a:lnTo>
+                  <a:pt x="120000" y="0"/>
+                </a:lnTo>
+                <a:lnTo>
+                  <a:pt x="120000" y="120000"/>
+                </a:lnTo>
+                <a:lnTo>
+                  <a:pt x="0" y="120000"/>
+                </a:lnTo>
+                <a:close/>
+              </a:path>
+            </a:pathLst>
+          </a:custGeom>
+        </p:spPr>
+      </p:sp>
+      <p:sp>
+        <p:nvSpPr>
+          <p:cNvPr id="855" name="Google Shape;855;gcba122229f_0_9:notes"/>
+          <p:cNvSpPr txBox="1">
+            <a:spLocks noGrp="1"/>
+          </p:cNvSpPr>
+          <p:nvPr>
+            <p:ph type="body" idx="1"/>
+          </p:nvPr>
+        </p:nvSpPr>
+        <p:spPr>
+          <a:xfrm>
+            <a:off x="685800" y="4343400"/>
+            <a:ext cx="5486400" cy="4114800"/>
+          </a:xfrm>
+          <a:prstGeom prst="rect">
+            <a:avLst/>
+          </a:prstGeom>
+        </p:spPr>
+        <p:txBody>
+          <a:bodyPr spcFirstLastPara="1" wrap="square" lIns="91425" tIns="91425" rIns="91425" bIns="91425" anchor="t" anchorCtr="0">
+            <a:noAutofit/>
+          </a:bodyPr>
+          <a:lstStyle/>
+          <a:p>
+            <a:pPr marL="0" lvl="0" indent="0" algn="l" rtl="0">
+              <a:spcBef>
+                <a:spcPts val="0"/>
+              </a:spcBef>
+              <a:spcAft>
+                <a:spcPts val="0"/>
+              </a:spcAft>
+              <a:buClr>
+                <a:schemeClr val="dk1"/>
+              </a:buClr>
+              <a:buSzPts val="1100"/>
+              <a:buFont typeface="Arial"/>
+              <a:buNone/>
+            </a:pPr>
+            <a:r>
+              <a:rPr lang="en" sz="1400">
+                <a:solidFill>
+                  <a:schemeClr val="dk1"/>
+                </a:solidFill>
+                <a:latin typeface="Libre Franklin"/>
+                <a:ea typeface="Libre Franklin"/>
+                <a:cs typeface="Libre Franklin"/>
+                <a:sym typeface="Libre Franklin"/>
+              </a:rPr>
+              <a:t>Python</a:t>
+            </a:r>
+            <a:endParaRPr sz="1400">
+              <a:solidFill>
+                <a:schemeClr val="dk1"/>
+              </a:solidFill>
+              <a:latin typeface="Libre Franklin"/>
+              <a:ea typeface="Libre Franklin"/>
+              <a:cs typeface="Libre Franklin"/>
+              <a:sym typeface="Libre Franklin"/>
+            </a:endParaRPr>
+          </a:p>
+          <a:p>
+            <a:pPr marL="0" lvl="0" indent="0" algn="l" rtl="0">
+              <a:spcBef>
+                <a:spcPts val="0"/>
+              </a:spcBef>
+              <a:spcAft>
+                <a:spcPts val="0"/>
+              </a:spcAft>
+              <a:buClr>
+                <a:schemeClr val="dk1"/>
+              </a:buClr>
+              <a:buSzPts val="1100"/>
+              <a:buFont typeface="Arial"/>
+              <a:buNone/>
+            </a:pPr>
+            <a:r>
+              <a:rPr lang="en" sz="1400">
+                <a:solidFill>
+                  <a:schemeClr val="dk1"/>
+                </a:solidFill>
+                <a:latin typeface="Libre Franklin"/>
+                <a:ea typeface="Libre Franklin"/>
+                <a:cs typeface="Libre Franklin"/>
+                <a:sym typeface="Libre Franklin"/>
+              </a:rPr>
+              <a:t>SQL Server 2019</a:t>
+            </a:r>
+            <a:endParaRPr sz="1400">
+              <a:solidFill>
+                <a:schemeClr val="dk1"/>
+              </a:solidFill>
+              <a:latin typeface="Libre Franklin"/>
+              <a:ea typeface="Libre Franklin"/>
+              <a:cs typeface="Libre Franklin"/>
+              <a:sym typeface="Libre Franklin"/>
+            </a:endParaRPr>
+          </a:p>
+          <a:p>
+            <a:pPr marL="0" lvl="0" indent="0" algn="l" rtl="0">
+              <a:spcBef>
+                <a:spcPts val="0"/>
+              </a:spcBef>
+              <a:spcAft>
+                <a:spcPts val="0"/>
+              </a:spcAft>
+              <a:buClr>
+                <a:schemeClr val="dk1"/>
+              </a:buClr>
+              <a:buSzPts val="1100"/>
+              <a:buFont typeface="Arial"/>
+              <a:buNone/>
+            </a:pPr>
+            <a:r>
+              <a:rPr lang="en" sz="1400">
+                <a:solidFill>
+                  <a:schemeClr val="dk1"/>
+                </a:solidFill>
+                <a:latin typeface="Libre Franklin"/>
+                <a:ea typeface="Libre Franklin"/>
+                <a:cs typeface="Libre Franklin"/>
+                <a:sym typeface="Libre Franklin"/>
+              </a:rPr>
+              <a:t>C# .NET</a:t>
+            </a:r>
+            <a:endParaRPr sz="1400">
+              <a:solidFill>
+                <a:schemeClr val="dk1"/>
+              </a:solidFill>
+              <a:latin typeface="Libre Franklin"/>
+              <a:ea typeface="Libre Franklin"/>
+              <a:cs typeface="Libre Franklin"/>
+              <a:sym typeface="Libre Franklin"/>
+            </a:endParaRPr>
+          </a:p>
+          <a:p>
+            <a:pPr marL="0" lvl="0" indent="0" algn="l" rtl="0">
+              <a:spcBef>
+                <a:spcPts val="0"/>
+              </a:spcBef>
+              <a:spcAft>
+                <a:spcPts val="0"/>
+              </a:spcAft>
+              <a:buClr>
+                <a:schemeClr val="dk1"/>
+              </a:buClr>
+              <a:buSzPts val="1100"/>
+              <a:buFont typeface="Arial"/>
+              <a:buNone/>
+            </a:pPr>
+            <a:r>
+              <a:rPr lang="en" sz="1400">
+                <a:solidFill>
+                  <a:schemeClr val="dk1"/>
+                </a:solidFill>
+                <a:latin typeface="Libre Franklin"/>
+                <a:ea typeface="Libre Franklin"/>
+                <a:cs typeface="Libre Franklin"/>
+                <a:sym typeface="Libre Franklin"/>
+              </a:rPr>
+              <a:t>Firebase Noti</a:t>
+            </a:r>
+            <a:endParaRPr sz="1400">
+              <a:solidFill>
+                <a:schemeClr val="dk1"/>
+              </a:solidFill>
+              <a:latin typeface="Libre Franklin"/>
+              <a:ea typeface="Libre Franklin"/>
+              <a:cs typeface="Libre Franklin"/>
+              <a:sym typeface="Libre Franklin"/>
+            </a:endParaRPr>
+          </a:p>
+          <a:p>
+            <a:pPr marL="0" lvl="0" indent="0" algn="l" rtl="0">
+              <a:spcBef>
+                <a:spcPts val="0"/>
+              </a:spcBef>
+              <a:spcAft>
+                <a:spcPts val="0"/>
+              </a:spcAft>
+              <a:buClr>
+                <a:schemeClr val="dk1"/>
+              </a:buClr>
+              <a:buSzPts val="1100"/>
+              <a:buFont typeface="Arial"/>
+              <a:buNone/>
+            </a:pPr>
+            <a:r>
+              <a:rPr lang="en" sz="1400">
+                <a:solidFill>
+                  <a:schemeClr val="dk1"/>
+                </a:solidFill>
+                <a:latin typeface="Libre Franklin"/>
+                <a:ea typeface="Libre Franklin"/>
+                <a:cs typeface="Libre Franklin"/>
+                <a:sym typeface="Libre Franklin"/>
+              </a:rPr>
+              <a:t>Flutter</a:t>
+            </a:r>
+            <a:endParaRPr sz="1400">
+              <a:solidFill>
+                <a:schemeClr val="dk1"/>
+              </a:solidFill>
+              <a:latin typeface="Libre Franklin"/>
+              <a:ea typeface="Libre Franklin"/>
+              <a:cs typeface="Libre Franklin"/>
+              <a:sym typeface="Libre Franklin"/>
+            </a:endParaRPr>
+          </a:p>
+          <a:p>
+            <a:pPr marL="0" lvl="0" indent="0" algn="l" rtl="0">
+              <a:spcBef>
+                <a:spcPts val="0"/>
+              </a:spcBef>
+              <a:spcAft>
+                <a:spcPts val="0"/>
+              </a:spcAft>
+              <a:buClr>
+                <a:schemeClr val="dk1"/>
+              </a:buClr>
+              <a:buSzPts val="1100"/>
+              <a:buFont typeface="Arial"/>
+              <a:buNone/>
+            </a:pPr>
+            <a:r>
+              <a:rPr lang="en" sz="1400">
+                <a:solidFill>
+                  <a:schemeClr val="dk1"/>
+                </a:solidFill>
+                <a:latin typeface="Libre Franklin"/>
+                <a:ea typeface="Libre Franklin"/>
+                <a:cs typeface="Libre Franklin"/>
+                <a:sym typeface="Libre Franklin"/>
+              </a:rPr>
+              <a:t>VueJS</a:t>
+            </a:r>
+            <a:endParaRPr sz="1400">
+              <a:solidFill>
+                <a:schemeClr val="dk1"/>
+              </a:solidFill>
+              <a:latin typeface="Libre Franklin"/>
+              <a:ea typeface="Libre Franklin"/>
+              <a:cs typeface="Libre Franklin"/>
+              <a:sym typeface="Libre Franklin"/>
+            </a:endParaRPr>
+          </a:p>
+          <a:p>
+            <a:pPr marL="0" lvl="0" indent="0" algn="l" rtl="0">
+              <a:spcBef>
+                <a:spcPts val="0"/>
+              </a:spcBef>
+              <a:spcAft>
+                <a:spcPts val="0"/>
+              </a:spcAft>
+              <a:buClr>
+                <a:schemeClr val="dk1"/>
+              </a:buClr>
+              <a:buSzPts val="1100"/>
+              <a:buFont typeface="Arial"/>
+              <a:buNone/>
+            </a:pPr>
+            <a:r>
+              <a:rPr lang="en" sz="1400">
+                <a:solidFill>
+                  <a:schemeClr val="dk1"/>
+                </a:solidFill>
+                <a:latin typeface="Libre Franklin"/>
+                <a:ea typeface="Libre Franklin"/>
+                <a:cs typeface="Libre Franklin"/>
+                <a:sym typeface="Libre Franklin"/>
+              </a:rPr>
+              <a:t>OpenCV</a:t>
+            </a:r>
+            <a:endParaRPr sz="1400">
+              <a:solidFill>
+                <a:schemeClr val="dk1"/>
+              </a:solidFill>
+              <a:latin typeface="Libre Franklin"/>
+              <a:ea typeface="Libre Franklin"/>
+              <a:cs typeface="Libre Franklin"/>
+              <a:sym typeface="Libre Franklin"/>
+            </a:endParaRPr>
+          </a:p>
+          <a:p>
+            <a:pPr marL="0" lvl="0" indent="0" algn="l" rtl="0">
+              <a:spcBef>
+                <a:spcPts val="0"/>
+              </a:spcBef>
+              <a:spcAft>
+                <a:spcPts val="0"/>
+              </a:spcAft>
+              <a:buClr>
+                <a:schemeClr val="dk1"/>
+              </a:buClr>
+              <a:buSzPts val="1100"/>
+              <a:buFont typeface="Arial"/>
+              <a:buNone/>
+            </a:pPr>
+            <a:r>
+              <a:rPr lang="en" sz="1400">
+                <a:solidFill>
+                  <a:schemeClr val="dk1"/>
+                </a:solidFill>
+                <a:latin typeface="Libre Franklin"/>
+                <a:ea typeface="Libre Franklin"/>
+                <a:cs typeface="Libre Franklin"/>
+                <a:sym typeface="Libre Franklin"/>
+              </a:rPr>
+              <a:t>Azure Services</a:t>
+            </a:r>
+            <a:endParaRPr sz="1400">
+              <a:solidFill>
+                <a:schemeClr val="dk1"/>
+              </a:solidFill>
+              <a:latin typeface="Libre Franklin"/>
+              <a:ea typeface="Libre Franklin"/>
+              <a:cs typeface="Libre Franklin"/>
+              <a:sym typeface="Libre Franklin"/>
+            </a:endParaRPr>
+          </a:p>
+          <a:p>
+            <a:pPr marL="0" lvl="0" indent="0" algn="l" rtl="0">
+              <a:spcBef>
+                <a:spcPts val="0"/>
+              </a:spcBef>
+              <a:spcAft>
+                <a:spcPts val="0"/>
+              </a:spcAft>
+              <a:buNone/>
+            </a:pPr>
+            <a:endParaRPr/>
+          </a:p>
+        </p:txBody>
+      </p:sp>
+    </p:spTree>
+    <p:extLst>
+      <p:ext uri="{BB962C8B-B14F-4D97-AF65-F5344CB8AC3E}">
+        <p14:creationId xmlns:p14="http://schemas.microsoft.com/office/powerpoint/2010/main" val="4037700141"/>
+      </p:ext>
+    </p:extLst>
+  </p:cSld>
+  <p:clrMapOvr>
+    <a:masterClrMapping/>
+  </p:clrMapOvr>
+</p:notes>
+</file>
+
+<file path=ppt/notesSlides/notesSlide3.xml><?xml version="1.0" encoding="utf-8"?>
 <p:notes xmlns:a="http://schemas.openxmlformats.org/drawingml/2006/main" xmlns:r="http://schemas.openxmlformats.org/officeDocument/2006/relationships" xmlns:p="http://schemas.openxmlformats.org/presentationml/2006/main" showMasterSp="0" showMasterPhAnim="0">
   <p:cSld>
     <p:spTree>
@@ -695,119 +1100,6 @@
     <p:extLst>
       <p:ext uri="{BB962C8B-B14F-4D97-AF65-F5344CB8AC3E}">
         <p14:creationId xmlns:p14="http://schemas.microsoft.com/office/powerpoint/2010/main" val="1227421768"/>
-      </p:ext>
-    </p:extLst>
-  </p:cSld>
-  <p:clrMapOvr>
-    <a:masterClrMapping/>
-  </p:clrMapOvr>
-</p:notes>
-</file>
-
-<file path=ppt/notesSlides/notesSlide3.xml><?xml version="1.0" encoding="utf-8"?>
-<p:notes xmlns:a="http://schemas.openxmlformats.org/drawingml/2006/main" xmlns:r="http://schemas.openxmlformats.org/officeDocument/2006/relationships" xmlns:p="http://schemas.openxmlformats.org/presentationml/2006/main" showMasterSp="0" showMasterPhAnim="0">
-  <p:cSld>
-    <p:spTree>
-      <p:nvGrpSpPr>
-        <p:cNvPr id="1" name="Shape 2372"/>
-        <p:cNvGrpSpPr/>
-        <p:nvPr/>
-      </p:nvGrpSpPr>
-      <p:grpSpPr>
-        <a:xfrm>
-          <a:off x="0" y="0"/>
-          <a:ext cx="0" cy="0"/>
-          <a:chOff x="0" y="0"/>
-          <a:chExt cx="0" cy="0"/>
-        </a:xfrm>
-      </p:grpSpPr>
-      <p:sp>
-        <p:nvSpPr>
-          <p:cNvPr id="2373" name="Google Shape;2373;gce41aa3c17_2_89:notes"/>
-          <p:cNvSpPr>
-            <a:spLocks noGrp="1" noRot="1" noChangeAspect="1"/>
-          </p:cNvSpPr>
-          <p:nvPr>
-            <p:ph type="sldImg" idx="2"/>
-          </p:nvPr>
-        </p:nvSpPr>
-        <p:spPr>
-          <a:xfrm>
-            <a:off x="381000" y="685800"/>
-            <a:ext cx="6096000" cy="3429000"/>
-          </a:xfrm>
-          <a:custGeom>
-            <a:avLst/>
-            <a:gdLst/>
-            <a:ahLst/>
-            <a:cxnLst/>
-            <a:rect l="l" t="t" r="r" b="b"/>
-            <a:pathLst>
-              <a:path w="120000" h="120000" extrusionOk="0">
-                <a:moveTo>
-                  <a:pt x="0" y="0"/>
-                </a:moveTo>
-                <a:lnTo>
-                  <a:pt x="120000" y="0"/>
-                </a:lnTo>
-                <a:lnTo>
-                  <a:pt x="120000" y="120000"/>
-                </a:lnTo>
-                <a:lnTo>
-                  <a:pt x="0" y="120000"/>
-                </a:lnTo>
-                <a:close/>
-              </a:path>
-            </a:pathLst>
-          </a:custGeom>
-        </p:spPr>
-      </p:sp>
-      <p:sp>
-        <p:nvSpPr>
-          <p:cNvPr id="2374" name="Google Shape;2374;gce41aa3c17_2_89:notes"/>
-          <p:cNvSpPr txBox="1">
-            <a:spLocks noGrp="1"/>
-          </p:cNvSpPr>
-          <p:nvPr>
-            <p:ph type="body" idx="1"/>
-          </p:nvPr>
-        </p:nvSpPr>
-        <p:spPr>
-          <a:xfrm>
-            <a:off x="685800" y="4343400"/>
-            <a:ext cx="5486400" cy="4114800"/>
-          </a:xfrm>
-          <a:prstGeom prst="rect">
-            <a:avLst/>
-          </a:prstGeom>
-        </p:spPr>
-        <p:txBody>
-          <a:bodyPr spcFirstLastPara="1" wrap="square" lIns="91425" tIns="91425" rIns="91425" bIns="91425" anchor="t" anchorCtr="0">
-            <a:noAutofit/>
-          </a:bodyPr>
-          <a:lstStyle/>
-          <a:p>
-            <a:pPr marL="0" lvl="0" indent="0" algn="l" rtl="0">
-              <a:spcBef>
-                <a:spcPts val="0"/>
-              </a:spcBef>
-              <a:spcAft>
-                <a:spcPts val="0"/>
-              </a:spcAft>
-              <a:buNone/>
-            </a:pPr>
-            <a:r>
-              <a:rPr lang="en"/>
-              <a:t>Sau khi login vào hệ thống, admin sẽ tạo area mới gồm name và description</a:t>
-            </a:r>
-            <a:endParaRPr/>
-          </a:p>
-        </p:txBody>
-      </p:sp>
-    </p:spTree>
-    <p:extLst>
-      <p:ext uri="{BB962C8B-B14F-4D97-AF65-F5344CB8AC3E}">
-        <p14:creationId xmlns:p14="http://schemas.microsoft.com/office/powerpoint/2010/main" val="1086979209"/>
       </p:ext>
     </p:extLst>
   </p:cSld>
@@ -920,6 +1212,119 @@
     </p:spTree>
     <p:extLst>
       <p:ext uri="{BB962C8B-B14F-4D97-AF65-F5344CB8AC3E}">
+        <p14:creationId xmlns:p14="http://schemas.microsoft.com/office/powerpoint/2010/main" val="1086979209"/>
+      </p:ext>
+    </p:extLst>
+  </p:cSld>
+  <p:clrMapOvr>
+    <a:masterClrMapping/>
+  </p:clrMapOvr>
+</p:notes>
+</file>
+
+<file path=ppt/notesSlides/notesSlide5.xml><?xml version="1.0" encoding="utf-8"?>
+<p:notes xmlns:a="http://schemas.openxmlformats.org/drawingml/2006/main" xmlns:r="http://schemas.openxmlformats.org/officeDocument/2006/relationships" xmlns:p="http://schemas.openxmlformats.org/presentationml/2006/main" showMasterSp="0" showMasterPhAnim="0">
+  <p:cSld>
+    <p:spTree>
+      <p:nvGrpSpPr>
+        <p:cNvPr id="1" name="Shape 2372"/>
+        <p:cNvGrpSpPr/>
+        <p:nvPr/>
+      </p:nvGrpSpPr>
+      <p:grpSpPr>
+        <a:xfrm>
+          <a:off x="0" y="0"/>
+          <a:ext cx="0" cy="0"/>
+          <a:chOff x="0" y="0"/>
+          <a:chExt cx="0" cy="0"/>
+        </a:xfrm>
+      </p:grpSpPr>
+      <p:sp>
+        <p:nvSpPr>
+          <p:cNvPr id="2373" name="Google Shape;2373;gce41aa3c17_2_89:notes"/>
+          <p:cNvSpPr>
+            <a:spLocks noGrp="1" noRot="1" noChangeAspect="1"/>
+          </p:cNvSpPr>
+          <p:nvPr>
+            <p:ph type="sldImg" idx="2"/>
+          </p:nvPr>
+        </p:nvSpPr>
+        <p:spPr>
+          <a:xfrm>
+            <a:off x="381000" y="685800"/>
+            <a:ext cx="6096000" cy="3429000"/>
+          </a:xfrm>
+          <a:custGeom>
+            <a:avLst/>
+            <a:gdLst/>
+            <a:ahLst/>
+            <a:cxnLst/>
+            <a:rect l="l" t="t" r="r" b="b"/>
+            <a:pathLst>
+              <a:path w="120000" h="120000" extrusionOk="0">
+                <a:moveTo>
+                  <a:pt x="0" y="0"/>
+                </a:moveTo>
+                <a:lnTo>
+                  <a:pt x="120000" y="0"/>
+                </a:lnTo>
+                <a:lnTo>
+                  <a:pt x="120000" y="120000"/>
+                </a:lnTo>
+                <a:lnTo>
+                  <a:pt x="0" y="120000"/>
+                </a:lnTo>
+                <a:close/>
+              </a:path>
+            </a:pathLst>
+          </a:custGeom>
+        </p:spPr>
+      </p:sp>
+      <p:sp>
+        <p:nvSpPr>
+          <p:cNvPr id="2374" name="Google Shape;2374;gce41aa3c17_2_89:notes"/>
+          <p:cNvSpPr txBox="1">
+            <a:spLocks noGrp="1"/>
+          </p:cNvSpPr>
+          <p:nvPr>
+            <p:ph type="body" idx="1"/>
+          </p:nvPr>
+        </p:nvSpPr>
+        <p:spPr>
+          <a:xfrm>
+            <a:off x="685800" y="4343400"/>
+            <a:ext cx="5486400" cy="4114800"/>
+          </a:xfrm>
+          <a:prstGeom prst="rect">
+            <a:avLst/>
+          </a:prstGeom>
+        </p:spPr>
+        <p:txBody>
+          <a:bodyPr spcFirstLastPara="1" wrap="square" lIns="91425" tIns="91425" rIns="91425" bIns="91425" anchor="t" anchorCtr="0">
+            <a:noAutofit/>
+          </a:bodyPr>
+          <a:lstStyle/>
+          <a:p>
+            <a:pPr marL="0" lvl="0" indent="0" algn="l" rtl="0">
+              <a:spcBef>
+                <a:spcPts val="0"/>
+              </a:spcBef>
+              <a:spcAft>
+                <a:spcPts val="0"/>
+              </a:spcAft>
+              <a:buNone/>
+            </a:pPr>
+            <a:r>
+              <a:rPr lang="en"/>
+              <a:t>Sau khi login vào hệ thống, admin sẽ tạo area mới gồm name và description</a:t>
+            </a:r>
+            <a:endParaRPr/>
+          </a:p>
+        </p:txBody>
+      </p:sp>
+    </p:spTree>
+    <p:extLst>
+      <p:ext uri="{BB962C8B-B14F-4D97-AF65-F5344CB8AC3E}">
         <p14:creationId xmlns:p14="http://schemas.microsoft.com/office/powerpoint/2010/main" val="1309395142"/>
       </p:ext>
     </p:extLst>
@@ -930,7 +1335,7 @@
 </p:notes>
 </file>
 
-<file path=ppt/notesSlides/notesSlide5.xml><?xml version="1.0" encoding="utf-8"?>
+<file path=ppt/notesSlides/notesSlide6.xml><?xml version="1.0" encoding="utf-8"?>
 <p:notes xmlns:a="http://schemas.openxmlformats.org/drawingml/2006/main" xmlns:r="http://schemas.openxmlformats.org/officeDocument/2006/relationships" xmlns:p="http://schemas.openxmlformats.org/presentationml/2006/main" showMasterSp="0" showMasterPhAnim="0">
   <p:cSld>
     <p:spTree>
@@ -7323,180 +7728,6 @@
           </a:ln>
         </p:spPr>
       </p:cxnSp>
-      <p:grpSp>
-        <p:nvGrpSpPr>
-          <p:cNvPr id="787" name="Google Shape;787;p39"/>
-          <p:cNvGrpSpPr/>
-          <p:nvPr/>
-        </p:nvGrpSpPr>
-        <p:grpSpPr>
-          <a:xfrm>
-            <a:off x="4247299" y="1151717"/>
-            <a:ext cx="1969200" cy="1496787"/>
-            <a:chOff x="2367775" y="861785"/>
-            <a:chExt cx="1476900" cy="1122590"/>
-          </a:xfrm>
-        </p:grpSpPr>
-        <p:pic>
-          <p:nvPicPr>
-            <p:cNvPr id="788" name="Google Shape;788;p39"/>
-            <p:cNvPicPr preferRelativeResize="0"/>
-            <p:nvPr/>
-          </p:nvPicPr>
-          <p:blipFill>
-            <a:blip r:embed="rId3">
-              <a:alphaModFix/>
-            </a:blip>
-            <a:stretch>
-              <a:fillRect/>
-            </a:stretch>
-          </p:blipFill>
-          <p:spPr>
-            <a:xfrm>
-              <a:off x="2665584" y="861785"/>
-              <a:ext cx="877555" cy="818919"/>
-            </a:xfrm>
-            <a:prstGeom prst="rect">
-              <a:avLst/>
-            </a:prstGeom>
-            <a:noFill/>
-            <a:ln>
-              <a:noFill/>
-            </a:ln>
-          </p:spPr>
-        </p:pic>
-        <p:sp>
-          <p:nvSpPr>
-            <p:cNvPr id="789" name="Google Shape;789;p39"/>
-            <p:cNvSpPr txBox="1"/>
-            <p:nvPr/>
-          </p:nvSpPr>
-          <p:spPr>
-            <a:xfrm>
-              <a:off x="2367775" y="1658875"/>
-              <a:ext cx="1476900" cy="325500"/>
-            </a:xfrm>
-            <a:prstGeom prst="rect">
-              <a:avLst/>
-            </a:prstGeom>
-            <a:noFill/>
-            <a:ln>
-              <a:noFill/>
-            </a:ln>
-          </p:spPr>
-          <p:txBody>
-            <a:bodyPr spcFirstLastPara="1" wrap="square" lIns="121900" tIns="121900" rIns="121900" bIns="121900" anchor="ctr" anchorCtr="0">
-              <a:noAutofit/>
-            </a:bodyPr>
-            <a:lstStyle/>
-            <a:p>
-              <a:pPr algn="ctr"/>
-              <a:r>
-                <a:rPr lang="en" sz="2400" dirty="0">
-                  <a:latin typeface="Concert One"/>
-                  <a:ea typeface="Concert One"/>
-                  <a:cs typeface="Concert One"/>
-                  <a:sym typeface="Concert One"/>
-                </a:rPr>
-                <a:t>Backend Server</a:t>
-              </a:r>
-              <a:endParaRPr sz="2400" dirty="0">
-                <a:latin typeface="Concert One"/>
-                <a:ea typeface="Concert One"/>
-                <a:cs typeface="Concert One"/>
-                <a:sym typeface="Concert One"/>
-              </a:endParaRPr>
-            </a:p>
-          </p:txBody>
-        </p:sp>
-      </p:grpSp>
-      <p:grpSp>
-        <p:nvGrpSpPr>
-          <p:cNvPr id="790" name="Google Shape;790;p39"/>
-          <p:cNvGrpSpPr/>
-          <p:nvPr/>
-        </p:nvGrpSpPr>
-        <p:grpSpPr>
-          <a:xfrm>
-            <a:off x="7670316" y="3981941"/>
-            <a:ext cx="1542000" cy="1513771"/>
-            <a:chOff x="7266410" y="2419766"/>
-            <a:chExt cx="1156500" cy="1135328"/>
-          </a:xfrm>
-        </p:grpSpPr>
-        <p:pic>
-          <p:nvPicPr>
-            <p:cNvPr id="791" name="Google Shape;791;p39"/>
-            <p:cNvPicPr preferRelativeResize="0"/>
-            <p:nvPr/>
-          </p:nvPicPr>
-          <p:blipFill>
-            <a:blip r:embed="rId4">
-              <a:alphaModFix/>
-            </a:blip>
-            <a:stretch>
-              <a:fillRect/>
-            </a:stretch>
-          </p:blipFill>
-          <p:spPr>
-            <a:xfrm>
-              <a:off x="7330187" y="2419766"/>
-              <a:ext cx="858799" cy="824224"/>
-            </a:xfrm>
-            <a:prstGeom prst="rect">
-              <a:avLst/>
-            </a:prstGeom>
-            <a:noFill/>
-            <a:ln>
-              <a:noFill/>
-            </a:ln>
-          </p:spPr>
-        </p:pic>
-        <p:sp>
-          <p:nvSpPr>
-            <p:cNvPr id="792" name="Google Shape;792;p39"/>
-            <p:cNvSpPr txBox="1"/>
-            <p:nvPr/>
-          </p:nvSpPr>
-          <p:spPr>
-            <a:xfrm>
-              <a:off x="7266410" y="3229594"/>
-              <a:ext cx="1156500" cy="325500"/>
-            </a:xfrm>
-            <a:prstGeom prst="rect">
-              <a:avLst/>
-            </a:prstGeom>
-            <a:noFill/>
-            <a:ln>
-              <a:noFill/>
-            </a:ln>
-          </p:spPr>
-          <p:txBody>
-            <a:bodyPr spcFirstLastPara="1" wrap="square" lIns="121900" tIns="121900" rIns="121900" bIns="121900" anchor="ctr" anchorCtr="0">
-              <a:noAutofit/>
-            </a:bodyPr>
-            <a:lstStyle/>
-            <a:p>
-              <a:pPr algn="ctr"/>
-              <a:r>
-                <a:rPr lang="en" sz="2400" dirty="0">
-                  <a:latin typeface="Concert One"/>
-                  <a:ea typeface="Concert One"/>
-                  <a:cs typeface="Concert One"/>
-                  <a:sym typeface="Concert One"/>
-                </a:rPr>
-                <a:t>Mobile app</a:t>
-              </a:r>
-              <a:endParaRPr sz="2400" dirty="0">
-                <a:latin typeface="Concert One"/>
-                <a:ea typeface="Concert One"/>
-                <a:cs typeface="Concert One"/>
-                <a:sym typeface="Concert One"/>
-              </a:endParaRPr>
-            </a:p>
-          </p:txBody>
-        </p:sp>
-      </p:grpSp>
       <p:pic>
         <p:nvPicPr>
           <p:cNvPr id="793" name="Google Shape;793;p39"/>
@@ -7504,7 +7735,7 @@
           <p:nvPr/>
         </p:nvPicPr>
         <p:blipFill>
-          <a:blip r:embed="rId5">
+          <a:blip r:embed="rId3">
             <a:alphaModFix/>
           </a:blip>
           <a:stretch>
@@ -7513,8 +7744,8 @@
         </p:blipFill>
         <p:spPr>
           <a:xfrm>
-            <a:off x="7895968" y="4064185"/>
-            <a:ext cx="867733" cy="947967"/>
+            <a:off x="8006342" y="4171005"/>
+            <a:ext cx="1011230" cy="1113232"/>
           </a:xfrm>
           <a:prstGeom prst="rect">
             <a:avLst/>
@@ -7724,50 +7955,6 @@
           </a:p>
         </p:txBody>
       </p:sp>
-      <p:sp>
-        <p:nvSpPr>
-          <p:cNvPr id="801" name="Google Shape;801;p39"/>
-          <p:cNvSpPr txBox="1"/>
-          <p:nvPr/>
-        </p:nvSpPr>
-        <p:spPr>
-          <a:xfrm>
-            <a:off x="472390" y="2251439"/>
-            <a:ext cx="1005820" cy="434000"/>
-          </a:xfrm>
-          <a:prstGeom prst="rect">
-            <a:avLst/>
-          </a:prstGeom>
-          <a:noFill/>
-          <a:ln>
-            <a:noFill/>
-          </a:ln>
-        </p:spPr>
-        <p:txBody>
-          <a:bodyPr spcFirstLastPara="1" wrap="square" lIns="121900" tIns="121900" rIns="121900" bIns="121900" anchor="ctr" anchorCtr="0">
-            <a:noAutofit/>
-          </a:bodyPr>
-          <a:lstStyle/>
-          <a:p>
-            <a:pPr algn="ctr"/>
-            <a:r>
-              <a:rPr lang="en" sz="2400" dirty="0">
-                <a:latin typeface="Concert One"/>
-                <a:ea typeface="Concert One"/>
-                <a:cs typeface="Concert One"/>
-                <a:sym typeface="Concert One"/>
-              </a:rPr>
-              <a:t>Camera</a:t>
-            </a:r>
-            <a:endParaRPr sz="2400" dirty="0">
-              <a:latin typeface="Concert One"/>
-              <a:ea typeface="Concert One"/>
-              <a:cs typeface="Concert One"/>
-              <a:sym typeface="Concert One"/>
-            </a:endParaRPr>
-          </a:p>
-        </p:txBody>
-      </p:sp>
       <p:grpSp>
         <p:nvGrpSpPr>
           <p:cNvPr id="803" name="Google Shape;803;p39"/>
@@ -7833,7 +8020,7 @@
             <p:nvPr/>
           </p:nvPicPr>
           <p:blipFill>
-            <a:blip r:embed="rId6">
+            <a:blip r:embed="rId4">
               <a:alphaModFix/>
             </a:blip>
             <a:stretch>
@@ -7863,10 +8050,10 @@
         </p:nvGrpSpPr>
         <p:grpSpPr>
           <a:xfrm>
-            <a:off x="9823600" y="1211200"/>
-            <a:ext cx="1216733" cy="1401581"/>
+            <a:off x="9823601" y="1211200"/>
+            <a:ext cx="1585445" cy="1401581"/>
             <a:chOff x="7367700" y="908400"/>
-            <a:chExt cx="912550" cy="1051186"/>
+            <a:chExt cx="1189084" cy="1051186"/>
           </a:xfrm>
         </p:grpSpPr>
         <p:sp>
@@ -7878,7 +8065,7 @@
           <p:spPr>
             <a:xfrm>
               <a:off x="7367700" y="1634086"/>
-              <a:ext cx="912550" cy="325500"/>
+              <a:ext cx="1189084" cy="325500"/>
             </a:xfrm>
             <a:prstGeom prst="rect">
               <a:avLst/>
@@ -7920,7 +8107,7 @@
             <p:nvPr/>
           </p:nvPicPr>
           <p:blipFill>
-            <a:blip r:embed="rId7">
+            <a:blip r:embed="rId5">
               <a:alphaModFix/>
             </a:blip>
             <a:stretch>
@@ -7983,7 +8170,7 @@
             <a:p>
               <a:pPr algn="ctr"/>
               <a:r>
-                <a:rPr lang="en" sz="2400">
+                <a:rPr lang="en" sz="2400" dirty="0">
                   <a:latin typeface="Concert One"/>
                   <a:ea typeface="Concert One"/>
                   <a:cs typeface="Concert One"/>
@@ -7991,7 +8178,7 @@
                 </a:rPr>
                 <a:t>Web app</a:t>
               </a:r>
-              <a:endParaRPr sz="2400">
+              <a:endParaRPr sz="2400" dirty="0">
                 <a:latin typeface="Concert One"/>
                 <a:ea typeface="Concert One"/>
                 <a:cs typeface="Concert One"/>
@@ -8007,7 +8194,7 @@
             <p:nvPr/>
           </p:nvPicPr>
           <p:blipFill>
-            <a:blip r:embed="rId8">
+            <a:blip r:embed="rId6">
               <a:alphaModFix/>
             </a:blip>
             <a:stretch>
@@ -8037,10 +8224,10 @@
         </p:nvGrpSpPr>
         <p:grpSpPr>
           <a:xfrm>
-            <a:off x="4628443" y="5002181"/>
-            <a:ext cx="1116400" cy="1366759"/>
-            <a:chOff x="5037775" y="3934856"/>
-            <a:chExt cx="837300" cy="1025069"/>
+            <a:off x="4524986" y="5002181"/>
+            <a:ext cx="1450140" cy="1366759"/>
+            <a:chOff x="4960182" y="3934856"/>
+            <a:chExt cx="1087605" cy="1025069"/>
           </a:xfrm>
         </p:grpSpPr>
         <p:sp>
@@ -8051,8 +8238,8 @@
           </p:nvSpPr>
           <p:spPr>
             <a:xfrm>
-              <a:off x="5037775" y="4634425"/>
-              <a:ext cx="837300" cy="325500"/>
+              <a:off x="4960182" y="4634425"/>
+              <a:ext cx="1087605" cy="325500"/>
             </a:xfrm>
             <a:prstGeom prst="rect">
               <a:avLst/>
@@ -8070,7 +8257,7 @@
             <a:p>
               <a:pPr algn="ctr"/>
               <a:r>
-                <a:rPr lang="en" sz="2400">
+                <a:rPr lang="en" sz="2400" dirty="0">
                   <a:latin typeface="Concert One"/>
                   <a:ea typeface="Concert One"/>
                   <a:cs typeface="Concert One"/>
@@ -8078,7 +8265,7 @@
                 </a:rPr>
                 <a:t>Storage</a:t>
               </a:r>
-              <a:endParaRPr sz="2400">
+              <a:endParaRPr sz="2400" dirty="0">
                 <a:latin typeface="Concert One"/>
                 <a:ea typeface="Concert One"/>
                 <a:cs typeface="Concert One"/>
@@ -8094,7 +8281,7 @@
             <p:nvPr/>
           </p:nvPicPr>
           <p:blipFill>
-            <a:blip r:embed="rId9">
+            <a:blip r:embed="rId7">
               <a:alphaModFix/>
             </a:blip>
             <a:stretch>
@@ -8127,9 +8314,9 @@
           <p:nvPr/>
         </p:nvCxnSpPr>
         <p:spPr>
-          <a:xfrm>
-            <a:off x="975300" y="2685439"/>
-            <a:ext cx="0" cy="602244"/>
+          <a:xfrm flipH="1">
+            <a:off x="975300" y="2660276"/>
+            <a:ext cx="10613" cy="627407"/>
           </a:xfrm>
           <a:prstGeom prst="straightConnector1">
             <a:avLst/>
@@ -8175,90 +8362,77 @@
           </a:ln>
         </p:spPr>
       </p:cxnSp>
-      <p:cxnSp>
-        <p:nvCxnSpPr>
-          <p:cNvPr id="824" name="Google Shape;824;p39"/>
-          <p:cNvCxnSpPr>
-            <a:cxnSpLocks/>
-          </p:cNvCxnSpPr>
+      <p:grpSp>
+        <p:nvGrpSpPr>
+          <p:cNvPr id="13" name="Group 12"/>
+          <p:cNvGrpSpPr/>
           <p:nvPr/>
-        </p:nvCxnSpPr>
-        <p:spPr>
+        </p:nvGrpSpPr>
+        <p:grpSpPr>
           <a:xfrm>
             <a:off x="5820415" y="1397000"/>
-            <a:ext cx="4055204" cy="0"/>
+            <a:ext cx="4055204" cy="158302"/>
+            <a:chOff x="5820415" y="1397000"/>
+            <a:chExt cx="4055204" cy="158302"/>
           </a:xfrm>
-          <a:prstGeom prst="straightConnector1">
-            <a:avLst/>
-          </a:prstGeom>
-          <a:noFill/>
-          <a:ln w="9525" cap="flat" cmpd="sng">
-            <a:solidFill>
-              <a:schemeClr val="dk2"/>
-            </a:solidFill>
-            <a:prstDash val="solid"/>
-            <a:round/>
-            <a:headEnd type="none" w="med" len="med"/>
-            <a:tailEnd type="triangle" w="med" len="med"/>
-          </a:ln>
-        </p:spPr>
-      </p:cxnSp>
-      <p:cxnSp>
-        <p:nvCxnSpPr>
-          <p:cNvPr id="827" name="Google Shape;827;p39"/>
-          <p:cNvCxnSpPr>
-            <a:cxnSpLocks/>
-          </p:cNvCxnSpPr>
-          <p:nvPr/>
-        </p:nvCxnSpPr>
-        <p:spPr>
-          <a:xfrm>
-            <a:off x="5405926" y="2612782"/>
-            <a:ext cx="19511" cy="2282597"/>
-          </a:xfrm>
-          <a:prstGeom prst="straightConnector1">
-            <a:avLst/>
-          </a:prstGeom>
-          <a:noFill/>
-          <a:ln w="9525" cap="flat" cmpd="sng">
-            <a:solidFill>
-              <a:schemeClr val="dk2"/>
-            </a:solidFill>
-            <a:prstDash val="solid"/>
-            <a:round/>
-            <a:headEnd type="none" w="med" len="med"/>
-            <a:tailEnd type="triangle" w="med" len="med"/>
-          </a:ln>
-        </p:spPr>
-      </p:cxnSp>
-      <p:cxnSp>
-        <p:nvCxnSpPr>
-          <p:cNvPr id="829" name="Google Shape;829;p39"/>
-          <p:cNvCxnSpPr>
-            <a:cxnSpLocks/>
-          </p:cNvCxnSpPr>
-          <p:nvPr/>
-        </p:nvCxnSpPr>
-        <p:spPr>
-          <a:xfrm flipH="1" flipV="1">
-            <a:off x="5884205" y="1550589"/>
-            <a:ext cx="3893063" cy="4713"/>
-          </a:xfrm>
-          <a:prstGeom prst="straightConnector1">
-            <a:avLst/>
-          </a:prstGeom>
-          <a:noFill/>
-          <a:ln w="9525" cap="flat" cmpd="sng">
-            <a:solidFill>
-              <a:schemeClr val="dk2"/>
-            </a:solidFill>
-            <a:prstDash val="dash"/>
-            <a:round/>
-            <a:headEnd type="none" w="med" len="med"/>
-            <a:tailEnd type="triangle" w="med" len="med"/>
-          </a:ln>
-        </p:spPr>
-      </p:cxnSp>
+        </p:grpSpPr>
+        <p:cxnSp>
+          <p:nvCxnSpPr>
+            <p:cNvPr id="824" name="Google Shape;824;p39"/>
+            <p:cNvCxnSpPr>
+              <a:cxnSpLocks/>
+            </p:cNvCxnSpPr>
+            <p:nvPr/>
+          </p:nvCxnSpPr>
+          <p:spPr>
+            <a:xfrm>
+              <a:off x="5820415" y="1397000"/>
+              <a:ext cx="4055204" cy="0"/>
+            </a:xfrm>
+            <a:prstGeom prst="straightConnector1">
+              <a:avLst/>
+            </a:prstGeom>
+            <a:noFill/>
+            <a:ln w="9525" cap="flat" cmpd="sng">
+              <a:solidFill>
+                <a:schemeClr val="dk2"/>
+              </a:solidFill>
+              <a:prstDash val="solid"/>
+              <a:round/>
+              <a:headEnd type="none" w="med" len="med"/>
+              <a:tailEnd type="triangle" w="med" len="med"/>
+            </a:ln>
+          </p:spPr>
+        </p:cxnSp>
+        <p:cxnSp>
+          <p:nvCxnSpPr>
+            <p:cNvPr id="829" name="Google Shape;829;p39"/>
+            <p:cNvCxnSpPr>
+              <a:cxnSpLocks/>
+            </p:cNvCxnSpPr>
+            <p:nvPr/>
+          </p:nvCxnSpPr>
+          <p:spPr>
+            <a:xfrm flipH="1" flipV="1">
+              <a:off x="5884205" y="1550589"/>
+              <a:ext cx="3893063" cy="4713"/>
+            </a:xfrm>
+            <a:prstGeom prst="straightConnector1">
+              <a:avLst/>
+            </a:prstGeom>
+            <a:noFill/>
+            <a:ln w="9525" cap="flat" cmpd="sng">
+              <a:solidFill>
+                <a:schemeClr val="dk2"/>
+              </a:solidFill>
+              <a:prstDash val="dash"/>
+              <a:round/>
+              <a:headEnd type="none" w="med" len="med"/>
+              <a:tailEnd type="triangle" w="med" len="med"/>
+            </a:ln>
+          </p:spPr>
+        </p:cxnSp>
+      </p:grpSp>
       <p:grpSp>
         <p:nvGrpSpPr>
           <p:cNvPr id="830" name="Google Shape;830;p39"/>
@@ -8323,148 +8497,6 @@
                 <a:schemeClr val="dk2"/>
               </a:solidFill>
               <a:prstDash val="solid"/>
-              <a:round/>
-              <a:headEnd type="none" w="med" len="med"/>
-              <a:tailEnd type="triangle" w="med" len="med"/>
-            </a:ln>
-          </p:spPr>
-        </p:cxnSp>
-      </p:grpSp>
-      <p:grpSp>
-        <p:nvGrpSpPr>
-          <p:cNvPr id="833" name="Google Shape;833;p39"/>
-          <p:cNvGrpSpPr/>
-          <p:nvPr/>
-        </p:nvGrpSpPr>
-        <p:grpSpPr>
-          <a:xfrm>
-            <a:off x="3700136" y="3881544"/>
-            <a:ext cx="1070577" cy="1397168"/>
-            <a:chOff x="2811906" y="2884969"/>
-            <a:chExt cx="802933" cy="1047876"/>
-          </a:xfrm>
-        </p:grpSpPr>
-        <p:cxnSp>
-          <p:nvCxnSpPr>
-            <p:cNvPr id="834" name="Google Shape;834;p39"/>
-            <p:cNvCxnSpPr>
-              <a:cxnSpLocks/>
-            </p:cNvCxnSpPr>
-            <p:nvPr/>
-          </p:nvCxnSpPr>
-          <p:spPr>
-            <a:xfrm flipH="1" flipV="1">
-              <a:off x="2811906" y="2889756"/>
-              <a:ext cx="798011" cy="1043089"/>
-            </a:xfrm>
-            <a:prstGeom prst="straightConnector1">
-              <a:avLst/>
-            </a:prstGeom>
-            <a:noFill/>
-            <a:ln w="9525" cap="flat" cmpd="sng">
-              <a:solidFill>
-                <a:schemeClr val="dk2"/>
-              </a:solidFill>
-              <a:prstDash val="dash"/>
-              <a:round/>
-              <a:headEnd type="none" w="med" len="med"/>
-              <a:tailEnd type="triangle" w="med" len="med"/>
-            </a:ln>
-          </p:spPr>
-        </p:cxnSp>
-        <p:cxnSp>
-          <p:nvCxnSpPr>
-            <p:cNvPr id="835" name="Google Shape;835;p39"/>
-            <p:cNvCxnSpPr>
-              <a:cxnSpLocks/>
-            </p:cNvCxnSpPr>
-            <p:nvPr/>
-          </p:nvCxnSpPr>
-          <p:spPr>
-            <a:xfrm>
-              <a:off x="2866912" y="2884969"/>
-              <a:ext cx="747927" cy="961814"/>
-            </a:xfrm>
-            <a:prstGeom prst="straightConnector1">
-              <a:avLst/>
-            </a:prstGeom>
-            <a:noFill/>
-            <a:ln w="9525" cap="flat" cmpd="sng">
-              <a:solidFill>
-                <a:schemeClr val="dk2"/>
-              </a:solidFill>
-              <a:prstDash val="solid"/>
-              <a:round/>
-              <a:headEnd type="none" w="med" len="med"/>
-              <a:tailEnd type="triangle" w="med" len="med"/>
-            </a:ln>
-          </p:spPr>
-        </p:cxnSp>
-      </p:grpSp>
-      <p:grpSp>
-        <p:nvGrpSpPr>
-          <p:cNvPr id="836" name="Google Shape;836;p39"/>
-          <p:cNvGrpSpPr/>
-          <p:nvPr/>
-        </p:nvGrpSpPr>
-        <p:grpSpPr>
-          <a:xfrm>
-            <a:off x="5814451" y="1794202"/>
-            <a:ext cx="3920659" cy="1456740"/>
-            <a:chOff x="766303" y="1866029"/>
-            <a:chExt cx="2940494" cy="1092555"/>
-          </a:xfrm>
-        </p:grpSpPr>
-        <p:cxnSp>
-          <p:nvCxnSpPr>
-            <p:cNvPr id="837" name="Google Shape;837;p39"/>
-            <p:cNvCxnSpPr>
-              <a:cxnSpLocks/>
-            </p:cNvCxnSpPr>
-            <p:nvPr/>
-          </p:nvCxnSpPr>
-          <p:spPr>
-            <a:xfrm>
-              <a:off x="798806" y="1866029"/>
-              <a:ext cx="2907991" cy="1003017"/>
-            </a:xfrm>
-            <a:prstGeom prst="straightConnector1">
-              <a:avLst/>
-            </a:prstGeom>
-            <a:noFill/>
-            <a:ln w="9525" cap="flat" cmpd="sng">
-              <a:solidFill>
-                <a:schemeClr val="dk2"/>
-              </a:solidFill>
-              <a:prstDash val="solid"/>
-              <a:round/>
-              <a:headEnd type="none" w="med" len="med"/>
-              <a:tailEnd type="triangle" w="med" len="med"/>
-            </a:ln>
-          </p:spPr>
-        </p:cxnSp>
-        <p:cxnSp>
-          <p:nvCxnSpPr>
-            <p:cNvPr id="838" name="Google Shape;838;p39"/>
-            <p:cNvCxnSpPr>
-              <a:cxnSpLocks/>
-            </p:cNvCxnSpPr>
-            <p:nvPr/>
-          </p:nvCxnSpPr>
-          <p:spPr>
-            <a:xfrm flipH="1" flipV="1">
-              <a:off x="766303" y="1932734"/>
-              <a:ext cx="2896051" cy="1025850"/>
-            </a:xfrm>
-            <a:prstGeom prst="straightConnector1">
-              <a:avLst/>
-            </a:prstGeom>
-            <a:noFill/>
-            <a:ln w="9525" cap="flat" cmpd="sng">
-              <a:solidFill>
-                <a:schemeClr val="dk2"/>
-              </a:solidFill>
-              <a:prstDash val="dash"/>
               <a:round/>
               <a:headEnd type="none" w="med" len="med"/>
               <a:tailEnd type="triangle" w="med" len="med"/>
@@ -8550,7 +8582,7 @@
           <p:nvPr/>
         </p:nvPicPr>
         <p:blipFill>
-          <a:blip r:embed="rId10">
+          <a:blip r:embed="rId8">
             <a:alphaModFix/>
           </a:blip>
           <a:stretch>
@@ -8559,7 +8591,7 @@
         </p:blipFill>
         <p:spPr>
           <a:xfrm>
-            <a:off x="2724334" y="3300264"/>
+            <a:off x="2727366" y="3382425"/>
             <a:ext cx="1097532" cy="951232"/>
           </a:xfrm>
           <a:prstGeom prst="rect">
@@ -8571,64 +8603,95 @@
           </a:ln>
         </p:spPr>
       </p:pic>
-      <p:pic>
-        <p:nvPicPr>
-          <p:cNvPr id="852" name="Google Shape;852;p39"/>
-          <p:cNvPicPr preferRelativeResize="0"/>
+      <p:grpSp>
+        <p:nvGrpSpPr>
+          <p:cNvPr id="6" name="Group 5"/>
+          <p:cNvGrpSpPr/>
           <p:nvPr/>
-        </p:nvPicPr>
-        <p:blipFill>
-          <a:blip r:embed="rId11">
-            <a:alphaModFix/>
-          </a:blip>
-          <a:stretch>
-            <a:fillRect/>
-          </a:stretch>
-        </p:blipFill>
-        <p:spPr>
+        </p:nvGrpSpPr>
+        <p:grpSpPr>
           <a:xfrm>
-            <a:off x="4454605" y="5032753"/>
-            <a:ext cx="1542000" cy="806187"/>
+            <a:off x="256300" y="1217476"/>
+            <a:ext cx="1459226" cy="1442800"/>
+            <a:chOff x="256300" y="1217476"/>
+            <a:chExt cx="1459226" cy="1442800"/>
           </a:xfrm>
-          <a:prstGeom prst="rect">
-            <a:avLst/>
-          </a:prstGeom>
-          <a:noFill/>
-          <a:ln>
+        </p:grpSpPr>
+        <p:sp>
+          <p:nvSpPr>
+            <p:cNvPr id="801" name="Google Shape;801;p39"/>
+            <p:cNvSpPr txBox="1"/>
+            <p:nvPr/>
+          </p:nvSpPr>
+          <p:spPr>
+            <a:xfrm>
+              <a:off x="256300" y="2226276"/>
+              <a:ext cx="1459226" cy="434000"/>
+            </a:xfrm>
+            <a:prstGeom prst="rect">
+              <a:avLst/>
+            </a:prstGeom>
             <a:noFill/>
-          </a:ln>
-        </p:spPr>
-      </p:pic>
-      <p:pic>
-        <p:nvPicPr>
-          <p:cNvPr id="5" name="Picture 4">
-            <a:extLst>
-              <a:ext uri="{FF2B5EF4-FFF2-40B4-BE49-F238E27FC236}">
-                <a16:creationId xmlns:a16="http://schemas.microsoft.com/office/drawing/2014/main" id="{0DDEB039-113E-024F-908A-79BFB6C40969}"/>
-              </a:ext>
-            </a:extLst>
-          </p:cNvPr>
-          <p:cNvPicPr>
-            <a:picLocks noChangeAspect="1"/>
-          </p:cNvPicPr>
-          <p:nvPr/>
-        </p:nvPicPr>
-        <p:blipFill>
-          <a:blip r:embed="rId12"/>
-          <a:stretch>
-            <a:fillRect/>
-          </a:stretch>
-        </p:blipFill>
-        <p:spPr>
-          <a:xfrm>
-            <a:off x="708867" y="1217476"/>
-            <a:ext cx="967200" cy="967200"/>
-          </a:xfrm>
-          <a:prstGeom prst="rect">
-            <a:avLst/>
-          </a:prstGeom>
-        </p:spPr>
-      </p:pic>
+            <a:ln>
+              <a:noFill/>
+            </a:ln>
+          </p:spPr>
+          <p:txBody>
+            <a:bodyPr spcFirstLastPara="1" wrap="square" lIns="121900" tIns="121900" rIns="121900" bIns="121900" anchor="ctr" anchorCtr="0">
+              <a:noAutofit/>
+            </a:bodyPr>
+            <a:lstStyle/>
+            <a:p>
+              <a:pPr algn="ctr"/>
+              <a:r>
+                <a:rPr lang="en" sz="2400" dirty="0">
+                  <a:latin typeface="Concert One"/>
+                  <a:ea typeface="Concert One"/>
+                  <a:cs typeface="Concert One"/>
+                  <a:sym typeface="Concert One"/>
+                </a:rPr>
+                <a:t>Camera</a:t>
+              </a:r>
+              <a:endParaRPr sz="2400" dirty="0">
+                <a:latin typeface="Concert One"/>
+                <a:ea typeface="Concert One"/>
+                <a:cs typeface="Concert One"/>
+                <a:sym typeface="Concert One"/>
+              </a:endParaRPr>
+            </a:p>
+          </p:txBody>
+        </p:sp>
+        <p:pic>
+          <p:nvPicPr>
+            <p:cNvPr id="5" name="Picture 4">
+              <a:extLst>
+                <a:ext uri="{FF2B5EF4-FFF2-40B4-BE49-F238E27FC236}">
+                  <a16:creationId xmlns:a16="http://schemas.microsoft.com/office/drawing/2014/main" id="{0DDEB039-113E-024F-908A-79BFB6C40969}"/>
+                </a:ext>
+              </a:extLst>
+            </p:cNvPr>
+            <p:cNvPicPr>
+              <a:picLocks noChangeAspect="1"/>
+            </p:cNvPicPr>
+            <p:nvPr/>
+          </p:nvPicPr>
+          <p:blipFill>
+            <a:blip r:embed="rId9"/>
+            <a:stretch>
+              <a:fillRect/>
+            </a:stretch>
+          </p:blipFill>
+          <p:spPr>
+            <a:xfrm>
+              <a:off x="708867" y="1217476"/>
+              <a:ext cx="967200" cy="967200"/>
+            </a:xfrm>
+            <a:prstGeom prst="rect">
+              <a:avLst/>
+            </a:prstGeom>
+          </p:spPr>
+        </p:pic>
+      </p:grpSp>
       <p:pic>
         <p:nvPicPr>
           <p:cNvPr id="7" name="Picture 6">
@@ -8644,14 +8707,14 @@
           <p:nvPr/>
         </p:nvPicPr>
         <p:blipFill>
-          <a:blip r:embed="rId13"/>
+          <a:blip r:embed="rId10"/>
           <a:stretch>
             <a:fillRect/>
           </a:stretch>
         </p:blipFill>
         <p:spPr>
           <a:xfrm>
-            <a:off x="4714131" y="1127969"/>
+            <a:off x="4698525" y="1049497"/>
             <a:ext cx="1071851" cy="1071851"/>
           </a:xfrm>
           <a:prstGeom prst="rect">
@@ -8659,91 +8722,84 @@
           </a:prstGeom>
         </p:spPr>
       </p:pic>
-      <p:cxnSp>
-        <p:nvCxnSpPr>
-          <p:cNvPr id="80" name="Google Shape;846;p39">
-            <a:extLst>
-              <a:ext uri="{FF2B5EF4-FFF2-40B4-BE49-F238E27FC236}">
-                <a16:creationId xmlns:a16="http://schemas.microsoft.com/office/drawing/2014/main" id="{4BEF6AFF-CB9F-624D-B799-D35557CBB08D}"/>
-              </a:ext>
-            </a:extLst>
-          </p:cNvPr>
-          <p:cNvCxnSpPr>
-            <a:cxnSpLocks/>
-            <a:endCxn id="789" idx="2"/>
-          </p:cNvCxnSpPr>
+      <p:grpSp>
+        <p:nvGrpSpPr>
+          <p:cNvPr id="11" name="Group 10"/>
+          <p:cNvGrpSpPr/>
           <p:nvPr/>
-        </p:nvCxnSpPr>
-        <p:spPr>
-          <a:xfrm flipV="1">
-            <a:off x="5216511" y="2648504"/>
-            <a:ext cx="15388" cy="2227179"/>
+        </p:nvGrpSpPr>
+        <p:grpSpPr>
+          <a:xfrm>
+            <a:off x="5165066" y="2612781"/>
+            <a:ext cx="208926" cy="2282597"/>
+            <a:chOff x="5216511" y="2612782"/>
+            <a:chExt cx="208926" cy="2282597"/>
           </a:xfrm>
-          <a:prstGeom prst="straightConnector1">
-            <a:avLst/>
-          </a:prstGeom>
-          <a:noFill/>
-          <a:ln w="9525" cap="flat" cmpd="sng">
-            <a:solidFill>
-              <a:schemeClr val="dk2"/>
-            </a:solidFill>
-            <a:prstDash val="dash"/>
-            <a:round/>
-            <a:headEnd type="none" w="med" len="med"/>
-            <a:tailEnd type="triangle" w="med" len="med"/>
-          </a:ln>
-        </p:spPr>
-      </p:cxnSp>
-      <p:sp>
-        <p:nvSpPr>
-          <p:cNvPr id="84" name="Google Shape;789;p39">
-            <a:extLst>
-              <a:ext uri="{FF2B5EF4-FFF2-40B4-BE49-F238E27FC236}">
-                <a16:creationId xmlns:a16="http://schemas.microsoft.com/office/drawing/2014/main" id="{84D9A821-BFD6-E649-B6BE-9F9C9F05000B}"/>
-              </a:ext>
-            </a:extLst>
-          </p:cNvPr>
-          <p:cNvSpPr txBox="1"/>
-          <p:nvPr/>
-        </p:nvSpPr>
-        <p:spPr>
-          <a:xfrm>
-            <a:off x="9424200" y="4048951"/>
-            <a:ext cx="1969200" cy="434000"/>
-          </a:xfrm>
-          <a:prstGeom prst="rect">
-            <a:avLst/>
-          </a:prstGeom>
-          <a:noFill/>
-          <a:ln>
+        </p:grpSpPr>
+        <p:cxnSp>
+          <p:nvCxnSpPr>
+            <p:cNvPr id="827" name="Google Shape;827;p39"/>
+            <p:cNvCxnSpPr>
+              <a:cxnSpLocks/>
+            </p:cNvCxnSpPr>
+            <p:nvPr/>
+          </p:nvCxnSpPr>
+          <p:spPr>
+            <a:xfrm>
+              <a:off x="5405926" y="2612782"/>
+              <a:ext cx="19511" cy="2282597"/>
+            </a:xfrm>
+            <a:prstGeom prst="straightConnector1">
+              <a:avLst/>
+            </a:prstGeom>
             <a:noFill/>
-          </a:ln>
-        </p:spPr>
-        <p:txBody>
-          <a:bodyPr spcFirstLastPara="1" wrap="square" lIns="121900" tIns="121900" rIns="121900" bIns="121900" anchor="ctr" anchorCtr="0">
-            <a:noAutofit/>
-          </a:bodyPr>
-          <a:lstStyle/>
-          <a:p>
-            <a:pPr algn="ctr"/>
-            <a:r>
-              <a:rPr lang="en" sz="2400" dirty="0">
-                <a:latin typeface="Concert One"/>
-                <a:ea typeface="Concert One"/>
-                <a:cs typeface="Concert One"/>
-                <a:sym typeface="Concert One"/>
-              </a:rPr>
-              <a:t>Detect Server</a:t>
-            </a:r>
-            <a:endParaRPr sz="2400" dirty="0">
-              <a:latin typeface="Concert One"/>
-              <a:ea typeface="Concert One"/>
-              <a:cs typeface="Concert One"/>
-              <a:sym typeface="Concert One"/>
-            </a:endParaRPr>
-          </a:p>
-        </p:txBody>
-      </p:sp>
+            <a:ln w="9525" cap="flat" cmpd="sng">
+              <a:solidFill>
+                <a:schemeClr val="dk2"/>
+              </a:solidFill>
+              <a:prstDash val="solid"/>
+              <a:round/>
+              <a:headEnd type="none" w="med" len="med"/>
+              <a:tailEnd type="triangle" w="med" len="med"/>
+            </a:ln>
+          </p:spPr>
+        </p:cxnSp>
+        <p:cxnSp>
+          <p:nvCxnSpPr>
+            <p:cNvPr id="80" name="Google Shape;846;p39">
+              <a:extLst>
+                <a:ext uri="{FF2B5EF4-FFF2-40B4-BE49-F238E27FC236}">
+                  <a16:creationId xmlns:a16="http://schemas.microsoft.com/office/drawing/2014/main" id="{4BEF6AFF-CB9F-624D-B799-D35557CBB08D}"/>
+                </a:ext>
+              </a:extLst>
+            </p:cNvPr>
+            <p:cNvCxnSpPr>
+              <a:cxnSpLocks/>
+              <a:endCxn id="789" idx="2"/>
+            </p:cNvCxnSpPr>
+            <p:nvPr/>
+          </p:nvCxnSpPr>
+          <p:spPr>
+            <a:xfrm flipV="1">
+              <a:off x="5216511" y="2648504"/>
+              <a:ext cx="15388" cy="2227179"/>
+            </a:xfrm>
+            <a:prstGeom prst="straightConnector1">
+              <a:avLst/>
+            </a:prstGeom>
+            <a:noFill/>
+            <a:ln w="9525" cap="flat" cmpd="sng">
+              <a:solidFill>
+                <a:schemeClr val="dk2"/>
+              </a:solidFill>
+              <a:prstDash val="dash"/>
+              <a:round/>
+              <a:headEnd type="none" w="med" len="med"/>
+              <a:tailEnd type="triangle" w="med" len="med"/>
+            </a:ln>
+          </p:spPr>
+        </p:cxnSp>
+      </p:grpSp>
       <p:grpSp>
         <p:nvGrpSpPr>
           <p:cNvPr id="91" name="Google Shape;836;p39">
@@ -8835,74 +8891,6 @@
       </p:grpSp>
       <p:pic>
         <p:nvPicPr>
-          <p:cNvPr id="139" name="Google Shape;2101;p96">
-            <a:extLst>
-              <a:ext uri="{FF2B5EF4-FFF2-40B4-BE49-F238E27FC236}">
-                <a16:creationId xmlns:a16="http://schemas.microsoft.com/office/drawing/2014/main" id="{0FBEF660-6686-D14B-8CC8-2F009EA422EC}"/>
-              </a:ext>
-            </a:extLst>
-          </p:cNvPr>
-          <p:cNvPicPr preferRelativeResize="0"/>
-          <p:nvPr/>
-        </p:nvPicPr>
-        <p:blipFill>
-          <a:blip r:embed="rId14">
-            <a:alphaModFix/>
-          </a:blip>
-          <a:stretch>
-            <a:fillRect/>
-          </a:stretch>
-        </p:blipFill>
-        <p:spPr>
-          <a:xfrm>
-            <a:off x="10199634" y="3074956"/>
-            <a:ext cx="685692" cy="1030597"/>
-          </a:xfrm>
-          <a:prstGeom prst="rect">
-            <a:avLst/>
-          </a:prstGeom>
-          <a:noFill/>
-          <a:ln>
-            <a:noFill/>
-          </a:ln>
-        </p:spPr>
-      </p:pic>
-      <p:pic>
-        <p:nvPicPr>
-          <p:cNvPr id="140" name="Google Shape;2109;p96">
-            <a:extLst>
-              <a:ext uri="{FF2B5EF4-FFF2-40B4-BE49-F238E27FC236}">
-                <a16:creationId xmlns:a16="http://schemas.microsoft.com/office/drawing/2014/main" id="{AE8FC1A2-D685-D648-945D-207D0A52E253}"/>
-              </a:ext>
-            </a:extLst>
-          </p:cNvPr>
-          <p:cNvPicPr preferRelativeResize="0"/>
-          <p:nvPr/>
-        </p:nvPicPr>
-        <p:blipFill>
-          <a:blip r:embed="rId15">
-            <a:alphaModFix/>
-          </a:blip>
-          <a:stretch>
-            <a:fillRect/>
-          </a:stretch>
-        </p:blipFill>
-        <p:spPr>
-          <a:xfrm>
-            <a:off x="9874071" y="3009889"/>
-            <a:ext cx="1114701" cy="1004148"/>
-          </a:xfrm>
-          <a:prstGeom prst="rect">
-            <a:avLst/>
-          </a:prstGeom>
-          <a:noFill/>
-          <a:ln>
-            <a:noFill/>
-          </a:ln>
-        </p:spPr>
-      </p:pic>
-      <p:pic>
-        <p:nvPicPr>
           <p:cNvPr id="67" name="Picture 66">
             <a:extLst>
               <a:ext uri="{FF2B5EF4-FFF2-40B4-BE49-F238E27FC236}">
@@ -8916,7 +8904,7 @@
           <p:nvPr/>
         </p:nvPicPr>
         <p:blipFill>
-          <a:blip r:embed="rId16"/>
+          <a:blip r:embed="rId11"/>
           <a:stretch>
             <a:fillRect/>
           </a:stretch>
@@ -8931,10 +8919,418 @@
           </a:prstGeom>
         </p:spPr>
       </p:pic>
+      <p:grpSp>
+        <p:nvGrpSpPr>
+          <p:cNvPr id="836" name="Google Shape;836;p39"/>
+          <p:cNvGrpSpPr/>
+          <p:nvPr/>
+        </p:nvGrpSpPr>
+        <p:grpSpPr>
+          <a:xfrm>
+            <a:off x="5814451" y="1794202"/>
+            <a:ext cx="3920659" cy="1456740"/>
+            <a:chOff x="766303" y="1866029"/>
+            <a:chExt cx="2940494" cy="1092555"/>
+          </a:xfrm>
+        </p:grpSpPr>
+        <p:cxnSp>
+          <p:nvCxnSpPr>
+            <p:cNvPr id="837" name="Google Shape;837;p39"/>
+            <p:cNvCxnSpPr>
+              <a:cxnSpLocks/>
+            </p:cNvCxnSpPr>
+            <p:nvPr/>
+          </p:nvCxnSpPr>
+          <p:spPr>
+            <a:xfrm>
+              <a:off x="798806" y="1866029"/>
+              <a:ext cx="2907991" cy="1003017"/>
+            </a:xfrm>
+            <a:prstGeom prst="straightConnector1">
+              <a:avLst/>
+            </a:prstGeom>
+            <a:noFill/>
+            <a:ln w="9525" cap="flat" cmpd="sng">
+              <a:solidFill>
+                <a:schemeClr val="dk2"/>
+              </a:solidFill>
+              <a:prstDash val="solid"/>
+              <a:round/>
+              <a:headEnd type="none" w="med" len="med"/>
+              <a:tailEnd type="triangle" w="med" len="med"/>
+            </a:ln>
+          </p:spPr>
+        </p:cxnSp>
+        <p:cxnSp>
+          <p:nvCxnSpPr>
+            <p:cNvPr id="838" name="Google Shape;838;p39"/>
+            <p:cNvCxnSpPr>
+              <a:cxnSpLocks/>
+            </p:cNvCxnSpPr>
+            <p:nvPr/>
+          </p:nvCxnSpPr>
+          <p:spPr>
+            <a:xfrm flipH="1" flipV="1">
+              <a:off x="766303" y="1932734"/>
+              <a:ext cx="2896051" cy="1025850"/>
+            </a:xfrm>
+            <a:prstGeom prst="straightConnector1">
+              <a:avLst/>
+            </a:prstGeom>
+            <a:noFill/>
+            <a:ln w="9525" cap="flat" cmpd="sng">
+              <a:solidFill>
+                <a:schemeClr val="dk2"/>
+              </a:solidFill>
+              <a:prstDash val="dash"/>
+              <a:round/>
+              <a:headEnd type="none" w="med" len="med"/>
+              <a:tailEnd type="triangle" w="med" len="med"/>
+            </a:ln>
+          </p:spPr>
+        </p:cxnSp>
+      </p:grpSp>
+      <p:grpSp>
+        <p:nvGrpSpPr>
+          <p:cNvPr id="3" name="Group 2"/>
+          <p:cNvGrpSpPr/>
+          <p:nvPr/>
+        </p:nvGrpSpPr>
+        <p:grpSpPr>
+          <a:xfrm>
+            <a:off x="9447423" y="3074956"/>
+            <a:ext cx="2337800" cy="1468726"/>
+            <a:chOff x="9447423" y="3074956"/>
+            <a:chExt cx="2337800" cy="1468726"/>
+          </a:xfrm>
+        </p:grpSpPr>
+        <p:pic>
+          <p:nvPicPr>
+            <p:cNvPr id="139" name="Google Shape;2101;p96">
+              <a:extLst>
+                <a:ext uri="{FF2B5EF4-FFF2-40B4-BE49-F238E27FC236}">
+                  <a16:creationId xmlns:a16="http://schemas.microsoft.com/office/drawing/2014/main" id="{0FBEF660-6686-D14B-8CC8-2F009EA422EC}"/>
+                </a:ext>
+              </a:extLst>
+            </p:cNvPr>
+            <p:cNvPicPr preferRelativeResize="0"/>
+            <p:nvPr/>
+          </p:nvPicPr>
+          <p:blipFill>
+            <a:blip r:embed="rId12">
+              <a:alphaModFix/>
+            </a:blip>
+            <a:stretch>
+              <a:fillRect/>
+            </a:stretch>
+          </p:blipFill>
+          <p:spPr>
+            <a:xfrm>
+              <a:off x="10199634" y="3074956"/>
+              <a:ext cx="685692" cy="1030597"/>
+            </a:xfrm>
+            <a:prstGeom prst="rect">
+              <a:avLst/>
+            </a:prstGeom>
+            <a:noFill/>
+            <a:ln>
+              <a:noFill/>
+            </a:ln>
+          </p:spPr>
+        </p:pic>
+        <p:sp>
+          <p:nvSpPr>
+            <p:cNvPr id="84" name="Google Shape;789;p39">
+              <a:extLst>
+                <a:ext uri="{FF2B5EF4-FFF2-40B4-BE49-F238E27FC236}">
+                  <a16:creationId xmlns:a16="http://schemas.microsoft.com/office/drawing/2014/main" id="{84D9A821-BFD6-E649-B6BE-9F9C9F05000B}"/>
+                </a:ext>
+              </a:extLst>
+            </p:cNvPr>
+            <p:cNvSpPr txBox="1"/>
+            <p:nvPr/>
+          </p:nvSpPr>
+          <p:spPr>
+            <a:xfrm>
+              <a:off x="9447423" y="4109682"/>
+              <a:ext cx="2337800" cy="434000"/>
+            </a:xfrm>
+            <a:prstGeom prst="rect">
+              <a:avLst/>
+            </a:prstGeom>
+            <a:noFill/>
+            <a:ln>
+              <a:noFill/>
+            </a:ln>
+          </p:spPr>
+          <p:txBody>
+            <a:bodyPr spcFirstLastPara="1" wrap="square" lIns="121900" tIns="121900" rIns="121900" bIns="121900" anchor="ctr" anchorCtr="0">
+              <a:noAutofit/>
+            </a:bodyPr>
+            <a:lstStyle/>
+            <a:p>
+              <a:pPr algn="ctr"/>
+              <a:r>
+                <a:rPr lang="en" sz="2400" dirty="0">
+                  <a:latin typeface="Concert One"/>
+                  <a:ea typeface="Concert One"/>
+                  <a:cs typeface="Concert One"/>
+                  <a:sym typeface="Concert One"/>
+                </a:rPr>
+                <a:t>Detect Server</a:t>
+              </a:r>
+              <a:endParaRPr sz="2400" dirty="0">
+                <a:latin typeface="Concert One"/>
+                <a:ea typeface="Concert One"/>
+                <a:cs typeface="Concert One"/>
+                <a:sym typeface="Concert One"/>
+              </a:endParaRPr>
+            </a:p>
+          </p:txBody>
+        </p:sp>
+      </p:grpSp>
+      <p:pic>
+        <p:nvPicPr>
+          <p:cNvPr id="2" name="Picture 1"/>
+          <p:cNvPicPr>
+            <a:picLocks noChangeAspect="1"/>
+          </p:cNvPicPr>
+          <p:nvPr/>
+        </p:nvPicPr>
+        <p:blipFill>
+          <a:blip r:embed="rId13" cstate="print">
+            <a:extLst>
+              <a:ext uri="{28A0092B-C50C-407E-A947-70E740481C1C}">
+                <a14:useLocalDpi xmlns:a14="http://schemas.microsoft.com/office/drawing/2010/main" val="0"/>
+              </a:ext>
+            </a:extLst>
+          </a:blip>
+          <a:stretch>
+            <a:fillRect/>
+          </a:stretch>
+        </p:blipFill>
+        <p:spPr>
+          <a:xfrm>
+            <a:off x="9961324" y="2981527"/>
+            <a:ext cx="1051960" cy="1051960"/>
+          </a:xfrm>
+          <a:prstGeom prst="rect">
+            <a:avLst/>
+          </a:prstGeom>
+        </p:spPr>
+      </p:pic>
+      <p:pic>
+        <p:nvPicPr>
+          <p:cNvPr id="8" name="Picture 7"/>
+          <p:cNvPicPr>
+            <a:picLocks noChangeAspect="1"/>
+          </p:cNvPicPr>
+          <p:nvPr/>
+        </p:nvPicPr>
+        <p:blipFill>
+          <a:blip r:embed="rId14" cstate="print">
+            <a:extLst>
+              <a:ext uri="{28A0092B-C50C-407E-A947-70E740481C1C}">
+                <a14:useLocalDpi xmlns:a14="http://schemas.microsoft.com/office/drawing/2010/main" val="0"/>
+              </a:ext>
+            </a:extLst>
+          </a:blip>
+          <a:stretch>
+            <a:fillRect/>
+          </a:stretch>
+        </p:blipFill>
+        <p:spPr>
+          <a:xfrm>
+            <a:off x="4656574" y="4920930"/>
+            <a:ext cx="1149564" cy="1149564"/>
+          </a:xfrm>
+          <a:prstGeom prst="rect">
+            <a:avLst/>
+          </a:prstGeom>
+        </p:spPr>
+      </p:pic>
+      <p:grpSp>
+        <p:nvGrpSpPr>
+          <p:cNvPr id="15" name="Group 14"/>
+          <p:cNvGrpSpPr/>
+          <p:nvPr/>
+        </p:nvGrpSpPr>
+        <p:grpSpPr>
+          <a:xfrm>
+            <a:off x="7670318" y="3940366"/>
+            <a:ext cx="1935239" cy="1555346"/>
+            <a:chOff x="7670318" y="3940366"/>
+            <a:chExt cx="1935239" cy="1555346"/>
+          </a:xfrm>
+        </p:grpSpPr>
+        <p:sp>
+          <p:nvSpPr>
+            <p:cNvPr id="792" name="Google Shape;792;p39"/>
+            <p:cNvSpPr txBox="1"/>
+            <p:nvPr/>
+          </p:nvSpPr>
+          <p:spPr>
+            <a:xfrm>
+              <a:off x="7670318" y="5061712"/>
+              <a:ext cx="1935239" cy="434000"/>
+            </a:xfrm>
+            <a:prstGeom prst="rect">
+              <a:avLst/>
+            </a:prstGeom>
+            <a:noFill/>
+            <a:ln>
+              <a:noFill/>
+            </a:ln>
+          </p:spPr>
+          <p:txBody>
+            <a:bodyPr spcFirstLastPara="1" wrap="square" lIns="121900" tIns="121900" rIns="121900" bIns="121900" anchor="ctr" anchorCtr="0">
+              <a:noAutofit/>
+            </a:bodyPr>
+            <a:lstStyle/>
+            <a:p>
+              <a:pPr algn="ctr"/>
+              <a:r>
+                <a:rPr lang="en" sz="2400" dirty="0">
+                  <a:latin typeface="Concert One"/>
+                  <a:ea typeface="Concert One"/>
+                  <a:cs typeface="Concert One"/>
+                  <a:sym typeface="Concert One"/>
+                </a:rPr>
+                <a:t>Mobile app</a:t>
+              </a:r>
+              <a:endParaRPr sz="2400" dirty="0">
+                <a:latin typeface="Concert One"/>
+                <a:ea typeface="Concert One"/>
+                <a:cs typeface="Concert One"/>
+                <a:sym typeface="Concert One"/>
+              </a:endParaRPr>
+            </a:p>
+          </p:txBody>
+        </p:sp>
+        <p:pic>
+          <p:nvPicPr>
+            <p:cNvPr id="14" name="Picture 13"/>
+            <p:cNvPicPr>
+              <a:picLocks noChangeAspect="1"/>
+            </p:cNvPicPr>
+            <p:nvPr/>
+          </p:nvPicPr>
+          <p:blipFill>
+            <a:blip r:embed="rId15" cstate="print">
+              <a:extLst>
+                <a:ext uri="{28A0092B-C50C-407E-A947-70E740481C1C}">
+                  <a14:useLocalDpi xmlns:a14="http://schemas.microsoft.com/office/drawing/2010/main" val="0"/>
+                </a:ext>
+              </a:extLst>
+            </a:blip>
+            <a:stretch>
+              <a:fillRect/>
+            </a:stretch>
+          </p:blipFill>
+          <p:spPr>
+            <a:xfrm>
+              <a:off x="7941805" y="3940366"/>
+              <a:ext cx="1203846" cy="1203846"/>
+            </a:xfrm>
+            <a:prstGeom prst="rect">
+              <a:avLst/>
+            </a:prstGeom>
+          </p:spPr>
+        </p:pic>
+      </p:grpSp>
+      <p:grpSp>
+        <p:nvGrpSpPr>
+          <p:cNvPr id="10" name="Group 9"/>
+          <p:cNvGrpSpPr/>
+          <p:nvPr/>
+        </p:nvGrpSpPr>
+        <p:grpSpPr>
+          <a:xfrm>
+            <a:off x="4247298" y="1054784"/>
+            <a:ext cx="1969200" cy="1593719"/>
+            <a:chOff x="4247298" y="1054784"/>
+            <a:chExt cx="1969200" cy="1593719"/>
+          </a:xfrm>
+        </p:grpSpPr>
+        <p:sp>
+          <p:nvSpPr>
+            <p:cNvPr id="789" name="Google Shape;789;p39"/>
+            <p:cNvSpPr txBox="1"/>
+            <p:nvPr/>
+          </p:nvSpPr>
+          <p:spPr>
+            <a:xfrm>
+              <a:off x="4247298" y="2214503"/>
+              <a:ext cx="1969200" cy="434000"/>
+            </a:xfrm>
+            <a:prstGeom prst="rect">
+              <a:avLst/>
+            </a:prstGeom>
+            <a:noFill/>
+            <a:ln>
+              <a:noFill/>
+            </a:ln>
+          </p:spPr>
+          <p:txBody>
+            <a:bodyPr spcFirstLastPara="1" wrap="square" lIns="121900" tIns="121900" rIns="121900" bIns="121900" anchor="ctr" anchorCtr="0">
+              <a:noAutofit/>
+            </a:bodyPr>
+            <a:lstStyle/>
+            <a:p>
+              <a:pPr algn="ctr"/>
+              <a:r>
+                <a:rPr lang="en" sz="2400" dirty="0">
+                  <a:latin typeface="Concert One"/>
+                  <a:ea typeface="Concert One"/>
+                  <a:cs typeface="Concert One"/>
+                  <a:sym typeface="Concert One"/>
+                </a:rPr>
+                <a:t>Backend Server</a:t>
+              </a:r>
+              <a:endParaRPr sz="2400" dirty="0">
+                <a:latin typeface="Concert One"/>
+                <a:ea typeface="Concert One"/>
+                <a:cs typeface="Concert One"/>
+                <a:sym typeface="Concert One"/>
+              </a:endParaRPr>
+            </a:p>
+          </p:txBody>
+        </p:sp>
+        <p:pic>
+          <p:nvPicPr>
+            <p:cNvPr id="4" name="Picture 3"/>
+            <p:cNvPicPr>
+              <a:picLocks noChangeAspect="1"/>
+            </p:cNvPicPr>
+            <p:nvPr/>
+          </p:nvPicPr>
+          <p:blipFill>
+            <a:blip r:embed="rId16" cstate="print">
+              <a:extLst>
+                <a:ext uri="{28A0092B-C50C-407E-A947-70E740481C1C}">
+                  <a14:useLocalDpi xmlns:a14="http://schemas.microsoft.com/office/drawing/2010/main" val="0"/>
+                </a:ext>
+              </a:extLst>
+            </a:blip>
+            <a:stretch>
+              <a:fillRect/>
+            </a:stretch>
+          </p:blipFill>
+          <p:spPr>
+            <a:xfrm>
+              <a:off x="4710151" y="1054784"/>
+              <a:ext cx="1042410" cy="1042410"/>
+            </a:xfrm>
+            <a:prstGeom prst="rect">
+              <a:avLst/>
+            </a:prstGeom>
+          </p:spPr>
+        </p:pic>
+      </p:grpSp>
     </p:spTree>
     <p:extLst>
       <p:ext uri="{BB962C8B-B14F-4D97-AF65-F5344CB8AC3E}">
-        <p14:creationId xmlns:p14="http://schemas.microsoft.com/office/powerpoint/2010/main" val="363723133"/>
+        <p14:creationId xmlns:p14="http://schemas.microsoft.com/office/powerpoint/2010/main" val="1262231344"/>
       </p:ext>
     </p:extLst>
   </p:cSld>
@@ -8975,6 +9371,59 @@
                                           </p:stCondLst>
                                         </p:cTn>
                                         <p:tgtEl>
+                                          <p:spTgt spid="6"/>
+                                        </p:tgtEl>
+                                        <p:attrNameLst>
+                                          <p:attrName>style.visibility</p:attrName>
+                                        </p:attrNameLst>
+                                      </p:cBhvr>
+                                      <p:to>
+                                        <p:strVal val="visible"/>
+                                      </p:to>
+                                    </p:set>
+                                    <p:animEffect transition="in" filter="fade">
+                                      <p:cBhvr>
+                                        <p:cTn id="7" dur="500"/>
+                                        <p:tgtEl>
+                                          <p:spTgt spid="6"/>
+                                        </p:tgtEl>
+                                      </p:cBhvr>
+                                    </p:animEffect>
+                                  </p:childTnLst>
+                                </p:cTn>
+                              </p:par>
+                            </p:childTnLst>
+                          </p:cTn>
+                        </p:par>
+                      </p:childTnLst>
+                    </p:cTn>
+                  </p:par>
+                  <p:par>
+                    <p:cTn id="8" fill="hold">
+                      <p:stCondLst>
+                        <p:cond delay="indefinite"/>
+                      </p:stCondLst>
+                      <p:childTnLst>
+                        <p:par>
+                          <p:cTn id="9" fill="hold">
+                            <p:stCondLst>
+                              <p:cond delay="0"/>
+                            </p:stCondLst>
+                            <p:childTnLst>
+                              <p:par>
+                                <p:cTn id="10" presetID="10" presetClass="entr" presetSubtype="0" fill="hold" nodeType="clickEffect">
+                                  <p:stCondLst>
+                                    <p:cond delay="0"/>
+                                  </p:stCondLst>
+                                  <p:childTnLst>
+                                    <p:set>
+                                      <p:cBhvr>
+                                        <p:cTn id="11" dur="1" fill="hold">
+                                          <p:stCondLst>
+                                            <p:cond delay="0"/>
+                                          </p:stCondLst>
+                                        </p:cTn>
+                                        <p:tgtEl>
                                           <p:spTgt spid="821"/>
                                         </p:tgtEl>
                                         <p:attrNameLst>
@@ -8987,7 +9436,7 @@
                                     </p:set>
                                     <p:animEffect transition="in" filter="fade">
                                       <p:cBhvr>
-                                        <p:cTn id="7" dur="1000"/>
+                                        <p:cTn id="12" dur="500"/>
                                         <p:tgtEl>
                                           <p:spTgt spid="821"/>
                                         </p:tgtEl>
@@ -8997,14 +9446,14 @@
                                 </p:cTn>
                               </p:par>
                               <p:par>
-                                <p:cTn id="8" presetID="10" presetClass="entr" presetSubtype="0" fill="hold" nodeType="withEffect">
+                                <p:cTn id="13" presetID="10" presetClass="entr" presetSubtype="0" fill="hold" nodeType="withEffect">
                                   <p:stCondLst>
                                     <p:cond delay="0"/>
                                   </p:stCondLst>
                                   <p:childTnLst>
                                     <p:set>
                                       <p:cBhvr>
-                                        <p:cTn id="9" dur="1" fill="hold">
+                                        <p:cTn id="14" dur="1" fill="hold">
                                           <p:stCondLst>
                                             <p:cond delay="0"/>
                                           </p:stCondLst>
@@ -9022,7 +9471,7 @@
                                     </p:set>
                                     <p:animEffect transition="in" filter="fade">
                                       <p:cBhvr>
-                                        <p:cTn id="10" dur="1000"/>
+                                        <p:cTn id="15" dur="500"/>
                                         <p:tgtEl>
                                           <p:spTgt spid="803"/>
                                         </p:tgtEl>
@@ -9038,26 +9487,61 @@
                     </p:cTn>
                   </p:par>
                   <p:par>
-                    <p:cTn id="11" fill="hold">
+                    <p:cTn id="16" fill="hold">
                       <p:stCondLst>
                         <p:cond delay="indefinite"/>
                       </p:stCondLst>
                       <p:childTnLst>
                         <p:par>
-                          <p:cTn id="12" fill="hold">
+                          <p:cTn id="17" fill="hold">
                             <p:stCondLst>
                               <p:cond delay="0"/>
                             </p:stCondLst>
                             <p:childTnLst>
                               <p:par>
-                                <p:cTn id="13" presetID="10" presetClass="entr" presetSubtype="0" fill="hold" nodeType="clickEffect">
+                                <p:cTn id="18" presetID="10" presetClass="entr" presetSubtype="0" fill="hold" nodeType="clickEffect">
                                   <p:stCondLst>
                                     <p:cond delay="0"/>
                                   </p:stCondLst>
                                   <p:childTnLst>
                                     <p:set>
                                       <p:cBhvr>
-                                        <p:cTn id="14" dur="1" fill="hold">
+                                        <p:cTn id="19" dur="1" fill="hold">
+                                          <p:stCondLst>
+                                            <p:cond delay="0"/>
+                                          </p:stCondLst>
+                                        </p:cTn>
+                                        <p:tgtEl>
+                                          <p:spTgt spid="812"/>
+                                        </p:tgtEl>
+                                        <p:attrNameLst>
+                                          <p:attrName>style.visibility</p:attrName>
+                                        </p:attrNameLst>
+                                      </p:cBhvr>
+                                      <p:to>
+                                        <p:strVal val="visible"/>
+                                      </p:to>
+                                    </p:set>
+                                    <p:animEffect transition="in" filter="fade">
+                                      <p:cBhvr>
+                                        <p:cTn id="20" dur="500"/>
+                                        <p:tgtEl>
+                                          <p:spTgt spid="812"/>
+                                        </p:tgtEl>
+                                      </p:cBhvr>
+                                    </p:animEffect>
+                                  </p:childTnLst>
+                                </p:cTn>
+                              </p:par>
+                              <p:par>
+                                <p:cTn id="21" presetID="10" presetClass="entr" presetSubtype="0" fill="hold" nodeType="withEffect">
+                                  <p:stCondLst>
+                                    <p:cond delay="0"/>
+                                  </p:stCondLst>
+                                  <p:childTnLst>
+                                    <p:set>
+                                      <p:cBhvr>
+                                        <p:cTn id="22" dur="1" fill="hold">
                                           <p:stCondLst>
                                             <p:cond delay="0"/>
                                           </p:stCondLst>
@@ -9075,79 +9559,9 @@
                                     </p:set>
                                     <p:animEffect transition="in" filter="fade">
                                       <p:cBhvr>
-                                        <p:cTn id="15" dur="1000"/>
+                                        <p:cTn id="23" dur="500"/>
                                         <p:tgtEl>
                                           <p:spTgt spid="822"/>
-                                        </p:tgtEl>
-                                      </p:cBhvr>
-                                    </p:animEffect>
-                                  </p:childTnLst>
-                                </p:cTn>
-                              </p:par>
-                              <p:par>
-                                <p:cTn id="16" presetID="10" presetClass="entr" presetSubtype="0" fill="hold" nodeType="withEffect">
-                                  <p:stCondLst>
-                                    <p:cond delay="0"/>
-                                  </p:stCondLst>
-                                  <p:childTnLst>
-                                    <p:set>
-                                      <p:cBhvr>
-                                        <p:cTn id="17" dur="1" fill="hold">
-                                          <p:stCondLst>
-                                            <p:cond delay="0"/>
-                                          </p:stCondLst>
-                                        </p:cTn>
-                                        <p:tgtEl>
-                                          <p:spTgt spid="812"/>
-                                        </p:tgtEl>
-                                        <p:attrNameLst>
-                                          <p:attrName>style.visibility</p:attrName>
-                                        </p:attrNameLst>
-                                      </p:cBhvr>
-                                      <p:to>
-                                        <p:strVal val="visible"/>
-                                      </p:to>
-                                    </p:set>
-                                    <p:animEffect transition="in" filter="fade">
-                                      <p:cBhvr>
-                                        <p:cTn id="18" dur="1000"/>
-                                        <p:tgtEl>
-                                          <p:spTgt spid="812"/>
-                                        </p:tgtEl>
-                                      </p:cBhvr>
-                                    </p:animEffect>
-                                  </p:childTnLst>
-                                </p:cTn>
-                              </p:par>
-                              <p:par>
-                                <p:cTn id="19" presetID="10" presetClass="entr" presetSubtype="0" fill="hold" nodeType="withEffect">
-                                  <p:stCondLst>
-                                    <p:cond delay="0"/>
-                                  </p:stCondLst>
-                                  <p:childTnLst>
-                                    <p:set>
-                                      <p:cBhvr>
-                                        <p:cTn id="20" dur="1" fill="hold">
-                                          <p:stCondLst>
-                                            <p:cond delay="0"/>
-                                          </p:stCondLst>
-                                        </p:cTn>
-                                        <p:tgtEl>
-                                          <p:spTgt spid="787"/>
-                                        </p:tgtEl>
-                                        <p:attrNameLst>
-                                          <p:attrName>style.visibility</p:attrName>
-                                        </p:attrNameLst>
-                                      </p:cBhvr>
-                                      <p:to>
-                                        <p:strVal val="visible"/>
-                                      </p:to>
-                                    </p:set>
-                                    <p:animEffect transition="in" filter="fade">
-                                      <p:cBhvr>
-                                        <p:cTn id="21" dur="1000"/>
-                                        <p:tgtEl>
-                                          <p:spTgt spid="787"/>
                                         </p:tgtEl>
                                       </p:cBhvr>
                                     </p:animEffect>
@@ -9161,32 +9575,32 @@
                     </p:cTn>
                   </p:par>
                   <p:par>
-                    <p:cTn id="22" fill="hold">
+                    <p:cTn id="24" fill="hold">
                       <p:stCondLst>
                         <p:cond delay="indefinite"/>
                       </p:stCondLst>
                       <p:childTnLst>
                         <p:par>
-                          <p:cTn id="23" fill="hold">
+                          <p:cTn id="25" fill="hold">
                             <p:stCondLst>
                               <p:cond delay="0"/>
                             </p:stCondLst>
                             <p:childTnLst>
                               <p:par>
-                                <p:cTn id="24" presetID="10" presetClass="entr" presetSubtype="0" fill="hold" nodeType="clickEffect">
+                                <p:cTn id="26" presetID="10" presetClass="entr" presetSubtype="0" fill="hold" nodeType="clickEffect">
                                   <p:stCondLst>
                                     <p:cond delay="0"/>
                                   </p:stCondLst>
                                   <p:childTnLst>
                                     <p:set>
                                       <p:cBhvr>
-                                        <p:cTn id="25" dur="1" fill="hold">
+                                        <p:cTn id="27" dur="1" fill="hold">
                                           <p:stCondLst>
                                             <p:cond delay="0"/>
                                           </p:stCondLst>
                                         </p:cTn>
                                         <p:tgtEl>
-                                          <p:spTgt spid="824"/>
+                                          <p:spTgt spid="10"/>
                                         </p:tgtEl>
                                         <p:attrNameLst>
                                           <p:attrName>style.visibility</p:attrName>
@@ -9198,9 +9612,9 @@
                                     </p:set>
                                     <p:animEffect transition="in" filter="fade">
                                       <p:cBhvr>
-                                        <p:cTn id="26" dur="1000"/>
+                                        <p:cTn id="28" dur="500"/>
                                         <p:tgtEl>
-                                          <p:spTgt spid="824"/>
+                                          <p:spTgt spid="10"/>
                                         </p:tgtEl>
                                       </p:cBhvr>
                                     </p:animEffect>
@@ -9208,20 +9622,20 @@
                                 </p:cTn>
                               </p:par>
                               <p:par>
-                                <p:cTn id="27" presetID="10" presetClass="entr" presetSubtype="0" fill="hold" nodeType="withEffect">
+                                <p:cTn id="29" presetID="10" presetClass="entr" presetSubtype="0" fill="hold" nodeType="withEffect">
                                   <p:stCondLst>
                                     <p:cond delay="0"/>
                                   </p:stCondLst>
                                   <p:childTnLst>
                                     <p:set>
                                       <p:cBhvr>
-                                        <p:cTn id="28" dur="1" fill="hold">
+                                        <p:cTn id="30" dur="1" fill="hold">
                                           <p:stCondLst>
                                             <p:cond delay="0"/>
                                           </p:stCondLst>
                                         </p:cTn>
                                         <p:tgtEl>
-                                          <p:spTgt spid="829"/>
+                                          <p:spTgt spid="91"/>
                                         </p:tgtEl>
                                         <p:attrNameLst>
                                           <p:attrName>style.visibility</p:attrName>
@@ -9233,9 +9647,62 @@
                                     </p:set>
                                     <p:animEffect transition="in" filter="fade">
                                       <p:cBhvr>
-                                        <p:cTn id="29" dur="1000"/>
+                                        <p:cTn id="31" dur="500"/>
                                         <p:tgtEl>
-                                          <p:spTgt spid="829"/>
+                                          <p:spTgt spid="91"/>
+                                        </p:tgtEl>
+                                      </p:cBhvr>
+                                    </p:animEffect>
+                                  </p:childTnLst>
+                                </p:cTn>
+                              </p:par>
+                            </p:childTnLst>
+                          </p:cTn>
+                        </p:par>
+                      </p:childTnLst>
+                    </p:cTn>
+                  </p:par>
+                  <p:par>
+                    <p:cTn id="32" fill="hold">
+                      <p:stCondLst>
+                        <p:cond delay="indefinite"/>
+                      </p:stCondLst>
+                      <p:childTnLst>
+                        <p:par>
+                          <p:cTn id="33" fill="hold">
+                            <p:stCondLst>
+                              <p:cond delay="0"/>
+                            </p:stCondLst>
+                            <p:childTnLst>
+                              <p:par>
+                                <p:cTn id="34" presetID="10" presetClass="entr" presetSubtype="0" fill="hold" nodeType="clickEffect">
+                                  <p:stCondLst>
+                                    <p:cond delay="0"/>
+                                  </p:stCondLst>
+                                  <p:childTnLst>
+                                    <p:set>
+                                      <p:cBhvr>
+                                        <p:cTn id="35" dur="1" fill="hold">
+                                          <p:stCondLst>
+                                            <p:cond delay="0"/>
+                                          </p:stCondLst>
+                                        </p:cTn>
+                                        <p:tgtEl>
+                                          <p:spTgt spid="836"/>
+                                        </p:tgtEl>
+                                        <p:attrNameLst>
+                                          <p:attrName>style.visibility</p:attrName>
+                                        </p:attrNameLst>
+                                      </p:cBhvr>
+                                      <p:to>
+                                        <p:strVal val="visible"/>
+                                      </p:to>
+                                    </p:set>
+                                    <p:animEffect transition="in" filter="fade">
+                                      <p:cBhvr>
+                                        <p:cTn id="36" dur="500"/>
+                                        <p:tgtEl>
+                                          <p:spTgt spid="836"/>
                                         </p:tgtEl>
                                       </p:cBhvr>
                                     </p:animEffect>
@@ -9243,14 +9710,155 @@
                                 </p:cTn>
                               </p:par>
                               <p:par>
-                                <p:cTn id="30" presetID="10" presetClass="entr" presetSubtype="0" fill="hold" nodeType="withEffect">
+                                <p:cTn id="37" presetID="10" presetClass="entr" presetSubtype="0" fill="hold" nodeType="withEffect">
                                   <p:stCondLst>
                                     <p:cond delay="0"/>
                                   </p:stCondLst>
                                   <p:childTnLst>
                                     <p:set>
                                       <p:cBhvr>
-                                        <p:cTn id="31" dur="1" fill="hold">
+                                        <p:cTn id="38" dur="1" fill="hold">
+                                          <p:stCondLst>
+                                            <p:cond delay="0"/>
+                                          </p:stCondLst>
+                                        </p:cTn>
+                                        <p:tgtEl>
+                                          <p:spTgt spid="3"/>
+                                        </p:tgtEl>
+                                        <p:attrNameLst>
+                                          <p:attrName>style.visibility</p:attrName>
+                                        </p:attrNameLst>
+                                      </p:cBhvr>
+                                      <p:to>
+                                        <p:strVal val="visible"/>
+                                      </p:to>
+                                    </p:set>
+                                    <p:animEffect transition="in" filter="fade">
+                                      <p:cBhvr>
+                                        <p:cTn id="39" dur="500"/>
+                                        <p:tgtEl>
+                                          <p:spTgt spid="3"/>
+                                        </p:tgtEl>
+                                      </p:cBhvr>
+                                    </p:animEffect>
+                                  </p:childTnLst>
+                                </p:cTn>
+                              </p:par>
+                            </p:childTnLst>
+                          </p:cTn>
+                        </p:par>
+                      </p:childTnLst>
+                    </p:cTn>
+                  </p:par>
+                  <p:par>
+                    <p:cTn id="40" fill="hold">
+                      <p:stCondLst>
+                        <p:cond delay="indefinite"/>
+                      </p:stCondLst>
+                      <p:childTnLst>
+                        <p:par>
+                          <p:cTn id="41" fill="hold">
+                            <p:stCondLst>
+                              <p:cond delay="0"/>
+                            </p:stCondLst>
+                            <p:childTnLst>
+                              <p:par>
+                                <p:cTn id="42" presetID="10" presetClass="entr" presetSubtype="0" fill="hold" nodeType="clickEffect">
+                                  <p:stCondLst>
+                                    <p:cond delay="0"/>
+                                  </p:stCondLst>
+                                  <p:childTnLst>
+                                    <p:set>
+                                      <p:cBhvr>
+                                        <p:cTn id="43" dur="1" fill="hold">
+                                          <p:stCondLst>
+                                            <p:cond delay="0"/>
+                                          </p:stCondLst>
+                                        </p:cTn>
+                                        <p:tgtEl>
+                                          <p:spTgt spid="818"/>
+                                        </p:tgtEl>
+                                        <p:attrNameLst>
+                                          <p:attrName>style.visibility</p:attrName>
+                                        </p:attrNameLst>
+                                      </p:cBhvr>
+                                      <p:to>
+                                        <p:strVal val="visible"/>
+                                      </p:to>
+                                    </p:set>
+                                    <p:animEffect transition="in" filter="fade">
+                                      <p:cBhvr>
+                                        <p:cTn id="44" dur="500"/>
+                                        <p:tgtEl>
+                                          <p:spTgt spid="818"/>
+                                        </p:tgtEl>
+                                      </p:cBhvr>
+                                    </p:animEffect>
+                                  </p:childTnLst>
+                                </p:cTn>
+                              </p:par>
+                              <p:par>
+                                <p:cTn id="45" presetID="10" presetClass="entr" presetSubtype="0" fill="hold" nodeType="withEffect">
+                                  <p:stCondLst>
+                                    <p:cond delay="0"/>
+                                  </p:stCondLst>
+                                  <p:childTnLst>
+                                    <p:set>
+                                      <p:cBhvr>
+                                        <p:cTn id="46" dur="1" fill="hold">
+                                          <p:stCondLst>
+                                            <p:cond delay="0"/>
+                                          </p:stCondLst>
+                                        </p:cTn>
+                                        <p:tgtEl>
+                                          <p:spTgt spid="11"/>
+                                        </p:tgtEl>
+                                        <p:attrNameLst>
+                                          <p:attrName>style.visibility</p:attrName>
+                                        </p:attrNameLst>
+                                      </p:cBhvr>
+                                      <p:to>
+                                        <p:strVal val="visible"/>
+                                      </p:to>
+                                    </p:set>
+                                    <p:animEffect transition="in" filter="fade">
+                                      <p:cBhvr>
+                                        <p:cTn id="47" dur="500"/>
+                                        <p:tgtEl>
+                                          <p:spTgt spid="11"/>
+                                        </p:tgtEl>
+                                      </p:cBhvr>
+                                    </p:animEffect>
+                                  </p:childTnLst>
+                                </p:cTn>
+                              </p:par>
+                            </p:childTnLst>
+                          </p:cTn>
+                        </p:par>
+                      </p:childTnLst>
+                    </p:cTn>
+                  </p:par>
+                  <p:par>
+                    <p:cTn id="48" fill="hold">
+                      <p:stCondLst>
+                        <p:cond delay="indefinite"/>
+                      </p:stCondLst>
+                      <p:childTnLst>
+                        <p:par>
+                          <p:cTn id="49" fill="hold">
+                            <p:stCondLst>
+                              <p:cond delay="0"/>
+                            </p:stCondLst>
+                            <p:childTnLst>
+                              <p:par>
+                                <p:cTn id="50" presetID="10" presetClass="entr" presetSubtype="0" fill="hold" nodeType="clickEffect">
+                                  <p:stCondLst>
+                                    <p:cond delay="0"/>
+                                  </p:stCondLst>
+                                  <p:childTnLst>
+                                    <p:set>
+                                      <p:cBhvr>
+                                        <p:cTn id="51" dur="1" fill="hold">
                                           <p:stCondLst>
                                             <p:cond delay="0"/>
                                           </p:stCondLst>
@@ -9268,7 +9876,7 @@
                                     </p:set>
                                     <p:animEffect transition="in" filter="fade">
                                       <p:cBhvr>
-                                        <p:cTn id="32" dur="1000"/>
+                                        <p:cTn id="52" dur="500"/>
                                         <p:tgtEl>
                                           <p:spTgt spid="809"/>
                                         </p:tgtEl>
@@ -9278,20 +9886,20 @@
                                 </p:cTn>
                               </p:par>
                               <p:par>
-                                <p:cTn id="33" presetID="10" presetClass="entr" presetSubtype="0" fill="hold" nodeType="withEffect">
+                                <p:cTn id="53" presetID="10" presetClass="entr" presetSubtype="0" fill="hold" nodeType="withEffect">
                                   <p:stCondLst>
                                     <p:cond delay="0"/>
                                   </p:stCondLst>
                                   <p:childTnLst>
                                     <p:set>
                                       <p:cBhvr>
-                                        <p:cTn id="34" dur="1" fill="hold">
+                                        <p:cTn id="54" dur="1" fill="hold">
                                           <p:stCondLst>
                                             <p:cond delay="0"/>
                                           </p:stCondLst>
                                         </p:cTn>
                                         <p:tgtEl>
-                                          <p:spTgt spid="818"/>
+                                          <p:spTgt spid="13"/>
                                         </p:tgtEl>
                                         <p:attrNameLst>
                                           <p:attrName>style.visibility</p:attrName>
@@ -9303,9 +9911,9 @@
                                     </p:set>
                                     <p:animEffect transition="in" filter="fade">
                                       <p:cBhvr>
-                                        <p:cTn id="35" dur="1000"/>
+                                        <p:cTn id="55" dur="500"/>
                                         <p:tgtEl>
-                                          <p:spTgt spid="818"/>
+                                          <p:spTgt spid="13"/>
                                         </p:tgtEl>
                                       </p:cBhvr>
                                     </p:animEffect>
@@ -9319,149 +9927,26 @@
                     </p:cTn>
                   </p:par>
                   <p:par>
-                    <p:cTn id="36" fill="hold">
+                    <p:cTn id="56" fill="hold">
                       <p:stCondLst>
                         <p:cond delay="indefinite"/>
                       </p:stCondLst>
                       <p:childTnLst>
                         <p:par>
-                          <p:cTn id="37" fill="hold">
+                          <p:cTn id="57" fill="hold">
                             <p:stCondLst>
                               <p:cond delay="0"/>
                             </p:stCondLst>
                             <p:childTnLst>
                               <p:par>
-                                <p:cTn id="38" presetID="10" presetClass="entr" presetSubtype="0" fill="hold" nodeType="clickEffect">
+                                <p:cTn id="58" presetID="10" presetClass="entr" presetSubtype="0" fill="hold" nodeType="clickEffect">
                                   <p:stCondLst>
                                     <p:cond delay="0"/>
                                   </p:stCondLst>
                                   <p:childTnLst>
                                     <p:set>
                                       <p:cBhvr>
-                                        <p:cTn id="39" dur="1" fill="hold">
-                                          <p:stCondLst>
-                                            <p:cond delay="0"/>
-                                          </p:stCondLst>
-                                        </p:cTn>
-                                        <p:tgtEl>
-                                          <p:spTgt spid="827"/>
-                                        </p:tgtEl>
-                                        <p:attrNameLst>
-                                          <p:attrName>style.visibility</p:attrName>
-                                        </p:attrNameLst>
-                                      </p:cBhvr>
-                                      <p:to>
-                                        <p:strVal val="visible"/>
-                                      </p:to>
-                                    </p:set>
-                                    <p:animEffect transition="in" filter="fade">
-                                      <p:cBhvr>
-                                        <p:cTn id="40" dur="1000"/>
-                                        <p:tgtEl>
-                                          <p:spTgt spid="827"/>
-                                        </p:tgtEl>
-                                      </p:cBhvr>
-                                    </p:animEffect>
-                                  </p:childTnLst>
-                                </p:cTn>
-                              </p:par>
-                              <p:par>
-                                <p:cTn id="41" presetID="10" presetClass="entr" presetSubtype="0" fill="hold" nodeType="withEffect">
-                                  <p:stCondLst>
-                                    <p:cond delay="0"/>
-                                  </p:stCondLst>
-                                  <p:childTnLst>
-                                    <p:set>
-                                      <p:cBhvr>
-                                        <p:cTn id="42" dur="1" fill="hold">
-                                          <p:stCondLst>
-                                            <p:cond delay="0"/>
-                                          </p:stCondLst>
-                                        </p:cTn>
-                                        <p:tgtEl>
-                                          <p:spTgt spid="790"/>
-                                        </p:tgtEl>
-                                        <p:attrNameLst>
-                                          <p:attrName>style.visibility</p:attrName>
-                                        </p:attrNameLst>
-                                      </p:cBhvr>
-                                      <p:to>
-                                        <p:strVal val="visible"/>
-                                      </p:to>
-                                    </p:set>
-                                    <p:animEffect transition="in" filter="fade">
-                                      <p:cBhvr>
-                                        <p:cTn id="43" dur="1000"/>
-                                        <p:tgtEl>
-                                          <p:spTgt spid="790"/>
-                                        </p:tgtEl>
-                                      </p:cBhvr>
-                                    </p:animEffect>
-                                  </p:childTnLst>
-                                </p:cTn>
-                              </p:par>
-                            </p:childTnLst>
-                          </p:cTn>
-                        </p:par>
-                      </p:childTnLst>
-                    </p:cTn>
-                  </p:par>
-                  <p:par>
-                    <p:cTn id="44" fill="hold">
-                      <p:stCondLst>
-                        <p:cond delay="indefinite"/>
-                      </p:stCondLst>
-                      <p:childTnLst>
-                        <p:par>
-                          <p:cTn id="45" fill="hold">
-                            <p:stCondLst>
-                              <p:cond delay="0"/>
-                            </p:stCondLst>
-                            <p:childTnLst>
-                              <p:par>
-                                <p:cTn id="46" presetID="10" presetClass="entr" presetSubtype="0" fill="hold" nodeType="clickEffect">
-                                  <p:stCondLst>
-                                    <p:cond delay="0"/>
-                                  </p:stCondLst>
-                                  <p:childTnLst>
-                                    <p:set>
-                                      <p:cBhvr>
-                                        <p:cTn id="47" dur="1" fill="hold">
-                                          <p:stCondLst>
-                                            <p:cond delay="0"/>
-                                          </p:stCondLst>
-                                        </p:cTn>
-                                        <p:tgtEl>
-                                          <p:spTgt spid="836"/>
-                                        </p:tgtEl>
-                                        <p:attrNameLst>
-                                          <p:attrName>style.visibility</p:attrName>
-                                        </p:attrNameLst>
-                                      </p:cBhvr>
-                                      <p:to>
-                                        <p:strVal val="visible"/>
-                                      </p:to>
-                                    </p:set>
-                                    <p:animEffect transition="in" filter="fade">
-                                      <p:cBhvr>
-                                        <p:cTn id="48" dur="1000"/>
-                                        <p:tgtEl>
-                                          <p:spTgt spid="836"/>
-                                        </p:tgtEl>
-                                      </p:cBhvr>
-                                    </p:animEffect>
-                                  </p:childTnLst>
-                                </p:cTn>
-                              </p:par>
-                              <p:par>
-                                <p:cTn id="49" presetID="10" presetClass="entr" presetSubtype="0" fill="hold" nodeType="withEffect">
-                                  <p:stCondLst>
-                                    <p:cond delay="0"/>
-                                  </p:stCondLst>
-                                  <p:childTnLst>
-                                    <p:set>
-                                      <p:cBhvr>
-                                        <p:cTn id="50" dur="1" fill="hold">
+                                        <p:cTn id="59" dur="1" fill="hold">
                                           <p:stCondLst>
                                             <p:cond delay="0"/>
                                           </p:stCondLst>
@@ -9479,9 +9964,44 @@
                                     </p:set>
                                     <p:animEffect transition="in" filter="fade">
                                       <p:cBhvr>
-                                        <p:cTn id="51" dur="1000"/>
+                                        <p:cTn id="60" dur="500"/>
                                         <p:tgtEl>
                                           <p:spTgt spid="830"/>
+                                        </p:tgtEl>
+                                      </p:cBhvr>
+                                    </p:animEffect>
+                                  </p:childTnLst>
+                                </p:cTn>
+                              </p:par>
+                              <p:par>
+                                <p:cTn id="61" presetID="10" presetClass="entr" presetSubtype="0" fill="hold" nodeType="withEffect">
+                                  <p:stCondLst>
+                                    <p:cond delay="0"/>
+                                  </p:stCondLst>
+                                  <p:childTnLst>
+                                    <p:set>
+                                      <p:cBhvr>
+                                        <p:cTn id="62" dur="1" fill="hold">
+                                          <p:stCondLst>
+                                            <p:cond delay="0"/>
+                                          </p:stCondLst>
+                                        </p:cTn>
+                                        <p:tgtEl>
+                                          <p:spTgt spid="15"/>
+                                        </p:tgtEl>
+                                        <p:attrNameLst>
+                                          <p:attrName>style.visibility</p:attrName>
+                                        </p:attrNameLst>
+                                      </p:cBhvr>
+                                      <p:to>
+                                        <p:strVal val="visible"/>
+                                      </p:to>
+                                    </p:set>
+                                    <p:animEffect transition="in" filter="fade">
+                                      <p:cBhvr>
+                                        <p:cTn id="63" dur="500"/>
+                                        <p:tgtEl>
+                                          <p:spTgt spid="15"/>
                                         </p:tgtEl>
                                       </p:cBhvr>
                                     </p:animEffect>
@@ -9495,61 +10015,26 @@
                     </p:cTn>
                   </p:par>
                   <p:par>
-                    <p:cTn id="52" fill="hold">
+                    <p:cTn id="64" fill="hold">
                       <p:stCondLst>
                         <p:cond delay="indefinite"/>
                       </p:stCondLst>
                       <p:childTnLst>
                         <p:par>
-                          <p:cTn id="53" fill="hold">
+                          <p:cTn id="65" fill="hold">
                             <p:stCondLst>
                               <p:cond delay="0"/>
                             </p:stCondLst>
                             <p:childTnLst>
                               <p:par>
-                                <p:cTn id="54" presetID="10" presetClass="entr" presetSubtype="0" fill="hold" nodeType="clickEffect">
+                                <p:cTn id="66" presetID="10" presetClass="entr" presetSubtype="0" fill="hold" nodeType="clickEffect">
                                   <p:stCondLst>
                                     <p:cond delay="0"/>
                                   </p:stCondLst>
                                   <p:childTnLst>
                                     <p:set>
                                       <p:cBhvr>
-                                        <p:cTn id="55" dur="1" fill="hold">
-                                          <p:stCondLst>
-                                            <p:cond delay="0"/>
-                                          </p:stCondLst>
-                                        </p:cTn>
-                                        <p:tgtEl>
-                                          <p:spTgt spid="833"/>
-                                        </p:tgtEl>
-                                        <p:attrNameLst>
-                                          <p:attrName>style.visibility</p:attrName>
-                                        </p:attrNameLst>
-                                      </p:cBhvr>
-                                      <p:to>
-                                        <p:strVal val="visible"/>
-                                      </p:to>
-                                    </p:set>
-                                    <p:animEffect transition="in" filter="fade">
-                                      <p:cBhvr>
-                                        <p:cTn id="56" dur="1000"/>
-                                        <p:tgtEl>
-                                          <p:spTgt spid="833"/>
-                                        </p:tgtEl>
-                                      </p:cBhvr>
-                                    </p:animEffect>
-                                  </p:childTnLst>
-                                </p:cTn>
-                              </p:par>
-                              <p:par>
-                                <p:cTn id="57" presetID="10" presetClass="entr" presetSubtype="0" fill="hold" nodeType="withEffect">
-                                  <p:stCondLst>
-                                    <p:cond delay="0"/>
-                                  </p:stCondLst>
-                                  <p:childTnLst>
-                                    <p:set>
-                                      <p:cBhvr>
-                                        <p:cTn id="58" dur="1" fill="hold">
+                                        <p:cTn id="67" dur="1" fill="hold">
                                           <p:stCondLst>
                                             <p:cond delay="0"/>
                                           </p:stCondLst>
@@ -9567,7 +10052,7 @@
                                     </p:set>
                                     <p:animEffect transition="in" filter="fade">
                                       <p:cBhvr>
-                                        <p:cTn id="59" dur="1000"/>
+                                        <p:cTn id="68" dur="500"/>
                                         <p:tgtEl>
                                           <p:spTgt spid="845"/>
                                         </p:tgtEl>
@@ -9583,40 +10068,32 @@
                     </p:cTn>
                   </p:par>
                   <p:par>
-                    <p:cTn id="60" fill="hold">
+                    <p:cTn id="69" fill="hold">
                       <p:stCondLst>
                         <p:cond delay="indefinite"/>
                       </p:stCondLst>
                       <p:childTnLst>
                         <p:par>
-                          <p:cTn id="61" fill="hold">
+                          <p:cTn id="70" fill="hold">
                             <p:stCondLst>
                               <p:cond delay="0"/>
                             </p:stCondLst>
                             <p:childTnLst>
                               <p:par>
-                                <p:cTn id="62" presetID="10" presetClass="exit" presetSubtype="0" fill="hold" nodeType="clickEffect">
+                                <p:cTn id="71" presetID="1" presetClass="exit" presetSubtype="0" fill="hold" nodeType="clickEffect">
                                   <p:stCondLst>
                                     <p:cond delay="0"/>
                                   </p:stCondLst>
                                   <p:childTnLst>
-                                    <p:animEffect transition="out" filter="fade">
-                                      <p:cBhvr>
-                                        <p:cTn id="63" dur="1000"/>
-                                        <p:tgtEl>
-                                          <p:spTgt spid="787"/>
-                                        </p:tgtEl>
-                                      </p:cBhvr>
-                                    </p:animEffect>
                                     <p:set>
                                       <p:cBhvr>
-                                        <p:cTn id="64" dur="1" fill="hold">
+                                        <p:cTn id="72" dur="1" fill="hold">
                                           <p:stCondLst>
-                                            <p:cond delay="1000"/>
+                                            <p:cond delay="0"/>
                                           </p:stCondLst>
                                         </p:cTn>
                                         <p:tgtEl>
-                                          <p:spTgt spid="787"/>
+                                          <p:spTgt spid="812"/>
                                         </p:tgtEl>
                                         <p:attrNameLst>
                                           <p:attrName>style.visibility</p:attrName>
@@ -9626,94 +10103,6 @@
                                         <p:strVal val="hidden"/>
                                       </p:to>
                                     </p:set>
-                                  </p:childTnLst>
-                                </p:cTn>
-                              </p:par>
-                            </p:childTnLst>
-                          </p:cTn>
-                        </p:par>
-                      </p:childTnLst>
-                    </p:cTn>
-                  </p:par>
-                  <p:par>
-                    <p:cTn id="65" fill="hold">
-                      <p:stCondLst>
-                        <p:cond delay="indefinite"/>
-                      </p:stCondLst>
-                      <p:childTnLst>
-                        <p:par>
-                          <p:cTn id="66" fill="hold">
-                            <p:stCondLst>
-                              <p:cond delay="0"/>
-                            </p:stCondLst>
-                            <p:childTnLst>
-                              <p:par>
-                                <p:cTn id="67" presetID="10" presetClass="exit" presetSubtype="0" fill="hold" nodeType="clickEffect">
-                                  <p:stCondLst>
-                                    <p:cond delay="0"/>
-                                  </p:stCondLst>
-                                  <p:childTnLst>
-                                    <p:animEffect transition="out" filter="fade">
-                                      <p:cBhvr>
-                                        <p:cTn id="68" dur="1000"/>
-                                        <p:tgtEl>
-                                          <p:spTgt spid="818"/>
-                                        </p:tgtEl>
-                                      </p:cBhvr>
-                                    </p:animEffect>
-                                    <p:set>
-                                      <p:cBhvr>
-                                        <p:cTn id="69" dur="1" fill="hold">
-                                          <p:stCondLst>
-                                            <p:cond delay="1000"/>
-                                          </p:stCondLst>
-                                        </p:cTn>
-                                        <p:tgtEl>
-                                          <p:spTgt spid="818"/>
-                                        </p:tgtEl>
-                                        <p:attrNameLst>
-                                          <p:attrName>style.visibility</p:attrName>
-                                        </p:attrNameLst>
-                                      </p:cBhvr>
-                                      <p:to>
-                                        <p:strVal val="hidden"/>
-                                      </p:to>
-                                    </p:set>
-                                  </p:childTnLst>
-                                </p:cTn>
-                              </p:par>
-                              <p:par>
-                                <p:cTn id="70" presetID="10" presetClass="entr" presetSubtype="0" fill="hold" nodeType="withEffect">
-                                  <p:stCondLst>
-                                    <p:cond delay="0"/>
-                                  </p:stCondLst>
-                                  <p:childTnLst>
-                                    <p:set>
-                                      <p:cBhvr>
-                                        <p:cTn id="71" dur="1" fill="hold">
-                                          <p:stCondLst>
-                                            <p:cond delay="0"/>
-                                          </p:stCondLst>
-                                        </p:cTn>
-                                        <p:tgtEl>
-                                          <p:spTgt spid="852"/>
-                                        </p:tgtEl>
-                                        <p:attrNameLst>
-                                          <p:attrName>style.visibility</p:attrName>
-                                        </p:attrNameLst>
-                                      </p:cBhvr>
-                                      <p:to>
-                                        <p:strVal val="visible"/>
-                                      </p:to>
-                                    </p:set>
-                                    <p:animEffect transition="in" filter="fade">
-                                      <p:cBhvr>
-                                        <p:cTn id="72" dur="1000"/>
-                                        <p:tgtEl>
-                                          <p:spTgt spid="852"/>
-                                        </p:tgtEl>
-                                      </p:cBhvr>
-                                    </p:animEffect>
                                   </p:childTnLst>
                                 </p:cTn>
                               </p:par>
@@ -9736,49 +10125,14 @@
                             </p:stCondLst>
                             <p:childTnLst>
                               <p:par>
-                                <p:cTn id="75" presetID="10" presetClass="exit" presetSubtype="0" fill="hold" nodeType="clickEffect">
-                                  <p:stCondLst>
-                                    <p:cond delay="0"/>
-                                  </p:stCondLst>
-                                  <p:childTnLst>
-                                    <p:animEffect transition="out" filter="fade">
-                                      <p:cBhvr>
-                                        <p:cTn id="76" dur="1000"/>
-                                        <p:tgtEl>
-                                          <p:spTgt spid="812"/>
-                                        </p:tgtEl>
-                                      </p:cBhvr>
-                                    </p:animEffect>
-                                    <p:set>
-                                      <p:cBhvr>
-                                        <p:cTn id="77" dur="1" fill="hold">
-                                          <p:stCondLst>
-                                            <p:cond delay="1000"/>
-                                          </p:stCondLst>
-                                        </p:cTn>
-                                        <p:tgtEl>
-                                          <p:spTgt spid="812"/>
-                                        </p:tgtEl>
-                                        <p:attrNameLst>
-                                          <p:attrName>style.visibility</p:attrName>
-                                        </p:attrNameLst>
-                                      </p:cBhvr>
-                                      <p:to>
-                                        <p:strVal val="hidden"/>
-                                      </p:to>
-                                    </p:set>
-                                  </p:childTnLst>
-                                </p:cTn>
-                              </p:par>
-                              <p:par>
-                                <p:cTn id="78" presetID="10" presetClass="entr" presetSubtype="0" fill="hold" nodeType="withEffect">
+                                <p:cTn id="75" presetID="10" presetClass="entr" presetSubtype="0" fill="hold" nodeType="clickEffect">
                                   <p:stCondLst>
                                     <p:cond delay="0"/>
                                   </p:stCondLst>
                                   <p:childTnLst>
                                     <p:set>
                                       <p:cBhvr>
-                                        <p:cTn id="79" dur="1" fill="hold">
+                                        <p:cTn id="76" dur="1" fill="hold">
                                           <p:stCondLst>
                                             <p:cond delay="0"/>
                                           </p:stCondLst>
@@ -9796,7 +10150,7 @@
                                     </p:set>
                                     <p:animEffect transition="in" filter="fade">
                                       <p:cBhvr>
-                                        <p:cTn id="80" dur="1000"/>
+                                        <p:cTn id="77" dur="500"/>
                                         <p:tgtEl>
                                           <p:spTgt spid="850"/>
                                         </p:tgtEl>
@@ -9812,40 +10166,32 @@
                     </p:cTn>
                   </p:par>
                   <p:par>
-                    <p:cTn id="81" fill="hold">
+                    <p:cTn id="78" fill="hold">
                       <p:stCondLst>
                         <p:cond delay="indefinite"/>
                       </p:stCondLst>
                       <p:childTnLst>
                         <p:par>
-                          <p:cTn id="82" fill="hold">
+                          <p:cTn id="79" fill="hold">
                             <p:stCondLst>
                               <p:cond delay="0"/>
                             </p:stCondLst>
                             <p:childTnLst>
                               <p:par>
-                                <p:cTn id="83" presetID="10" presetClass="exit" presetSubtype="0" fill="hold" nodeType="clickEffect">
+                                <p:cTn id="80" presetID="1" presetClass="exit" presetSubtype="0" fill="hold" nodeType="clickEffect">
                                   <p:stCondLst>
                                     <p:cond delay="0"/>
                                   </p:stCondLst>
                                   <p:childTnLst>
-                                    <p:animEffect transition="out" filter="fade">
-                                      <p:cBhvr>
-                                        <p:cTn id="84" dur="1000"/>
-                                        <p:tgtEl>
-                                          <p:spTgt spid="790"/>
-                                        </p:tgtEl>
-                                      </p:cBhvr>
-                                    </p:animEffect>
                                     <p:set>
                                       <p:cBhvr>
-                                        <p:cTn id="85" dur="1" fill="hold">
+                                        <p:cTn id="81" dur="1" fill="hold">
                                           <p:stCondLst>
-                                            <p:cond delay="1000"/>
+                                            <p:cond delay="0"/>
                                           </p:stCondLst>
                                         </p:cTn>
                                         <p:tgtEl>
-                                          <p:spTgt spid="790"/>
+                                          <p:spTgt spid="10"/>
                                         </p:tgtEl>
                                         <p:attrNameLst>
                                           <p:attrName>style.visibility</p:attrName>
@@ -9858,21 +10204,39 @@
                                   </p:childTnLst>
                                 </p:cTn>
                               </p:par>
+                            </p:childTnLst>
+                          </p:cTn>
+                        </p:par>
+                      </p:childTnLst>
+                    </p:cTn>
+                  </p:par>
+                  <p:par>
+                    <p:cTn id="82" fill="hold">
+                      <p:stCondLst>
+                        <p:cond delay="indefinite"/>
+                      </p:stCondLst>
+                      <p:childTnLst>
+                        <p:par>
+                          <p:cTn id="83" fill="hold">
+                            <p:stCondLst>
+                              <p:cond delay="0"/>
+                            </p:stCondLst>
+                            <p:childTnLst>
                               <p:par>
-                                <p:cTn id="86" presetID="10" presetClass="entr" presetSubtype="0" fill="hold" nodeType="withEffect">
+                                <p:cTn id="84" presetID="10" presetClass="entr" presetSubtype="0" fill="hold" nodeType="clickEffect">
                                   <p:stCondLst>
                                     <p:cond delay="0"/>
                                   </p:stCondLst>
                                   <p:childTnLst>
                                     <p:set>
                                       <p:cBhvr>
-                                        <p:cTn id="87" dur="1" fill="hold">
+                                        <p:cTn id="85" dur="1" fill="hold">
                                           <p:stCondLst>
                                             <p:cond delay="0"/>
                                           </p:stCondLst>
                                         </p:cTn>
                                         <p:tgtEl>
-                                          <p:spTgt spid="793"/>
+                                          <p:spTgt spid="7"/>
                                         </p:tgtEl>
                                         <p:attrNameLst>
                                           <p:attrName>style.visibility</p:attrName>
@@ -9884,9 +10248,9 @@
                                     </p:set>
                                     <p:animEffect transition="in" filter="fade">
                                       <p:cBhvr>
-                                        <p:cTn id="88" dur="1000"/>
+                                        <p:cTn id="86" dur="500"/>
                                         <p:tgtEl>
-                                          <p:spTgt spid="793"/>
+                                          <p:spTgt spid="7"/>
                                         </p:tgtEl>
                                       </p:cBhvr>
                                     </p:animEffect>
@@ -9900,36 +10264,224 @@
                     </p:cTn>
                   </p:par>
                   <p:par>
-                    <p:cTn id="89" fill="hold">
+                    <p:cTn id="87" fill="hold">
                       <p:stCondLst>
                         <p:cond delay="indefinite"/>
                       </p:stCondLst>
                       <p:childTnLst>
                         <p:par>
-                          <p:cTn id="90" fill="hold">
+                          <p:cTn id="88" fill="hold">
                             <p:stCondLst>
                               <p:cond delay="0"/>
                             </p:stCondLst>
                             <p:childTnLst>
                               <p:par>
-                                <p:cTn id="91" presetID="10" presetClass="exit" presetSubtype="0" fill="hold" nodeType="clickEffect">
+                                <p:cTn id="89" presetID="1" presetClass="exit" presetSubtype="0" fill="hold" nodeType="clickEffect">
                                   <p:stCondLst>
                                     <p:cond delay="0"/>
                                   </p:stCondLst>
                                   <p:childTnLst>
-                                    <p:animEffect transition="out" filter="fade">
+                                    <p:set>
                                       <p:cBhvr>
-                                        <p:cTn id="92" dur="1000"/>
+                                        <p:cTn id="90" dur="1" fill="hold">
+                                          <p:stCondLst>
+                                            <p:cond delay="0"/>
+                                          </p:stCondLst>
+                                        </p:cTn>
                                         <p:tgtEl>
-                                          <p:spTgt spid="809"/>
+                                          <p:spTgt spid="3"/>
+                                        </p:tgtEl>
+                                        <p:attrNameLst>
+                                          <p:attrName>style.visibility</p:attrName>
+                                        </p:attrNameLst>
+                                      </p:cBhvr>
+                                      <p:to>
+                                        <p:strVal val="hidden"/>
+                                      </p:to>
+                                    </p:set>
+                                  </p:childTnLst>
+                                </p:cTn>
+                              </p:par>
+                            </p:childTnLst>
+                          </p:cTn>
+                        </p:par>
+                      </p:childTnLst>
+                    </p:cTn>
+                  </p:par>
+                  <p:par>
+                    <p:cTn id="91" fill="hold">
+                      <p:stCondLst>
+                        <p:cond delay="indefinite"/>
+                      </p:stCondLst>
+                      <p:childTnLst>
+                        <p:par>
+                          <p:cTn id="92" fill="hold">
+                            <p:stCondLst>
+                              <p:cond delay="0"/>
+                            </p:stCondLst>
+                            <p:childTnLst>
+                              <p:par>
+                                <p:cTn id="93" presetID="10" presetClass="entr" presetSubtype="0" fill="hold" nodeType="clickEffect">
+                                  <p:stCondLst>
+                                    <p:cond delay="0"/>
+                                  </p:stCondLst>
+                                  <p:childTnLst>
+                                    <p:set>
+                                      <p:cBhvr>
+                                        <p:cTn id="94" dur="1" fill="hold">
+                                          <p:stCondLst>
+                                            <p:cond delay="0"/>
+                                          </p:stCondLst>
+                                        </p:cTn>
+                                        <p:tgtEl>
+                                          <p:spTgt spid="2"/>
+                                        </p:tgtEl>
+                                        <p:attrNameLst>
+                                          <p:attrName>style.visibility</p:attrName>
+                                        </p:attrNameLst>
+                                      </p:cBhvr>
+                                      <p:to>
+                                        <p:strVal val="visible"/>
+                                      </p:to>
+                                    </p:set>
+                                    <p:animEffect transition="in" filter="fade">
+                                      <p:cBhvr>
+                                        <p:cTn id="95" dur="500"/>
+                                        <p:tgtEl>
+                                          <p:spTgt spid="2"/>
                                         </p:tgtEl>
                                       </p:cBhvr>
                                     </p:animEffect>
+                                  </p:childTnLst>
+                                </p:cTn>
+                              </p:par>
+                            </p:childTnLst>
+                          </p:cTn>
+                        </p:par>
+                      </p:childTnLst>
+                    </p:cTn>
+                  </p:par>
+                  <p:par>
+                    <p:cTn id="96" fill="hold">
+                      <p:stCondLst>
+                        <p:cond delay="indefinite"/>
+                      </p:stCondLst>
+                      <p:childTnLst>
+                        <p:par>
+                          <p:cTn id="97" fill="hold">
+                            <p:stCondLst>
+                              <p:cond delay="0"/>
+                            </p:stCondLst>
+                            <p:childTnLst>
+                              <p:par>
+                                <p:cTn id="98" presetID="1" presetClass="exit" presetSubtype="0" fill="hold" nodeType="clickEffect">
+                                  <p:stCondLst>
+                                    <p:cond delay="0"/>
+                                  </p:stCondLst>
+                                  <p:childTnLst>
                                     <p:set>
                                       <p:cBhvr>
-                                        <p:cTn id="93" dur="1" fill="hold">
+                                        <p:cTn id="99" dur="1" fill="hold">
                                           <p:stCondLst>
-                                            <p:cond delay="1000"/>
+                                            <p:cond delay="0"/>
+                                          </p:stCondLst>
+                                        </p:cTn>
+                                        <p:tgtEl>
+                                          <p:spTgt spid="818"/>
+                                        </p:tgtEl>
+                                        <p:attrNameLst>
+                                          <p:attrName>style.visibility</p:attrName>
+                                        </p:attrNameLst>
+                                      </p:cBhvr>
+                                      <p:to>
+                                        <p:strVal val="hidden"/>
+                                      </p:to>
+                                    </p:set>
+                                  </p:childTnLst>
+                                </p:cTn>
+                              </p:par>
+                            </p:childTnLst>
+                          </p:cTn>
+                        </p:par>
+                      </p:childTnLst>
+                    </p:cTn>
+                  </p:par>
+                  <p:par>
+                    <p:cTn id="100" fill="hold">
+                      <p:stCondLst>
+                        <p:cond delay="indefinite"/>
+                      </p:stCondLst>
+                      <p:childTnLst>
+                        <p:par>
+                          <p:cTn id="101" fill="hold">
+                            <p:stCondLst>
+                              <p:cond delay="0"/>
+                            </p:stCondLst>
+                            <p:childTnLst>
+                              <p:par>
+                                <p:cTn id="102" presetID="10" presetClass="entr" presetSubtype="0" fill="hold" nodeType="clickEffect">
+                                  <p:stCondLst>
+                                    <p:cond delay="0"/>
+                                  </p:stCondLst>
+                                  <p:childTnLst>
+                                    <p:set>
+                                      <p:cBhvr>
+                                        <p:cTn id="103" dur="1" fill="hold">
+                                          <p:stCondLst>
+                                            <p:cond delay="0"/>
+                                          </p:stCondLst>
+                                        </p:cTn>
+                                        <p:tgtEl>
+                                          <p:spTgt spid="8"/>
+                                        </p:tgtEl>
+                                        <p:attrNameLst>
+                                          <p:attrName>style.visibility</p:attrName>
+                                        </p:attrNameLst>
+                                      </p:cBhvr>
+                                      <p:to>
+                                        <p:strVal val="visible"/>
+                                      </p:to>
+                                    </p:set>
+                                    <p:animEffect transition="in" filter="fade">
+                                      <p:cBhvr>
+                                        <p:cTn id="104" dur="500"/>
+                                        <p:tgtEl>
+                                          <p:spTgt spid="8"/>
+                                        </p:tgtEl>
+                                      </p:cBhvr>
+                                    </p:animEffect>
+                                  </p:childTnLst>
+                                </p:cTn>
+                              </p:par>
+                            </p:childTnLst>
+                          </p:cTn>
+                        </p:par>
+                      </p:childTnLst>
+                    </p:cTn>
+                  </p:par>
+                  <p:par>
+                    <p:cTn id="105" fill="hold">
+                      <p:stCondLst>
+                        <p:cond delay="indefinite"/>
+                      </p:stCondLst>
+                      <p:childTnLst>
+                        <p:par>
+                          <p:cTn id="106" fill="hold">
+                            <p:stCondLst>
+                              <p:cond delay="0"/>
+                            </p:stCondLst>
+                            <p:childTnLst>
+                              <p:par>
+                                <p:cTn id="107" presetID="1" presetClass="exit" presetSubtype="0" fill="hold" nodeType="clickEffect">
+                                  <p:stCondLst>
+                                    <p:cond delay="0"/>
+                                  </p:stCondLst>
+                                  <p:childTnLst>
+                                    <p:set>
+                                      <p:cBhvr>
+                                        <p:cTn id="108" dur="1" fill="hold">
+                                          <p:stCondLst>
+                                            <p:cond delay="0"/>
                                           </p:stCondLst>
                                         </p:cTn>
                                         <p:tgtEl>
@@ -9953,32 +10505,32 @@
                     </p:cTn>
                   </p:par>
                   <p:par>
-                    <p:cTn id="94" fill="hold">
+                    <p:cTn id="109" fill="hold">
                       <p:stCondLst>
                         <p:cond delay="indefinite"/>
                       </p:stCondLst>
                       <p:childTnLst>
                         <p:par>
-                          <p:cTn id="95" fill="hold">
+                          <p:cTn id="110" fill="hold">
                             <p:stCondLst>
                               <p:cond delay="0"/>
                             </p:stCondLst>
                             <p:childTnLst>
                               <p:par>
-                                <p:cTn id="96" presetID="10" presetClass="entr" presetSubtype="0" fill="hold" nodeType="clickEffect">
+                                <p:cTn id="111" presetID="10" presetClass="entr" presetSubtype="0" fill="hold" nodeType="clickEffect">
                                   <p:stCondLst>
                                     <p:cond delay="0"/>
                                   </p:stCondLst>
                                   <p:childTnLst>
                                     <p:set>
                                       <p:cBhvr>
-                                        <p:cTn id="97" dur="1" fill="hold">
+                                        <p:cTn id="112" dur="1" fill="hold">
                                           <p:stCondLst>
                                             <p:cond delay="0"/>
                                           </p:stCondLst>
                                         </p:cTn>
                                         <p:tgtEl>
-                                          <p:spTgt spid="91"/>
+                                          <p:spTgt spid="67"/>
                                         </p:tgtEl>
                                         <p:attrNameLst>
                                           <p:attrName>style.visibility</p:attrName>
@@ -9990,30 +10542,93 @@
                                     </p:set>
                                     <p:animEffect transition="in" filter="fade">
                                       <p:cBhvr>
-                                        <p:cTn id="98" dur="1000"/>
+                                        <p:cTn id="113" dur="500"/>
                                         <p:tgtEl>
-                                          <p:spTgt spid="91"/>
+                                          <p:spTgt spid="67"/>
                                         </p:tgtEl>
                                       </p:cBhvr>
                                     </p:animEffect>
                                   </p:childTnLst>
                                 </p:cTn>
                               </p:par>
+                            </p:childTnLst>
+                          </p:cTn>
+                        </p:par>
+                      </p:childTnLst>
+                    </p:cTn>
+                  </p:par>
+                  <p:par>
+                    <p:cTn id="114" fill="hold">
+                      <p:stCondLst>
+                        <p:cond delay="indefinite"/>
+                      </p:stCondLst>
+                      <p:childTnLst>
+                        <p:par>
+                          <p:cTn id="115" fill="hold">
+                            <p:stCondLst>
+                              <p:cond delay="0"/>
+                            </p:stCondLst>
+                            <p:childTnLst>
                               <p:par>
-                                <p:cTn id="99" presetID="10" presetClass="entr" presetSubtype="0" fill="hold" nodeType="withEffect">
+                                <p:cTn id="116" presetID="1" presetClass="exit" presetSubtype="0" fill="hold" nodeType="clickEffect">
                                   <p:stCondLst>
                                     <p:cond delay="0"/>
                                   </p:stCondLst>
                                   <p:childTnLst>
                                     <p:set>
                                       <p:cBhvr>
-                                        <p:cTn id="100" dur="1" fill="hold">
+                                        <p:cTn id="117" dur="1" fill="hold">
                                           <p:stCondLst>
                                             <p:cond delay="0"/>
                                           </p:stCondLst>
                                         </p:cTn>
                                         <p:tgtEl>
-                                          <p:spTgt spid="140"/>
+                                          <p:spTgt spid="15"/>
+                                        </p:tgtEl>
+                                        <p:attrNameLst>
+                                          <p:attrName>style.visibility</p:attrName>
+                                        </p:attrNameLst>
+                                      </p:cBhvr>
+                                      <p:to>
+                                        <p:strVal val="hidden"/>
+                                      </p:to>
+                                    </p:set>
+                                  </p:childTnLst>
+                                </p:cTn>
+                              </p:par>
+                            </p:childTnLst>
+                          </p:cTn>
+                        </p:par>
+                      </p:childTnLst>
+                    </p:cTn>
+                  </p:par>
+                  <p:par>
+                    <p:cTn id="118" fill="hold">
+                      <p:stCondLst>
+                        <p:cond delay="indefinite"/>
+                      </p:stCondLst>
+                      <p:childTnLst>
+                        <p:par>
+                          <p:cTn id="119" fill="hold">
+                            <p:stCondLst>
+                              <p:cond delay="0"/>
+                            </p:stCondLst>
+                            <p:childTnLst>
+                              <p:par>
+                                <p:cTn id="120" presetID="10" presetClass="entr" presetSubtype="0" fill="hold" nodeType="clickEffect">
+                                  <p:stCondLst>
+                                    <p:cond delay="0"/>
+                                  </p:stCondLst>
+                                  <p:childTnLst>
+                                    <p:set>
+                                      <p:cBhvr>
+                                        <p:cTn id="121" dur="1" fill="hold">
+                                          <p:stCondLst>
+                                            <p:cond delay="0"/>
+                                          </p:stCondLst>
+                                        </p:cTn>
+                                        <p:tgtEl>
+                                          <p:spTgt spid="793"/>
                                         </p:tgtEl>
                                         <p:attrNameLst>
                                           <p:attrName>style.visibility</p:attrName>
@@ -10025,9 +10640,9 @@
                                     </p:set>
                                     <p:animEffect transition="in" filter="fade">
                                       <p:cBhvr>
-                                        <p:cTn id="101" dur="1000"/>
+                                        <p:cTn id="122" dur="500"/>
                                         <p:tgtEl>
-                                          <p:spTgt spid="140"/>
+                                          <p:spTgt spid="793"/>
                                         </p:tgtEl>
                                       </p:cBhvr>
                                     </p:animEffect>
@@ -10145,7 +10760,7 @@
   <p:cSld>
     <p:spTree>
       <p:nvGrpSpPr>
-        <p:cNvPr id="1" name=""/>
+        <p:cNvPr id="1" name="Shape 856"/>
         <p:cNvGrpSpPr/>
         <p:nvPr/>
       </p:nvGrpSpPr>
@@ -10159,46 +10774,582 @@
       </p:grpSpPr>
       <p:sp>
         <p:nvSpPr>
-          <p:cNvPr id="2" name="Title 1"/>
-          <p:cNvSpPr>
+          <p:cNvPr id="857" name="Google Shape;857;p40"/>
+          <p:cNvSpPr txBox="1">
             <a:spLocks noGrp="1"/>
           </p:cNvSpPr>
           <p:nvPr>
-            <p:ph type="ctrTitle"/>
+            <p:ph type="title"/>
           </p:nvPr>
         </p:nvSpPr>
-        <p:spPr/>
+        <p:spPr>
+          <a:xfrm>
+            <a:off x="3812000" y="662367"/>
+            <a:ext cx="5185696" cy="763600"/>
+          </a:xfrm>
+          <a:prstGeom prst="rect">
+            <a:avLst/>
+          </a:prstGeom>
+        </p:spPr>
         <p:txBody>
-          <a:bodyPr/>
+          <a:bodyPr spcFirstLastPara="1" vert="horz" wrap="square" lIns="121900" tIns="121900" rIns="121900" bIns="121900" rtlCol="0" anchor="ctr" anchorCtr="0">
+            <a:noAutofit/>
+          </a:bodyPr>
           <a:lstStyle/>
           <a:p>
-            <a:endParaRPr lang="en-US" dirty="0"/>
+            <a:pPr algn="ctr"/>
+            <a:r>
+              <a:rPr lang="en" sz="4667" b="1" dirty="0">
+                <a:solidFill>
+                  <a:srgbClr val="0B5394"/>
+                </a:solidFill>
+                <a:latin typeface="Concert One"/>
+                <a:ea typeface="Concert One"/>
+                <a:cs typeface="Concert One"/>
+                <a:sym typeface="Concert One"/>
+              </a:rPr>
+              <a:t>TECHNOLOGIES</a:t>
+            </a:r>
+            <a:endParaRPr sz="4667" b="1" dirty="0">
+              <a:solidFill>
+                <a:srgbClr val="0B5394"/>
+              </a:solidFill>
+              <a:latin typeface="Concert One"/>
+              <a:ea typeface="Concert One"/>
+              <a:cs typeface="Concert One"/>
+              <a:sym typeface="Concert One"/>
+            </a:endParaRPr>
           </a:p>
         </p:txBody>
       </p:sp>
+      <p:grpSp>
+        <p:nvGrpSpPr>
+          <p:cNvPr id="858" name="Google Shape;858;p40"/>
+          <p:cNvGrpSpPr/>
+          <p:nvPr/>
+        </p:nvGrpSpPr>
+        <p:grpSpPr>
+          <a:xfrm>
+            <a:off x="1425434" y="662367"/>
+            <a:ext cx="9107117" cy="4771851"/>
+            <a:chOff x="1069075" y="496775"/>
+            <a:chExt cx="6830338" cy="3578888"/>
+          </a:xfrm>
+        </p:grpSpPr>
+        <p:sp>
+          <p:nvSpPr>
+            <p:cNvPr id="859" name="Google Shape;859;p40"/>
+            <p:cNvSpPr/>
+            <p:nvPr/>
+          </p:nvSpPr>
+          <p:spPr>
+            <a:xfrm>
+              <a:off x="1069075" y="496775"/>
+              <a:ext cx="1189800" cy="1189800"/>
+            </a:xfrm>
+            <a:prstGeom prst="donut">
+              <a:avLst>
+                <a:gd name="adj" fmla="val 15949"/>
+              </a:avLst>
+            </a:prstGeom>
+            <a:solidFill>
+              <a:schemeClr val="accent3"/>
+            </a:solidFill>
+            <a:ln>
+              <a:noFill/>
+            </a:ln>
+          </p:spPr>
+          <p:txBody>
+            <a:bodyPr spcFirstLastPara="1" wrap="square" lIns="121900" tIns="121900" rIns="121900" bIns="121900" anchor="ctr" anchorCtr="0">
+              <a:noAutofit/>
+            </a:bodyPr>
+            <a:lstStyle/>
+            <a:p>
+              <a:endParaRPr sz="2400"/>
+            </a:p>
+          </p:txBody>
+        </p:sp>
+        <p:sp>
+          <p:nvSpPr>
+            <p:cNvPr id="860" name="Google Shape;860;p40"/>
+            <p:cNvSpPr/>
+            <p:nvPr/>
+          </p:nvSpPr>
+          <p:spPr>
+            <a:xfrm rot="10800000">
+              <a:off x="7605713" y="3131612"/>
+              <a:ext cx="293700" cy="294000"/>
+            </a:xfrm>
+            <a:prstGeom prst="donut">
+              <a:avLst>
+                <a:gd name="adj" fmla="val 15949"/>
+              </a:avLst>
+            </a:prstGeom>
+            <a:solidFill>
+              <a:schemeClr val="accent3"/>
+            </a:solidFill>
+            <a:ln>
+              <a:noFill/>
+            </a:ln>
+          </p:spPr>
+          <p:txBody>
+            <a:bodyPr spcFirstLastPara="1" wrap="square" lIns="121900" tIns="121900" rIns="121900" bIns="121900" anchor="ctr" anchorCtr="0">
+              <a:noAutofit/>
+            </a:bodyPr>
+            <a:lstStyle/>
+            <a:p>
+              <a:endParaRPr sz="2400"/>
+            </a:p>
+          </p:txBody>
+        </p:sp>
+        <p:sp>
+          <p:nvSpPr>
+            <p:cNvPr id="861" name="Google Shape;861;p40"/>
+            <p:cNvSpPr/>
+            <p:nvPr/>
+          </p:nvSpPr>
+          <p:spPr>
+            <a:xfrm rot="10800000">
+              <a:off x="7302488" y="3502963"/>
+              <a:ext cx="572100" cy="572700"/>
+            </a:xfrm>
+            <a:prstGeom prst="donut">
+              <a:avLst>
+                <a:gd name="adj" fmla="val 15949"/>
+              </a:avLst>
+            </a:prstGeom>
+            <a:solidFill>
+              <a:schemeClr val="accent3"/>
+            </a:solidFill>
+            <a:ln>
+              <a:noFill/>
+            </a:ln>
+          </p:spPr>
+          <p:txBody>
+            <a:bodyPr spcFirstLastPara="1" wrap="square" lIns="121900" tIns="121900" rIns="121900" bIns="121900" anchor="ctr" anchorCtr="0">
+              <a:noAutofit/>
+            </a:bodyPr>
+            <a:lstStyle/>
+            <a:p>
+              <a:endParaRPr sz="2400"/>
+            </a:p>
+          </p:txBody>
+        </p:sp>
+        <p:sp>
+          <p:nvSpPr>
+            <p:cNvPr id="862" name="Google Shape;862;p40"/>
+            <p:cNvSpPr/>
+            <p:nvPr/>
+          </p:nvSpPr>
+          <p:spPr>
+            <a:xfrm>
+              <a:off x="3338500" y="2865963"/>
+              <a:ext cx="520200" cy="520800"/>
+            </a:xfrm>
+            <a:prstGeom prst="donut">
+              <a:avLst>
+                <a:gd name="adj" fmla="val 15949"/>
+              </a:avLst>
+            </a:prstGeom>
+            <a:solidFill>
+              <a:schemeClr val="accent3"/>
+            </a:solidFill>
+            <a:ln>
+              <a:noFill/>
+            </a:ln>
+          </p:spPr>
+          <p:txBody>
+            <a:bodyPr spcFirstLastPara="1" wrap="square" lIns="121900" tIns="121900" rIns="121900" bIns="121900" anchor="ctr" anchorCtr="0">
+              <a:noAutofit/>
+            </a:bodyPr>
+            <a:lstStyle/>
+            <a:p>
+              <a:endParaRPr sz="2400"/>
+            </a:p>
+          </p:txBody>
+        </p:sp>
+        <p:sp>
+          <p:nvSpPr>
+            <p:cNvPr id="863" name="Google Shape;863;p40"/>
+            <p:cNvSpPr/>
+            <p:nvPr/>
+          </p:nvSpPr>
+          <p:spPr>
+            <a:xfrm>
+              <a:off x="3976488" y="1803425"/>
+              <a:ext cx="520200" cy="520800"/>
+            </a:xfrm>
+            <a:prstGeom prst="donut">
+              <a:avLst>
+                <a:gd name="adj" fmla="val 15949"/>
+              </a:avLst>
+            </a:prstGeom>
+            <a:solidFill>
+              <a:schemeClr val="accent3"/>
+            </a:solidFill>
+            <a:ln>
+              <a:noFill/>
+            </a:ln>
+          </p:spPr>
+          <p:txBody>
+            <a:bodyPr spcFirstLastPara="1" wrap="square" lIns="121900" tIns="121900" rIns="121900" bIns="121900" anchor="ctr" anchorCtr="0">
+              <a:noAutofit/>
+            </a:bodyPr>
+            <a:lstStyle/>
+            <a:p>
+              <a:endParaRPr sz="2400"/>
+            </a:p>
+          </p:txBody>
+        </p:sp>
+      </p:grpSp>
       <p:sp>
         <p:nvSpPr>
-          <p:cNvPr id="3" name="Subtitle 2"/>
-          <p:cNvSpPr>
+          <p:cNvPr id="864" name="Google Shape;864;p40"/>
+          <p:cNvSpPr/>
+          <p:nvPr/>
+        </p:nvSpPr>
+        <p:spPr>
+          <a:xfrm>
+            <a:off x="110167" y="98133"/>
+            <a:ext cx="2706400" cy="434000"/>
+          </a:xfrm>
+          <a:prstGeom prst="roundRect">
+            <a:avLst>
+              <a:gd name="adj" fmla="val 16667"/>
+            </a:avLst>
+          </a:prstGeom>
+          <a:solidFill>
+            <a:srgbClr val="3D85C6"/>
+          </a:solidFill>
+          <a:ln w="38100" cap="flat" cmpd="sng">
+            <a:solidFill>
+              <a:srgbClr val="0B5394"/>
+            </a:solidFill>
+            <a:prstDash val="solid"/>
+            <a:round/>
+            <a:headEnd type="none" w="sm" len="sm"/>
+            <a:tailEnd type="none" w="sm" len="sm"/>
+          </a:ln>
+        </p:spPr>
+        <p:txBody>
+          <a:bodyPr spcFirstLastPara="1" wrap="square" lIns="121900" tIns="121900" rIns="121900" bIns="121900" anchor="ctr" anchorCtr="0">
+            <a:noAutofit/>
+          </a:bodyPr>
+          <a:lstStyle/>
+          <a:p>
+            <a:pPr marL="228594" indent="-194728">
+              <a:buClr>
+                <a:srgbClr val="FFFFFF"/>
+              </a:buClr>
+              <a:buSzPts val="1400"/>
+              <a:buFont typeface="Concert One"/>
+              <a:buAutoNum type="romanUcPeriod" startAt="2"/>
+            </a:pPr>
+            <a:r>
+              <a:rPr lang="en" sz="2400" dirty="0">
+                <a:solidFill>
+                  <a:srgbClr val="FFFFFF"/>
+                </a:solidFill>
+                <a:latin typeface="Concert One"/>
+                <a:ea typeface="Concert One"/>
+                <a:cs typeface="Concert One"/>
+                <a:sym typeface="Concert One"/>
+              </a:rPr>
+              <a:t> System design</a:t>
+            </a:r>
+            <a:endParaRPr sz="2400" dirty="0">
+              <a:solidFill>
+                <a:srgbClr val="FFFFFF"/>
+              </a:solidFill>
+              <a:latin typeface="Concert One"/>
+              <a:ea typeface="Concert One"/>
+              <a:cs typeface="Concert One"/>
+              <a:sym typeface="Concert One"/>
+            </a:endParaRPr>
+          </a:p>
+        </p:txBody>
+      </p:sp>
+      <p:pic>
+        <p:nvPicPr>
+          <p:cNvPr id="868" name="Google Shape;868;p40"/>
+          <p:cNvPicPr preferRelativeResize="0"/>
+          <p:nvPr/>
+        </p:nvPicPr>
+        <p:blipFill>
+          <a:blip r:embed="rId3">
+            <a:alphaModFix/>
+          </a:blip>
+          <a:stretch>
+            <a:fillRect/>
+          </a:stretch>
+        </p:blipFill>
+        <p:spPr>
+          <a:xfrm>
+            <a:off x="6520551" y="4333249"/>
+            <a:ext cx="1984367" cy="2167771"/>
+          </a:xfrm>
+          <a:prstGeom prst="rect">
+            <a:avLst/>
+          </a:prstGeom>
+          <a:noFill/>
+          <a:ln>
+            <a:noFill/>
+          </a:ln>
+        </p:spPr>
+      </p:pic>
+      <p:pic>
+        <p:nvPicPr>
+          <p:cNvPr id="869" name="Google Shape;869;p40"/>
+          <p:cNvPicPr preferRelativeResize="0"/>
+          <p:nvPr/>
+        </p:nvPicPr>
+        <p:blipFill>
+          <a:blip r:embed="rId4">
+            <a:alphaModFix/>
+          </a:blip>
+          <a:stretch>
+            <a:fillRect/>
+          </a:stretch>
+        </p:blipFill>
+        <p:spPr>
+          <a:xfrm>
+            <a:off x="9502135" y="4540316"/>
+            <a:ext cx="2023444" cy="1753635"/>
+          </a:xfrm>
+          <a:prstGeom prst="rect">
+            <a:avLst/>
+          </a:prstGeom>
+          <a:noFill/>
+          <a:ln>
+            <a:noFill/>
+          </a:ln>
+        </p:spPr>
+      </p:pic>
+      <p:pic>
+        <p:nvPicPr>
+          <p:cNvPr id="870" name="Google Shape;870;p40"/>
+          <p:cNvPicPr preferRelativeResize="0"/>
+          <p:nvPr/>
+        </p:nvPicPr>
+        <p:blipFill>
+          <a:blip r:embed="rId5">
+            <a:alphaModFix/>
+          </a:blip>
+          <a:stretch>
+            <a:fillRect/>
+          </a:stretch>
+        </p:blipFill>
+        <p:spPr>
+          <a:xfrm>
+            <a:off x="6553267" y="2087716"/>
+            <a:ext cx="1918933" cy="1918933"/>
+          </a:xfrm>
+          <a:prstGeom prst="rect">
+            <a:avLst/>
+          </a:prstGeom>
+          <a:noFill/>
+          <a:ln>
+            <a:noFill/>
+          </a:ln>
+        </p:spPr>
+      </p:pic>
+      <p:pic>
+        <p:nvPicPr>
+          <p:cNvPr id="871" name="Google Shape;871;p40"/>
+          <p:cNvPicPr preferRelativeResize="0"/>
+          <p:nvPr/>
+        </p:nvPicPr>
+        <p:blipFill>
+          <a:blip r:embed="rId6">
+            <a:alphaModFix/>
+          </a:blip>
+          <a:stretch>
+            <a:fillRect/>
+          </a:stretch>
+        </p:blipFill>
+        <p:spPr>
+          <a:xfrm>
+            <a:off x="3521830" y="2055003"/>
+            <a:ext cx="2246839" cy="1984367"/>
+          </a:xfrm>
+          <a:prstGeom prst="rect">
+            <a:avLst/>
+          </a:prstGeom>
+          <a:noFill/>
+          <a:ln>
+            <a:noFill/>
+          </a:ln>
+        </p:spPr>
+      </p:pic>
+      <p:sp>
+        <p:nvSpPr>
+          <p:cNvPr id="873" name="Google Shape;873;p40"/>
+          <p:cNvSpPr txBox="1">
             <a:spLocks noGrp="1"/>
           </p:cNvSpPr>
           <p:nvPr>
-            <p:ph type="subTitle" idx="1"/>
+            <p:ph type="sldNum" idx="12"/>
           </p:nvPr>
         </p:nvSpPr>
-        <p:spPr/>
+        <p:spPr>
+          <a:xfrm>
+            <a:off x="11409045" y="6333135"/>
+            <a:ext cx="731600" cy="524800"/>
+          </a:xfrm>
+          <a:prstGeom prst="rect">
+            <a:avLst/>
+          </a:prstGeom>
+        </p:spPr>
         <p:txBody>
-          <a:bodyPr/>
+          <a:bodyPr spcFirstLastPara="1" vert="horz" wrap="square" lIns="121900" tIns="121900" rIns="121900" bIns="121900" rtlCol="0" anchor="ctr" anchorCtr="0">
+            <a:noAutofit/>
+          </a:bodyPr>
           <a:lstStyle/>
           <a:p>
-            <a:endParaRPr lang="en-US" dirty="0"/>
+            <a:pPr algn="ctr"/>
+            <a:fld id="{00000000-1234-1234-1234-123412341234}" type="slidenum">
+              <a:rPr lang="en" sz="2267">
+                <a:latin typeface="Concert One"/>
+                <a:ea typeface="Concert One"/>
+                <a:cs typeface="Concert One"/>
+                <a:sym typeface="Concert One"/>
+              </a:rPr>
+              <a:pPr algn="ctr"/>
+              <a:t>2</a:t>
+            </a:fld>
+            <a:endParaRPr sz="2267">
+              <a:latin typeface="Concert One"/>
+              <a:ea typeface="Concert One"/>
+              <a:cs typeface="Concert One"/>
+              <a:sym typeface="Concert One"/>
+            </a:endParaRPr>
           </a:p>
         </p:txBody>
       </p:sp>
+      <p:pic>
+        <p:nvPicPr>
+          <p:cNvPr id="2" name="Picture 1"/>
+          <p:cNvPicPr>
+            <a:picLocks noChangeAspect="1"/>
+          </p:cNvPicPr>
+          <p:nvPr/>
+        </p:nvPicPr>
+        <p:blipFill>
+          <a:blip r:embed="rId7" cstate="print">
+            <a:extLst>
+              <a:ext uri="{28A0092B-C50C-407E-A947-70E740481C1C}">
+                <a14:useLocalDpi xmlns:a14="http://schemas.microsoft.com/office/drawing/2010/main" val="0"/>
+              </a:ext>
+            </a:extLst>
+          </a:blip>
+          <a:stretch>
+            <a:fillRect/>
+          </a:stretch>
+        </p:blipFill>
+        <p:spPr>
+          <a:xfrm>
+            <a:off x="3686152" y="4333249"/>
+            <a:ext cx="2082517" cy="2082517"/>
+          </a:xfrm>
+          <a:prstGeom prst="rect">
+            <a:avLst/>
+          </a:prstGeom>
+        </p:spPr>
+      </p:pic>
+      <p:pic>
+        <p:nvPicPr>
+          <p:cNvPr id="3" name="Picture 2"/>
+          <p:cNvPicPr>
+            <a:picLocks noChangeAspect="1"/>
+          </p:cNvPicPr>
+          <p:nvPr/>
+        </p:nvPicPr>
+        <p:blipFill>
+          <a:blip r:embed="rId8" cstate="print">
+            <a:extLst>
+              <a:ext uri="{28A0092B-C50C-407E-A947-70E740481C1C}">
+                <a14:useLocalDpi xmlns:a14="http://schemas.microsoft.com/office/drawing/2010/main" val="0"/>
+              </a:ext>
+            </a:extLst>
+          </a:blip>
+          <a:stretch>
+            <a:fillRect/>
+          </a:stretch>
+        </p:blipFill>
+        <p:spPr>
+          <a:xfrm>
+            <a:off x="9414275" y="2055003"/>
+            <a:ext cx="2017346" cy="2017346"/>
+          </a:xfrm>
+          <a:prstGeom prst="rect">
+            <a:avLst/>
+          </a:prstGeom>
+        </p:spPr>
+      </p:pic>
+      <p:pic>
+        <p:nvPicPr>
+          <p:cNvPr id="21" name="Picture 20">
+            <a:extLst>
+              <a:ext uri="{FF2B5EF4-FFF2-40B4-BE49-F238E27FC236}">
+                <a16:creationId xmlns:a16="http://schemas.microsoft.com/office/drawing/2014/main" id="{315D6978-B479-D34E-B8C6-2AA11D89A2A6}"/>
+              </a:ext>
+            </a:extLst>
+          </p:cNvPr>
+          <p:cNvPicPr>
+            <a:picLocks noChangeAspect="1"/>
+          </p:cNvPicPr>
+          <p:nvPr/>
+        </p:nvPicPr>
+        <p:blipFill>
+          <a:blip r:embed="rId9"/>
+          <a:stretch>
+            <a:fillRect/>
+          </a:stretch>
+        </p:blipFill>
+        <p:spPr>
+          <a:xfrm>
+            <a:off x="636642" y="4431568"/>
+            <a:ext cx="2005302" cy="2005302"/>
+          </a:xfrm>
+          <a:prstGeom prst="rect">
+            <a:avLst/>
+          </a:prstGeom>
+        </p:spPr>
+      </p:pic>
+      <p:pic>
+        <p:nvPicPr>
+          <p:cNvPr id="4" name="Picture 3"/>
+          <p:cNvPicPr>
+            <a:picLocks noChangeAspect="1"/>
+          </p:cNvPicPr>
+          <p:nvPr/>
+        </p:nvPicPr>
+        <p:blipFill>
+          <a:blip r:embed="rId10" cstate="print">
+            <a:extLst>
+              <a:ext uri="{28A0092B-C50C-407E-A947-70E740481C1C}">
+                <a14:useLocalDpi xmlns:a14="http://schemas.microsoft.com/office/drawing/2010/main" val="0"/>
+              </a:ext>
+            </a:extLst>
+          </a:blip>
+          <a:stretch>
+            <a:fillRect/>
+          </a:stretch>
+        </p:blipFill>
+        <p:spPr>
+          <a:xfrm>
+            <a:off x="778734" y="1980698"/>
+            <a:ext cx="1840587" cy="1840587"/>
+          </a:xfrm>
+          <a:prstGeom prst="rect">
+            <a:avLst/>
+          </a:prstGeom>
+        </p:spPr>
+      </p:pic>
     </p:spTree>
     <p:extLst>
       <p:ext uri="{BB962C8B-B14F-4D97-AF65-F5344CB8AC3E}">
-        <p14:creationId xmlns:p14="http://schemas.microsoft.com/office/powerpoint/2010/main" val="1689482875"/>
+        <p14:creationId xmlns:p14="http://schemas.microsoft.com/office/powerpoint/2010/main" val="3942201097"/>
       </p:ext>
     </p:extLst>
   </p:cSld>
@@ -10208,7 +11359,83 @@
   <p:timing>
     <p:tnLst>
       <p:par>
-        <p:cTn id="1" dur="indefinite" restart="never" nodeType="tmRoot"/>
+        <p:cTn id="1" dur="indefinite" restart="never" nodeType="tmRoot">
+          <p:childTnLst>
+            <p:seq concurrent="1" nextAc="seek">
+              <p:cTn id="2" dur="indefinite" nodeType="mainSeq">
+                <p:childTnLst>
+                  <p:par>
+                    <p:cTn id="3" fill="hold">
+                      <p:stCondLst>
+                        <p:cond delay="indefinite"/>
+                      </p:stCondLst>
+                      <p:childTnLst>
+                        <p:par>
+                          <p:cTn id="4" fill="hold">
+                            <p:stCondLst>
+                              <p:cond delay="0"/>
+                            </p:stCondLst>
+                            <p:childTnLst>
+                              <p:par>
+                                <p:cTn id="5" presetID="10" presetClass="entr" presetSubtype="0" fill="hold" nodeType="clickEffect">
+                                  <p:stCondLst>
+                                    <p:cond delay="0"/>
+                                  </p:stCondLst>
+                                  <p:childTnLst>
+                                    <p:set>
+                                      <p:cBhvr>
+                                        <p:cTn id="6" dur="1" fill="hold">
+                                          <p:stCondLst>
+                                            <p:cond delay="0"/>
+                                          </p:stCondLst>
+                                        </p:cTn>
+                                        <p:tgtEl>
+                                          <p:spTgt spid="21"/>
+                                        </p:tgtEl>
+                                        <p:attrNameLst>
+                                          <p:attrName>style.visibility</p:attrName>
+                                        </p:attrNameLst>
+                                      </p:cBhvr>
+                                      <p:to>
+                                        <p:strVal val="visible"/>
+                                      </p:to>
+                                    </p:set>
+                                    <p:animEffect transition="in" filter="fade">
+                                      <p:cBhvr>
+                                        <p:cTn id="7" dur="500"/>
+                                        <p:tgtEl>
+                                          <p:spTgt spid="21"/>
+                                        </p:tgtEl>
+                                      </p:cBhvr>
+                                    </p:animEffect>
+                                  </p:childTnLst>
+                                </p:cTn>
+                              </p:par>
+                            </p:childTnLst>
+                          </p:cTn>
+                        </p:par>
+                      </p:childTnLst>
+                    </p:cTn>
+                  </p:par>
+                </p:childTnLst>
+              </p:cTn>
+              <p:prevCondLst>
+                <p:cond evt="onPrev" delay="0">
+                  <p:tgtEl>
+                    <p:sldTgt/>
+                  </p:tgtEl>
+                </p:cond>
+              </p:prevCondLst>
+              <p:nextCondLst>
+                <p:cond evt="onNext" delay="0">
+                  <p:tgtEl>
+                    <p:sldTgt/>
+                  </p:tgtEl>
+                </p:cond>
+              </p:nextCondLst>
+            </p:seq>
+          </p:childTnLst>
+        </p:cTn>
       </p:par>
     </p:tnLst>
   </p:timing>
@@ -10232,455 +11459,98 @@
           <a:chExt cx="0" cy="0"/>
         </a:xfrm>
       </p:grpSpPr>
+      <p:cxnSp>
+        <p:nvCxnSpPr>
+          <p:cNvPr id="1949" name="Google Shape;1949;p91"/>
+          <p:cNvCxnSpPr/>
+          <p:nvPr/>
+        </p:nvCxnSpPr>
+        <p:spPr>
+          <a:xfrm>
+            <a:off x="1116775" y="4065617"/>
+            <a:ext cx="10323129" cy="0"/>
+          </a:xfrm>
+          <a:prstGeom prst="straightConnector1">
+            <a:avLst/>
+          </a:prstGeom>
+          <a:noFill/>
+          <a:ln w="28575" cap="flat" cmpd="sng">
+            <a:solidFill>
+              <a:srgbClr val="000000"/>
+            </a:solidFill>
+            <a:prstDash val="solid"/>
+            <a:round/>
+            <a:headEnd type="none" w="med" len="med"/>
+            <a:tailEnd type="triangle" w="med" len="med"/>
+          </a:ln>
+        </p:spPr>
+      </p:cxnSp>
       <p:grpSp>
         <p:nvGrpSpPr>
-          <p:cNvPr id="1948" name="Google Shape;1948;p91"/>
+          <p:cNvPr id="1960" name="Google Shape;1960;p91"/>
           <p:cNvGrpSpPr/>
           <p:nvPr/>
         </p:nvGrpSpPr>
         <p:grpSpPr>
           <a:xfrm>
-            <a:off x="752075" y="1692901"/>
-            <a:ext cx="10687829" cy="4640233"/>
-            <a:chOff x="3530532" y="1496183"/>
-            <a:chExt cx="1562000" cy="706735"/>
+            <a:off x="5692794" y="1692899"/>
+            <a:ext cx="2827410" cy="3043801"/>
+            <a:chOff x="4252606" y="1496183"/>
+            <a:chExt cx="413219" cy="463589"/>
           </a:xfrm>
         </p:grpSpPr>
-        <p:cxnSp>
-          <p:nvCxnSpPr>
-            <p:cNvPr id="1949" name="Google Shape;1949;p91"/>
-            <p:cNvCxnSpPr/>
-            <p:nvPr/>
-          </p:nvCxnSpPr>
-          <p:spPr>
-            <a:xfrm>
-              <a:off x="3583832" y="1857562"/>
-              <a:ext cx="1508700" cy="0"/>
-            </a:xfrm>
-            <a:prstGeom prst="straightConnector1">
-              <a:avLst/>
-            </a:prstGeom>
-            <a:noFill/>
-            <a:ln w="28575" cap="flat" cmpd="sng">
-              <a:solidFill>
-                <a:srgbClr val="000000"/>
-              </a:solidFill>
-              <a:prstDash val="solid"/>
-              <a:round/>
-              <a:headEnd type="none" w="med" len="med"/>
-              <a:tailEnd type="triangle" w="med" len="med"/>
-            </a:ln>
-          </p:spPr>
-        </p:cxnSp>
         <p:grpSp>
           <p:nvGrpSpPr>
-            <p:cNvPr id="1950" name="Google Shape;1950;p91"/>
+            <p:cNvPr id="1961" name="Google Shape;1961;p91"/>
             <p:cNvGrpSpPr/>
             <p:nvPr/>
           </p:nvGrpSpPr>
           <p:grpSpPr>
             <a:xfrm>
-              <a:off x="3530532" y="1496183"/>
-              <a:ext cx="526530" cy="463589"/>
-              <a:chOff x="3530532" y="1496183"/>
-              <a:chExt cx="526530" cy="463589"/>
+              <a:off x="4290825" y="1496183"/>
+              <a:ext cx="375000" cy="361378"/>
+              <a:chOff x="4290825" y="1496183"/>
+              <a:chExt cx="375000" cy="361378"/>
             </a:xfrm>
           </p:grpSpPr>
-          <p:grpSp>
-            <p:nvGrpSpPr>
-              <p:cNvPr id="1951" name="Google Shape;1951;p91"/>
-              <p:cNvGrpSpPr/>
+          <p:cxnSp>
+            <p:nvCxnSpPr>
+              <p:cNvPr id="1962" name="Google Shape;1962;p91"/>
+              <p:cNvCxnSpPr/>
               <p:nvPr/>
-            </p:nvGrpSpPr>
-            <p:grpSpPr>
-              <a:xfrm>
-                <a:off x="3567462" y="1496183"/>
-                <a:ext cx="489600" cy="361378"/>
-                <a:chOff x="3567462" y="1496183"/>
-                <a:chExt cx="489600" cy="361378"/>
+            </p:nvCxnSpPr>
+            <p:spPr>
+              <a:xfrm rot="10800000">
+                <a:off x="4349995" y="1565661"/>
+                <a:ext cx="0" cy="291900"/>
               </a:xfrm>
-            </p:grpSpPr>
-            <p:cxnSp>
-              <p:nvCxnSpPr>
-                <p:cNvPr id="1952" name="Google Shape;1952;p91"/>
-                <p:cNvCxnSpPr/>
-                <p:nvPr/>
-              </p:nvCxnSpPr>
-              <p:spPr>
-                <a:xfrm rot="10800000">
-                  <a:off x="3626630" y="1565661"/>
-                  <a:ext cx="0" cy="291900"/>
-                </a:xfrm>
-                <a:prstGeom prst="straightConnector1">
-                  <a:avLst/>
-                </a:prstGeom>
-                <a:noFill/>
-                <a:ln w="28575" cap="flat" cmpd="sng">
-                  <a:solidFill>
-                    <a:srgbClr val="000000"/>
-                  </a:solidFill>
-                  <a:prstDash val="solid"/>
-                  <a:round/>
-                  <a:headEnd type="none" w="med" len="med"/>
-                  <a:tailEnd type="none" w="med" len="med"/>
-                </a:ln>
-              </p:spPr>
-            </p:cxnSp>
-            <p:sp>
-              <p:nvSpPr>
-                <p:cNvPr id="1953" name="Google Shape;1953;p91"/>
-                <p:cNvSpPr/>
-                <p:nvPr/>
-              </p:nvSpPr>
-              <p:spPr>
-                <a:xfrm>
-                  <a:off x="3567462" y="1496183"/>
-                  <a:ext cx="489600" cy="99900"/>
-                </a:xfrm>
-                <a:prstGeom prst="rect">
-                  <a:avLst/>
-                </a:prstGeom>
+              <a:prstGeom prst="straightConnector1">
+                <a:avLst/>
+              </a:prstGeom>
+              <a:noFill/>
+              <a:ln w="28575" cap="flat" cmpd="sng">
                 <a:solidFill>
-                  <a:srgbClr val="E06666"/>
+                  <a:srgbClr val="000000"/>
                 </a:solidFill>
-                <a:ln>
-                  <a:noFill/>
-                </a:ln>
-              </p:spPr>
-              <p:txBody>
-                <a:bodyPr spcFirstLastPara="1" wrap="square" lIns="121900" tIns="121900" rIns="121900" bIns="121900" anchor="ctr" anchorCtr="0">
-                  <a:noAutofit/>
-                </a:bodyPr>
-                <a:lstStyle/>
-                <a:p>
-                  <a:pPr algn="ctr"/>
-                  <a:r>
-                    <a:rPr lang="en" sz="2267">
-                      <a:latin typeface="Concert One"/>
-                      <a:ea typeface="Concert One"/>
-                      <a:cs typeface="Concert One"/>
-                      <a:sym typeface="Concert One"/>
-                    </a:rPr>
-                    <a:t>Staff’s Web Flow</a:t>
-                  </a:r>
-                  <a:endParaRPr sz="2267">
-                    <a:latin typeface="Concert One"/>
-                    <a:ea typeface="Concert One"/>
-                    <a:cs typeface="Concert One"/>
-                    <a:sym typeface="Concert One"/>
-                  </a:endParaRPr>
-                </a:p>
-              </p:txBody>
-            </p:sp>
-          </p:grpSp>
+                <a:prstDash val="solid"/>
+                <a:round/>
+                <a:headEnd type="none" w="med" len="med"/>
+                <a:tailEnd type="none" w="med" len="med"/>
+              </a:ln>
+            </p:spPr>
+          </p:cxnSp>
           <p:sp>
             <p:nvSpPr>
-              <p:cNvPr id="1954" name="Google Shape;1954;p91"/>
+              <p:cNvPr id="1963" name="Google Shape;1963;p91"/>
               <p:cNvSpPr/>
               <p:nvPr/>
             </p:nvSpPr>
             <p:spPr>
               <a:xfrm>
-                <a:off x="3530532" y="1771972"/>
-                <a:ext cx="187800" cy="187800"/>
+                <a:off x="4290825" y="1496183"/>
+                <a:ext cx="375000" cy="99900"/>
               </a:xfrm>
-              <a:prstGeom prst="ellipse">
-                <a:avLst/>
-              </a:prstGeom>
-              <a:solidFill>
-                <a:srgbClr val="E06666"/>
-              </a:solidFill>
-              <a:ln>
-                <a:noFill/>
-              </a:ln>
-            </p:spPr>
-            <p:txBody>
-              <a:bodyPr spcFirstLastPara="1" wrap="square" lIns="121900" tIns="121900" rIns="121900" bIns="121900" anchor="ctr" anchorCtr="0">
-                <a:noAutofit/>
-              </a:bodyPr>
-              <a:lstStyle/>
-              <a:p>
-                <a:pPr algn="ctr"/>
-                <a:endParaRPr sz="2667">
-                  <a:latin typeface="Fira Sans Medium"/>
-                  <a:ea typeface="Fira Sans Medium"/>
-                  <a:cs typeface="Fira Sans Medium"/>
-                  <a:sym typeface="Fira Sans Medium"/>
-                </a:endParaRPr>
-              </a:p>
-            </p:txBody>
-          </p:sp>
-        </p:grpSp>
-        <p:grpSp>
-          <p:nvGrpSpPr>
-            <p:cNvPr id="1955" name="Google Shape;1955;p91"/>
-            <p:cNvGrpSpPr/>
-            <p:nvPr/>
-          </p:nvGrpSpPr>
-          <p:grpSpPr>
-            <a:xfrm>
-              <a:off x="3891569" y="1779209"/>
-              <a:ext cx="494645" cy="423709"/>
-              <a:chOff x="3891569" y="1779209"/>
-              <a:chExt cx="494645" cy="423709"/>
-            </a:xfrm>
-          </p:grpSpPr>
-          <p:grpSp>
-            <p:nvGrpSpPr>
-              <p:cNvPr id="1956" name="Google Shape;1956;p91"/>
-              <p:cNvGrpSpPr/>
-              <p:nvPr/>
-            </p:nvGrpSpPr>
-            <p:grpSpPr>
-              <a:xfrm>
-                <a:off x="3929015" y="1881638"/>
-                <a:ext cx="457200" cy="321280"/>
-                <a:chOff x="3929015" y="1881638"/>
-                <a:chExt cx="457200" cy="321280"/>
-              </a:xfrm>
-            </p:grpSpPr>
-            <p:cxnSp>
-              <p:nvCxnSpPr>
-                <p:cNvPr id="1957" name="Google Shape;1957;p91"/>
-                <p:cNvCxnSpPr/>
-                <p:nvPr/>
-              </p:nvCxnSpPr>
-              <p:spPr>
-                <a:xfrm rot="10800000">
-                  <a:off x="3988388" y="1881638"/>
-                  <a:ext cx="0" cy="291900"/>
-                </a:xfrm>
-                <a:prstGeom prst="straightConnector1">
-                  <a:avLst/>
-                </a:prstGeom>
-                <a:noFill/>
-                <a:ln w="28575" cap="flat" cmpd="sng">
-                  <a:solidFill>
-                    <a:srgbClr val="000000"/>
-                  </a:solidFill>
-                  <a:prstDash val="solid"/>
-                  <a:round/>
-                  <a:headEnd type="none" w="med" len="med"/>
-                  <a:tailEnd type="none" w="med" len="med"/>
-                </a:ln>
-              </p:spPr>
-            </p:cxnSp>
-            <p:sp>
-              <p:nvSpPr>
-                <p:cNvPr id="1958" name="Google Shape;1958;p91"/>
-                <p:cNvSpPr/>
-                <p:nvPr/>
-              </p:nvSpPr>
-              <p:spPr>
-                <a:xfrm>
-                  <a:off x="3929015" y="2103018"/>
-                  <a:ext cx="457200" cy="99900"/>
-                </a:xfrm>
-                <a:prstGeom prst="rect">
-                  <a:avLst/>
-                </a:prstGeom>
-                <a:solidFill>
-                  <a:srgbClr val="FFFFFF"/>
-                </a:solidFill>
-                <a:ln w="28575" cap="flat" cmpd="sng">
-                  <a:solidFill>
-                    <a:srgbClr val="7F6000"/>
-                  </a:solidFill>
-                  <a:prstDash val="solid"/>
-                  <a:round/>
-                  <a:headEnd type="none" w="sm" len="sm"/>
-                  <a:tailEnd type="none" w="sm" len="sm"/>
-                </a:ln>
-              </p:spPr>
-              <p:txBody>
-                <a:bodyPr spcFirstLastPara="1" wrap="square" lIns="121900" tIns="121900" rIns="121900" bIns="121900" anchor="ctr" anchorCtr="0">
-                  <a:noAutofit/>
-                </a:bodyPr>
-                <a:lstStyle/>
-                <a:p>
-                  <a:pPr algn="ctr"/>
-                  <a:r>
-                    <a:rPr lang="en" sz="2267" dirty="0">
-                      <a:latin typeface="Concert One"/>
-                      <a:ea typeface="Concert One"/>
-                      <a:cs typeface="Concert One"/>
-                      <a:sym typeface="Concert One"/>
-                    </a:rPr>
-                    <a:t>Staff’s Mobile Flow</a:t>
-                  </a:r>
-                  <a:endParaRPr sz="2267" dirty="0">
-                    <a:latin typeface="Concert One"/>
-                    <a:ea typeface="Concert One"/>
-                    <a:cs typeface="Concert One"/>
-                    <a:sym typeface="Concert One"/>
-                  </a:endParaRPr>
-                </a:p>
-              </p:txBody>
-            </p:sp>
-          </p:grpSp>
-          <p:sp>
-            <p:nvSpPr>
-              <p:cNvPr id="1959" name="Google Shape;1959;p91"/>
-              <p:cNvSpPr/>
-              <p:nvPr/>
-            </p:nvSpPr>
-            <p:spPr>
-              <a:xfrm>
-                <a:off x="3891569" y="1779209"/>
-                <a:ext cx="187800" cy="187800"/>
-              </a:xfrm>
-              <a:prstGeom prst="ellipse">
-                <a:avLst/>
-              </a:prstGeom>
-              <a:solidFill>
-                <a:srgbClr val="FFFFFF"/>
-              </a:solidFill>
-              <a:ln w="28575" cap="flat" cmpd="sng">
-                <a:solidFill>
-                  <a:srgbClr val="7F6000"/>
-                </a:solidFill>
-                <a:prstDash val="solid"/>
-                <a:round/>
-                <a:headEnd type="none" w="sm" len="sm"/>
-                <a:tailEnd type="none" w="sm" len="sm"/>
-              </a:ln>
-            </p:spPr>
-            <p:txBody>
-              <a:bodyPr spcFirstLastPara="1" wrap="square" lIns="121900" tIns="121900" rIns="121900" bIns="121900" anchor="ctr" anchorCtr="0">
-                <a:noAutofit/>
-              </a:bodyPr>
-              <a:lstStyle/>
-              <a:p>
-                <a:pPr algn="ctr"/>
-                <a:endParaRPr sz="2667">
-                  <a:latin typeface="Fira Sans Medium"/>
-                  <a:ea typeface="Fira Sans Medium"/>
-                  <a:cs typeface="Fira Sans Medium"/>
-                  <a:sym typeface="Fira Sans Medium"/>
-                </a:endParaRPr>
-              </a:p>
-            </p:txBody>
-          </p:sp>
-        </p:grpSp>
-        <p:grpSp>
-          <p:nvGrpSpPr>
-            <p:cNvPr id="1960" name="Google Shape;1960;p91"/>
-            <p:cNvGrpSpPr/>
-            <p:nvPr/>
-          </p:nvGrpSpPr>
-          <p:grpSpPr>
-            <a:xfrm>
-              <a:off x="4252606" y="1496183"/>
-              <a:ext cx="413219" cy="463589"/>
-              <a:chOff x="4252606" y="1496183"/>
-              <a:chExt cx="413219" cy="463589"/>
-            </a:xfrm>
-          </p:grpSpPr>
-          <p:grpSp>
-            <p:nvGrpSpPr>
-              <p:cNvPr id="1961" name="Google Shape;1961;p91"/>
-              <p:cNvGrpSpPr/>
-              <p:nvPr/>
-            </p:nvGrpSpPr>
-            <p:grpSpPr>
-              <a:xfrm>
-                <a:off x="4290825" y="1496183"/>
-                <a:ext cx="375000" cy="361378"/>
-                <a:chOff x="4290825" y="1496183"/>
-                <a:chExt cx="375000" cy="361378"/>
-              </a:xfrm>
-            </p:grpSpPr>
-            <p:cxnSp>
-              <p:nvCxnSpPr>
-                <p:cNvPr id="1962" name="Google Shape;1962;p91"/>
-                <p:cNvCxnSpPr/>
-                <p:nvPr/>
-              </p:nvCxnSpPr>
-              <p:spPr>
-                <a:xfrm rot="10800000">
-                  <a:off x="4349995" y="1565661"/>
-                  <a:ext cx="0" cy="291900"/>
-                </a:xfrm>
-                <a:prstGeom prst="straightConnector1">
-                  <a:avLst/>
-                </a:prstGeom>
-                <a:noFill/>
-                <a:ln w="28575" cap="flat" cmpd="sng">
-                  <a:solidFill>
-                    <a:srgbClr val="000000"/>
-                  </a:solidFill>
-                  <a:prstDash val="solid"/>
-                  <a:round/>
-                  <a:headEnd type="none" w="med" len="med"/>
-                  <a:tailEnd type="none" w="med" len="med"/>
-                </a:ln>
-              </p:spPr>
-            </p:cxnSp>
-            <p:sp>
-              <p:nvSpPr>
-                <p:cNvPr id="1963" name="Google Shape;1963;p91"/>
-                <p:cNvSpPr/>
-                <p:nvPr/>
-              </p:nvSpPr>
-              <p:spPr>
-                <a:xfrm>
-                  <a:off x="4290825" y="1496183"/>
-                  <a:ext cx="375000" cy="99900"/>
-                </a:xfrm>
-                <a:prstGeom prst="rect">
-                  <a:avLst/>
-                </a:prstGeom>
-                <a:solidFill>
-                  <a:srgbClr val="FFFFFF"/>
-                </a:solidFill>
-                <a:ln w="28575" cap="flat" cmpd="sng">
-                  <a:solidFill>
-                    <a:srgbClr val="274E13"/>
-                  </a:solidFill>
-                  <a:prstDash val="solid"/>
-                  <a:round/>
-                  <a:headEnd type="none" w="sm" len="sm"/>
-                  <a:tailEnd type="none" w="sm" len="sm"/>
-                </a:ln>
-              </p:spPr>
-              <p:txBody>
-                <a:bodyPr spcFirstLastPara="1" wrap="square" lIns="121900" tIns="121900" rIns="121900" bIns="121900" anchor="ctr" anchorCtr="0">
-                  <a:noAutofit/>
-                </a:bodyPr>
-                <a:lstStyle/>
-                <a:p>
-                  <a:pPr algn="ctr"/>
-                  <a:r>
-                    <a:rPr lang="en" sz="2267">
-                      <a:latin typeface="Concert One"/>
-                      <a:ea typeface="Concert One"/>
-                      <a:cs typeface="Concert One"/>
-                      <a:sym typeface="Concert One"/>
-                    </a:rPr>
-                    <a:t>Admin’s Flow</a:t>
-                  </a:r>
-                  <a:endParaRPr sz="2267">
-                    <a:latin typeface="Concert One"/>
-                    <a:ea typeface="Concert One"/>
-                    <a:cs typeface="Concert One"/>
-                    <a:sym typeface="Concert One"/>
-                  </a:endParaRPr>
-                </a:p>
-              </p:txBody>
-            </p:sp>
-          </p:grpSp>
-          <p:sp>
-            <p:nvSpPr>
-              <p:cNvPr id="1964" name="Google Shape;1964;p91"/>
-              <p:cNvSpPr/>
-              <p:nvPr/>
-            </p:nvSpPr>
-            <p:spPr>
-              <a:xfrm>
-                <a:off x="4252606" y="1771972"/>
-                <a:ext cx="187800" cy="187800"/>
-              </a:xfrm>
-              <a:prstGeom prst="ellipse">
+              <a:prstGeom prst="rect">
                 <a:avLst/>
               </a:prstGeom>
               <a:solidFill>
@@ -10703,135 +11573,135 @@
               <a:lstStyle/>
               <a:p>
                 <a:pPr algn="ctr"/>
-                <a:endParaRPr sz="2667">
-                  <a:latin typeface="Fira Sans Medium"/>
-                  <a:ea typeface="Fira Sans Medium"/>
-                  <a:cs typeface="Fira Sans Medium"/>
-                  <a:sym typeface="Fira Sans Medium"/>
+                <a:r>
+                  <a:rPr lang="en" sz="2267">
+                    <a:latin typeface="Concert One"/>
+                    <a:ea typeface="Concert One"/>
+                    <a:cs typeface="Concert One"/>
+                    <a:sym typeface="Concert One"/>
+                  </a:rPr>
+                  <a:t>Admin’s Flow</a:t>
+                </a:r>
+                <a:endParaRPr sz="2267">
+                  <a:latin typeface="Concert One"/>
+                  <a:ea typeface="Concert One"/>
+                  <a:cs typeface="Concert One"/>
+                  <a:sym typeface="Concert One"/>
                 </a:endParaRPr>
               </a:p>
             </p:txBody>
           </p:sp>
         </p:grpSp>
+        <p:sp>
+          <p:nvSpPr>
+            <p:cNvPr id="1964" name="Google Shape;1964;p91"/>
+            <p:cNvSpPr/>
+            <p:nvPr/>
+          </p:nvSpPr>
+          <p:spPr>
+            <a:xfrm>
+              <a:off x="4252606" y="1771972"/>
+              <a:ext cx="187800" cy="187800"/>
+            </a:xfrm>
+            <a:prstGeom prst="ellipse">
+              <a:avLst/>
+            </a:prstGeom>
+            <a:solidFill>
+              <a:srgbClr val="FFFFFF"/>
+            </a:solidFill>
+            <a:ln w="28575" cap="flat" cmpd="sng">
+              <a:solidFill>
+                <a:srgbClr val="274E13"/>
+              </a:solidFill>
+              <a:prstDash val="solid"/>
+              <a:round/>
+              <a:headEnd type="none" w="sm" len="sm"/>
+              <a:tailEnd type="none" w="sm" len="sm"/>
+            </a:ln>
+          </p:spPr>
+          <p:txBody>
+            <a:bodyPr spcFirstLastPara="1" wrap="square" lIns="121900" tIns="121900" rIns="121900" bIns="121900" anchor="ctr" anchorCtr="0">
+              <a:noAutofit/>
+            </a:bodyPr>
+            <a:lstStyle/>
+            <a:p>
+              <a:pPr algn="ctr"/>
+              <a:endParaRPr sz="2667">
+                <a:latin typeface="Fira Sans Medium"/>
+                <a:ea typeface="Fira Sans Medium"/>
+                <a:cs typeface="Fira Sans Medium"/>
+                <a:sym typeface="Fira Sans Medium"/>
+              </a:endParaRPr>
+            </a:p>
+          </p:txBody>
+        </p:sp>
+      </p:grpSp>
+      <p:grpSp>
+        <p:nvGrpSpPr>
+          <p:cNvPr id="1965" name="Google Shape;1965;p91"/>
+          <p:cNvGrpSpPr/>
+          <p:nvPr/>
+        </p:nvGrpSpPr>
+        <p:grpSpPr>
+          <a:xfrm>
+            <a:off x="8163154" y="3449449"/>
+            <a:ext cx="3055173" cy="2883689"/>
+            <a:chOff x="4613643" y="1763716"/>
+            <a:chExt cx="446506" cy="439203"/>
+          </a:xfrm>
+        </p:grpSpPr>
         <p:grpSp>
           <p:nvGrpSpPr>
-            <p:cNvPr id="1965" name="Google Shape;1965;p91"/>
+            <p:cNvPr id="1966" name="Google Shape;1966;p91"/>
             <p:cNvGrpSpPr/>
             <p:nvPr/>
           </p:nvGrpSpPr>
           <p:grpSpPr>
             <a:xfrm>
-              <a:off x="4613643" y="1763716"/>
-              <a:ext cx="446506" cy="439203"/>
-              <a:chOff x="4613643" y="1763716"/>
-              <a:chExt cx="446506" cy="439203"/>
+              <a:off x="4652450" y="1879538"/>
+              <a:ext cx="407700" cy="323380"/>
+              <a:chOff x="4652450" y="1879538"/>
+              <a:chExt cx="407700" cy="323380"/>
             </a:xfrm>
           </p:grpSpPr>
-          <p:grpSp>
-            <p:nvGrpSpPr>
-              <p:cNvPr id="1966" name="Google Shape;1966;p91"/>
-              <p:cNvGrpSpPr/>
+          <p:cxnSp>
+            <p:nvCxnSpPr>
+              <p:cNvPr id="1967" name="Google Shape;1967;p91"/>
+              <p:cNvCxnSpPr/>
               <p:nvPr/>
-            </p:nvGrpSpPr>
-            <p:grpSpPr>
-              <a:xfrm>
-                <a:off x="4652450" y="1879538"/>
-                <a:ext cx="407700" cy="323380"/>
-                <a:chOff x="4652450" y="1879538"/>
-                <a:chExt cx="407700" cy="323380"/>
+            </p:nvCxnSpPr>
+            <p:spPr>
+              <a:xfrm rot="10800000">
+                <a:off x="4707486" y="1879538"/>
+                <a:ext cx="0" cy="294000"/>
               </a:xfrm>
-            </p:grpSpPr>
-            <p:cxnSp>
-              <p:nvCxnSpPr>
-                <p:cNvPr id="1967" name="Google Shape;1967;p91"/>
-                <p:cNvCxnSpPr/>
-                <p:nvPr/>
-              </p:nvCxnSpPr>
-              <p:spPr>
-                <a:xfrm rot="10800000">
-                  <a:off x="4707486" y="1879538"/>
-                  <a:ext cx="0" cy="294000"/>
-                </a:xfrm>
-                <a:prstGeom prst="straightConnector1">
-                  <a:avLst/>
-                </a:prstGeom>
-                <a:noFill/>
-                <a:ln w="28575" cap="flat" cmpd="sng">
-                  <a:solidFill>
-                    <a:srgbClr val="000000"/>
-                  </a:solidFill>
-                  <a:prstDash val="solid"/>
-                  <a:round/>
-                  <a:headEnd type="none" w="med" len="med"/>
-                  <a:tailEnd type="none" w="med" len="med"/>
-                </a:ln>
-              </p:spPr>
-            </p:cxnSp>
-            <p:sp>
-              <p:nvSpPr>
-                <p:cNvPr id="1968" name="Google Shape;1968;p91"/>
-                <p:cNvSpPr/>
-                <p:nvPr/>
-              </p:nvSpPr>
-              <p:spPr>
-                <a:xfrm>
-                  <a:off x="4652450" y="2103018"/>
-                  <a:ext cx="407700" cy="99900"/>
-                </a:xfrm>
-                <a:prstGeom prst="rect">
-                  <a:avLst/>
-                </a:prstGeom>
+              <a:prstGeom prst="straightConnector1">
+                <a:avLst/>
+              </a:prstGeom>
+              <a:noFill/>
+              <a:ln w="28575" cap="flat" cmpd="sng">
                 <a:solidFill>
-                  <a:srgbClr val="FFFFFF"/>
+                  <a:srgbClr val="000000"/>
                 </a:solidFill>
-                <a:ln w="28575" cap="flat" cmpd="sng">
-                  <a:solidFill>
-                    <a:srgbClr val="4C1130"/>
-                  </a:solidFill>
-                  <a:prstDash val="solid"/>
-                  <a:round/>
-                  <a:headEnd type="none" w="sm" len="sm"/>
-                  <a:tailEnd type="none" w="sm" len="sm"/>
-                </a:ln>
-              </p:spPr>
-              <p:txBody>
-                <a:bodyPr spcFirstLastPara="1" wrap="square" lIns="121900" tIns="121900" rIns="121900" bIns="121900" anchor="ctr" anchorCtr="0">
-                  <a:noAutofit/>
-                </a:bodyPr>
-                <a:lstStyle/>
-                <a:p>
-                  <a:pPr algn="ctr"/>
-                  <a:r>
-                    <a:rPr lang="en" sz="2267">
-                      <a:latin typeface="Concert One"/>
-                      <a:ea typeface="Concert One"/>
-                      <a:cs typeface="Concert One"/>
-                      <a:sym typeface="Concert One"/>
-                    </a:rPr>
-                    <a:t>Manager’s Flow</a:t>
-                  </a:r>
-                  <a:endParaRPr sz="2267">
-                    <a:latin typeface="Concert One"/>
-                    <a:ea typeface="Concert One"/>
-                    <a:cs typeface="Concert One"/>
-                    <a:sym typeface="Concert One"/>
-                  </a:endParaRPr>
-                </a:p>
-              </p:txBody>
-            </p:sp>
-          </p:grpSp>
+                <a:prstDash val="solid"/>
+                <a:round/>
+                <a:headEnd type="none" w="med" len="med"/>
+                <a:tailEnd type="none" w="med" len="med"/>
+              </a:ln>
+            </p:spPr>
+          </p:cxnSp>
           <p:sp>
             <p:nvSpPr>
-              <p:cNvPr id="1969" name="Google Shape;1969;p91"/>
+              <p:cNvPr id="1968" name="Google Shape;1968;p91"/>
               <p:cNvSpPr/>
               <p:nvPr/>
             </p:nvSpPr>
             <p:spPr>
               <a:xfrm>
-                <a:off x="4613643" y="1763716"/>
-                <a:ext cx="187800" cy="187800"/>
+                <a:off x="4652450" y="2103018"/>
+                <a:ext cx="407700" cy="99900"/>
               </a:xfrm>
-              <a:prstGeom prst="ellipse">
+              <a:prstGeom prst="rect">
                 <a:avLst/>
               </a:prstGeom>
               <a:solidFill>
@@ -10854,16 +11724,68 @@
               <a:lstStyle/>
               <a:p>
                 <a:pPr algn="ctr"/>
-                <a:endParaRPr sz="2667">
-                  <a:latin typeface="Fira Sans Medium"/>
-                  <a:ea typeface="Fira Sans Medium"/>
-                  <a:cs typeface="Fira Sans Medium"/>
-                  <a:sym typeface="Fira Sans Medium"/>
+                <a:r>
+                  <a:rPr lang="en" sz="2267">
+                    <a:latin typeface="Concert One"/>
+                    <a:ea typeface="Concert One"/>
+                    <a:cs typeface="Concert One"/>
+                    <a:sym typeface="Concert One"/>
+                  </a:rPr>
+                  <a:t>Manager’s Flow</a:t>
+                </a:r>
+                <a:endParaRPr sz="2267">
+                  <a:latin typeface="Concert One"/>
+                  <a:ea typeface="Concert One"/>
+                  <a:cs typeface="Concert One"/>
+                  <a:sym typeface="Concert One"/>
                 </a:endParaRPr>
               </a:p>
             </p:txBody>
           </p:sp>
         </p:grpSp>
+        <p:sp>
+          <p:nvSpPr>
+            <p:cNvPr id="1969" name="Google Shape;1969;p91"/>
+            <p:cNvSpPr/>
+            <p:nvPr/>
+          </p:nvSpPr>
+          <p:spPr>
+            <a:xfrm>
+              <a:off x="4613643" y="1763716"/>
+              <a:ext cx="187800" cy="187800"/>
+            </a:xfrm>
+            <a:prstGeom prst="ellipse">
+              <a:avLst/>
+            </a:prstGeom>
+            <a:solidFill>
+              <a:srgbClr val="FFFFFF"/>
+            </a:solidFill>
+            <a:ln w="28575" cap="flat" cmpd="sng">
+              <a:solidFill>
+                <a:srgbClr val="4C1130"/>
+              </a:solidFill>
+              <a:prstDash val="solid"/>
+              <a:round/>
+              <a:headEnd type="none" w="sm" len="sm"/>
+              <a:tailEnd type="none" w="sm" len="sm"/>
+            </a:ln>
+          </p:spPr>
+          <p:txBody>
+            <a:bodyPr spcFirstLastPara="1" wrap="square" lIns="121900" tIns="121900" rIns="121900" bIns="121900" anchor="ctr" anchorCtr="0">
+              <a:noAutofit/>
+            </a:bodyPr>
+            <a:lstStyle/>
+            <a:p>
+              <a:pPr algn="ctr"/>
+              <a:endParaRPr sz="2667">
+                <a:latin typeface="Fira Sans Medium"/>
+                <a:ea typeface="Fira Sans Medium"/>
+                <a:cs typeface="Fira Sans Medium"/>
+                <a:sym typeface="Fira Sans Medium"/>
+              </a:endParaRPr>
+            </a:p>
+          </p:txBody>
+        </p:sp>
       </p:grpSp>
       <p:sp>
         <p:nvSpPr>
@@ -10966,40 +11888,12 @@
       </p:sp>
       <p:pic>
         <p:nvPicPr>
-          <p:cNvPr id="1972" name="Google Shape;1972;p91"/>
+          <p:cNvPr id="1973" name="Google Shape;1973;p91"/>
           <p:cNvPicPr preferRelativeResize="0"/>
           <p:nvPr/>
         </p:nvPicPr>
         <p:blipFill>
           <a:blip r:embed="rId3">
-            <a:alphaModFix/>
-          </a:blip>
-          <a:stretch>
-            <a:fillRect/>
-          </a:stretch>
-        </p:blipFill>
-        <p:spPr>
-          <a:xfrm>
-            <a:off x="3353518" y="3649451"/>
-            <a:ext cx="981133" cy="981133"/>
-          </a:xfrm>
-          <a:prstGeom prst="rect">
-            <a:avLst/>
-          </a:prstGeom>
-          <a:noFill/>
-          <a:ln>
-            <a:noFill/>
-          </a:ln>
-        </p:spPr>
-      </p:pic>
-      <p:pic>
-        <p:nvPicPr>
-          <p:cNvPr id="1973" name="Google Shape;1973;p91"/>
-          <p:cNvPicPr preferRelativeResize="0"/>
-          <p:nvPr/>
-        </p:nvPicPr>
-        <p:blipFill>
-          <a:blip r:embed="rId4">
             <a:alphaModFix/>
           </a:blip>
           <a:stretch>
@@ -11027,7 +11921,7 @@
           <p:nvPr/>
         </p:nvPicPr>
         <p:blipFill>
-          <a:blip r:embed="rId5">
+          <a:blip r:embed="rId4">
             <a:alphaModFix/>
           </a:blip>
           <a:stretch>
@@ -11038,34 +11932,6 @@
           <a:xfrm>
             <a:off x="8377068" y="3553751"/>
             <a:ext cx="918533" cy="918533"/>
-          </a:xfrm>
-          <a:prstGeom prst="rect">
-            <a:avLst/>
-          </a:prstGeom>
-          <a:noFill/>
-          <a:ln>
-            <a:noFill/>
-          </a:ln>
-        </p:spPr>
-      </p:pic>
-      <p:pic>
-        <p:nvPicPr>
-          <p:cNvPr id="1975" name="Google Shape;1975;p91"/>
-          <p:cNvPicPr preferRelativeResize="0"/>
-          <p:nvPr/>
-        </p:nvPicPr>
-        <p:blipFill>
-          <a:blip r:embed="rId6">
-            <a:alphaModFix/>
-          </a:blip>
-          <a:stretch>
-            <a:fillRect/>
-          </a:stretch>
-        </p:blipFill>
-        <p:spPr>
-          <a:xfrm>
-            <a:off x="844167" y="3586000"/>
-            <a:ext cx="1108067" cy="1108067"/>
           </a:xfrm>
           <a:prstGeom prst="rect">
             <a:avLst/>
@@ -11610,16 +12476,7 @@
                   <a:cs typeface="Concert One"/>
                   <a:sym typeface="Concert One"/>
                 </a:rPr>
-                <a:t>Create </a:t>
-              </a:r>
-              <a:r>
-                <a:rPr lang="en" sz="1600" dirty="0">
-                  <a:latin typeface="Concert One"/>
-                  <a:ea typeface="Concert One"/>
-                  <a:cs typeface="Concert One"/>
-                  <a:sym typeface="Concert One"/>
-                </a:rPr>
-                <a:t>c</a:t>
+                <a:t>Create c</a:t>
               </a:r>
               <a:r>
                 <a:rPr lang="en" sz="1600" dirty="0" smtClean="0">
@@ -11824,16 +12681,7 @@
                   <a:cs typeface="Concert One"/>
                   <a:sym typeface="Concert One"/>
                 </a:rPr>
-                <a:t>Add </a:t>
-              </a:r>
-              <a:r>
-                <a:rPr lang="en" sz="1600" dirty="0" smtClean="0">
-                  <a:latin typeface="Concert One"/>
-                  <a:ea typeface="Concert One"/>
-                  <a:cs typeface="Concert One"/>
-                  <a:sym typeface="Concert One"/>
-                </a:rPr>
-                <a:t>manager</a:t>
+                <a:t>Add manager</a:t>
               </a:r>
               <a:endParaRPr sz="1600" dirty="0">
                 <a:latin typeface="Concert One"/>
@@ -12588,19 +13436,7 @@
                 <a:cs typeface="Concert One"/>
                 <a:sym typeface="Concert One"/>
               </a:rPr>
-              <a:t>MANAGER</a:t>
-            </a:r>
-            <a:r>
-              <a:rPr lang="en" sz="4667" b="1" dirty="0" smtClean="0">
-                <a:solidFill>
-                  <a:srgbClr val="0B5394"/>
-                </a:solidFill>
-                <a:latin typeface="Concert One"/>
-                <a:ea typeface="Concert One"/>
-                <a:cs typeface="Concert One"/>
-                <a:sym typeface="Concert One"/>
-              </a:rPr>
-              <a:t> FLOW 1</a:t>
+              <a:t>MANAGER FLOW 1</a:t>
             </a:r>
             <a:endParaRPr sz="4667" b="1" dirty="0">
               <a:solidFill>
@@ -15585,9 +16421,44 @@
                                     </p:set>
                                     <p:animEffect transition="in" filter="fade">
                                       <p:cBhvr>
-                                        <p:cTn id="7" dur="1000"/>
+                                        <p:cTn id="7" dur="500"/>
                                         <p:tgtEl>
                                           <p:spTgt spid="2379"/>
+                                        </p:tgtEl>
+                                      </p:cBhvr>
+                                    </p:animEffect>
+                                  </p:childTnLst>
+                                </p:cTn>
+                              </p:par>
+                              <p:par>
+                                <p:cTn id="8" presetID="10" presetClass="entr" presetSubtype="0" fill="hold" nodeType="withEffect">
+                                  <p:stCondLst>
+                                    <p:cond delay="0"/>
+                                  </p:stCondLst>
+                                  <p:childTnLst>
+                                    <p:set>
+                                      <p:cBhvr>
+                                        <p:cTn id="9" dur="1" fill="hold">
+                                          <p:stCondLst>
+                                            <p:cond delay="0"/>
+                                          </p:stCondLst>
+                                        </p:cTn>
+                                        <p:tgtEl>
+                                          <p:spTgt spid="2"/>
+                                        </p:tgtEl>
+                                        <p:attrNameLst>
+                                          <p:attrName>style.visibility</p:attrName>
+                                        </p:attrNameLst>
+                                      </p:cBhvr>
+                                      <p:to>
+                                        <p:strVal val="visible"/>
+                                      </p:to>
+                                    </p:set>
+                                    <p:animEffect transition="in" filter="fade">
+                                      <p:cBhvr>
+                                        <p:cTn id="10" dur="500"/>
+                                        <p:tgtEl>
+                                          <p:spTgt spid="2"/>
                                         </p:tgtEl>
                                       </p:cBhvr>
                                     </p:animEffect>
@@ -15601,26 +16472,26 @@
                     </p:cTn>
                   </p:par>
                   <p:par>
-                    <p:cTn id="8" fill="hold">
+                    <p:cTn id="11" fill="hold">
                       <p:stCondLst>
                         <p:cond delay="indefinite"/>
                       </p:stCondLst>
                       <p:childTnLst>
                         <p:par>
-                          <p:cTn id="9" fill="hold">
+                          <p:cTn id="12" fill="hold">
                             <p:stCondLst>
                               <p:cond delay="0"/>
                             </p:stCondLst>
                             <p:childTnLst>
                               <p:par>
-                                <p:cTn id="10" presetID="10" presetClass="entr" presetSubtype="0" fill="hold" nodeType="clickEffect">
+                                <p:cTn id="13" presetID="10" presetClass="entr" presetSubtype="0" fill="hold" nodeType="clickEffect">
                                   <p:stCondLst>
                                     <p:cond delay="0"/>
                                   </p:stCondLst>
                                   <p:childTnLst>
                                     <p:set>
                                       <p:cBhvr>
-                                        <p:cTn id="11" dur="1" fill="hold">
+                                        <p:cTn id="14" dur="1" fill="hold">
                                           <p:stCondLst>
                                             <p:cond delay="0"/>
                                           </p:stCondLst>
@@ -15638,9 +16509,44 @@
                                     </p:set>
                                     <p:animEffect transition="in" filter="fade">
                                       <p:cBhvr>
-                                        <p:cTn id="12" dur="1000"/>
+                                        <p:cTn id="15" dur="500"/>
                                         <p:tgtEl>
                                           <p:spTgt spid="2383"/>
+                                        </p:tgtEl>
+                                      </p:cBhvr>
+                                    </p:animEffect>
+                                  </p:childTnLst>
+                                </p:cTn>
+                              </p:par>
+                              <p:par>
+                                <p:cTn id="16" presetID="10" presetClass="entr" presetSubtype="0" fill="hold" nodeType="withEffect">
+                                  <p:stCondLst>
+                                    <p:cond delay="0"/>
+                                  </p:stCondLst>
+                                  <p:childTnLst>
+                                    <p:set>
+                                      <p:cBhvr>
+                                        <p:cTn id="17" dur="1" fill="hold">
+                                          <p:stCondLst>
+                                            <p:cond delay="0"/>
+                                          </p:stCondLst>
+                                        </p:cTn>
+                                        <p:tgtEl>
+                                          <p:spTgt spid="5"/>
+                                        </p:tgtEl>
+                                        <p:attrNameLst>
+                                          <p:attrName>style.visibility</p:attrName>
+                                        </p:attrNameLst>
+                                      </p:cBhvr>
+                                      <p:to>
+                                        <p:strVal val="visible"/>
+                                      </p:to>
+                                    </p:set>
+                                    <p:animEffect transition="in" filter="fade">
+                                      <p:cBhvr>
+                                        <p:cTn id="18" dur="500"/>
+                                        <p:tgtEl>
+                                          <p:spTgt spid="5"/>
                                         </p:tgtEl>
                                       </p:cBhvr>
                                     </p:animEffect>
@@ -15654,26 +16560,26 @@
                     </p:cTn>
                   </p:par>
                   <p:par>
-                    <p:cTn id="13" fill="hold">
+                    <p:cTn id="19" fill="hold">
                       <p:stCondLst>
                         <p:cond delay="indefinite"/>
                       </p:stCondLst>
                       <p:childTnLst>
                         <p:par>
-                          <p:cTn id="14" fill="hold">
+                          <p:cTn id="20" fill="hold">
                             <p:stCondLst>
                               <p:cond delay="0"/>
                             </p:stCondLst>
                             <p:childTnLst>
                               <p:par>
-                                <p:cTn id="15" presetID="10" presetClass="entr" presetSubtype="0" fill="hold" nodeType="clickEffect">
+                                <p:cTn id="21" presetID="10" presetClass="entr" presetSubtype="0" fill="hold" nodeType="clickEffect">
                                   <p:stCondLst>
                                     <p:cond delay="0"/>
                                   </p:stCondLst>
                                   <p:childTnLst>
                                     <p:set>
                                       <p:cBhvr>
-                                        <p:cTn id="16" dur="1" fill="hold">
+                                        <p:cTn id="22" dur="1" fill="hold">
                                           <p:stCondLst>
                                             <p:cond delay="0"/>
                                           </p:stCondLst>
@@ -15691,9 +16597,220 @@
                                     </p:set>
                                     <p:animEffect transition="in" filter="fade">
                                       <p:cBhvr>
-                                        <p:cTn id="17" dur="1000"/>
+                                        <p:cTn id="23" dur="500"/>
                                         <p:tgtEl>
                                           <p:spTgt spid="20"/>
+                                        </p:tgtEl>
+                                      </p:cBhvr>
+                                    </p:animEffect>
+                                  </p:childTnLst>
+                                </p:cTn>
+                              </p:par>
+                              <p:par>
+                                <p:cTn id="24" presetID="10" presetClass="entr" presetSubtype="0" fill="hold" nodeType="withEffect">
+                                  <p:stCondLst>
+                                    <p:cond delay="0"/>
+                                  </p:stCondLst>
+                                  <p:childTnLst>
+                                    <p:set>
+                                      <p:cBhvr>
+                                        <p:cTn id="25" dur="1" fill="hold">
+                                          <p:stCondLst>
+                                            <p:cond delay="0"/>
+                                          </p:stCondLst>
+                                        </p:cTn>
+                                        <p:tgtEl>
+                                          <p:spTgt spid="10"/>
+                                        </p:tgtEl>
+                                        <p:attrNameLst>
+                                          <p:attrName>style.visibility</p:attrName>
+                                        </p:attrNameLst>
+                                      </p:cBhvr>
+                                      <p:to>
+                                        <p:strVal val="visible"/>
+                                      </p:to>
+                                    </p:set>
+                                    <p:animEffect transition="in" filter="fade">
+                                      <p:cBhvr>
+                                        <p:cTn id="26" dur="500"/>
+                                        <p:tgtEl>
+                                          <p:spTgt spid="10"/>
+                                        </p:tgtEl>
+                                      </p:cBhvr>
+                                    </p:animEffect>
+                                  </p:childTnLst>
+                                </p:cTn>
+                              </p:par>
+                            </p:childTnLst>
+                          </p:cTn>
+                        </p:par>
+                      </p:childTnLst>
+                    </p:cTn>
+                  </p:par>
+                  <p:par>
+                    <p:cTn id="27" fill="hold">
+                      <p:stCondLst>
+                        <p:cond delay="indefinite"/>
+                      </p:stCondLst>
+                      <p:childTnLst>
+                        <p:par>
+                          <p:cTn id="28" fill="hold">
+                            <p:stCondLst>
+                              <p:cond delay="0"/>
+                            </p:stCondLst>
+                            <p:childTnLst>
+                              <p:par>
+                                <p:cTn id="29" presetID="10" presetClass="entr" presetSubtype="0" fill="hold" nodeType="clickEffect">
+                                  <p:stCondLst>
+                                    <p:cond delay="0"/>
+                                  </p:stCondLst>
+                                  <p:childTnLst>
+                                    <p:set>
+                                      <p:cBhvr>
+                                        <p:cTn id="30" dur="1" fill="hold">
+                                          <p:stCondLst>
+                                            <p:cond delay="0"/>
+                                          </p:stCondLst>
+                                        </p:cTn>
+                                        <p:tgtEl>
+                                          <p:spTgt spid="7"/>
+                                        </p:tgtEl>
+                                        <p:attrNameLst>
+                                          <p:attrName>style.visibility</p:attrName>
+                                        </p:attrNameLst>
+                                      </p:cBhvr>
+                                      <p:to>
+                                        <p:strVal val="visible"/>
+                                      </p:to>
+                                    </p:set>
+                                    <p:animEffect transition="in" filter="fade">
+                                      <p:cBhvr>
+                                        <p:cTn id="31" dur="500"/>
+                                        <p:tgtEl>
+                                          <p:spTgt spid="7"/>
+                                        </p:tgtEl>
+                                      </p:cBhvr>
+                                    </p:animEffect>
+                                  </p:childTnLst>
+                                </p:cTn>
+                              </p:par>
+                              <p:par>
+                                <p:cTn id="32" presetID="10" presetClass="entr" presetSubtype="0" fill="hold" nodeType="withEffect">
+                                  <p:stCondLst>
+                                    <p:cond delay="0"/>
+                                  </p:stCondLst>
+                                  <p:childTnLst>
+                                    <p:set>
+                                      <p:cBhvr>
+                                        <p:cTn id="33" dur="1" fill="hold">
+                                          <p:stCondLst>
+                                            <p:cond delay="0"/>
+                                          </p:stCondLst>
+                                        </p:cTn>
+                                        <p:tgtEl>
+                                          <p:spTgt spid="6"/>
+                                        </p:tgtEl>
+                                        <p:attrNameLst>
+                                          <p:attrName>style.visibility</p:attrName>
+                                        </p:attrNameLst>
+                                      </p:cBhvr>
+                                      <p:to>
+                                        <p:strVal val="visible"/>
+                                      </p:to>
+                                    </p:set>
+                                    <p:animEffect transition="in" filter="fade">
+                                      <p:cBhvr>
+                                        <p:cTn id="34" dur="500"/>
+                                        <p:tgtEl>
+                                          <p:spTgt spid="6"/>
+                                        </p:tgtEl>
+                                      </p:cBhvr>
+                                    </p:animEffect>
+                                  </p:childTnLst>
+                                </p:cTn>
+                              </p:par>
+                            </p:childTnLst>
+                          </p:cTn>
+                        </p:par>
+                      </p:childTnLst>
+                    </p:cTn>
+                  </p:par>
+                  <p:par>
+                    <p:cTn id="35" fill="hold">
+                      <p:stCondLst>
+                        <p:cond delay="indefinite"/>
+                      </p:stCondLst>
+                      <p:childTnLst>
+                        <p:par>
+                          <p:cTn id="36" fill="hold">
+                            <p:stCondLst>
+                              <p:cond delay="0"/>
+                            </p:stCondLst>
+                            <p:childTnLst>
+                              <p:par>
+                                <p:cTn id="37" presetID="10" presetClass="entr" presetSubtype="0" fill="hold" nodeType="clickEffect">
+                                  <p:stCondLst>
+                                    <p:cond delay="0"/>
+                                  </p:stCondLst>
+                                  <p:childTnLst>
+                                    <p:set>
+                                      <p:cBhvr>
+                                        <p:cTn id="38" dur="1" fill="hold">
+                                          <p:stCondLst>
+                                            <p:cond delay="0"/>
+                                          </p:stCondLst>
+                                        </p:cTn>
+                                        <p:tgtEl>
+                                          <p:spTgt spid="34"/>
+                                        </p:tgtEl>
+                                        <p:attrNameLst>
+                                          <p:attrName>style.visibility</p:attrName>
+                                        </p:attrNameLst>
+                                      </p:cBhvr>
+                                      <p:to>
+                                        <p:strVal val="visible"/>
+                                      </p:to>
+                                    </p:set>
+                                    <p:animEffect transition="in" filter="fade">
+                                      <p:cBhvr>
+                                        <p:cTn id="39" dur="500"/>
+                                        <p:tgtEl>
+                                          <p:spTgt spid="34"/>
+                                        </p:tgtEl>
+                                      </p:cBhvr>
+                                    </p:animEffect>
+                                  </p:childTnLst>
+                                </p:cTn>
+                              </p:par>
+                              <p:par>
+                                <p:cTn id="40" presetID="10" presetClass="entr" presetSubtype="0" fill="hold" nodeType="withEffect">
+                                  <p:stCondLst>
+                                    <p:cond delay="0"/>
+                                  </p:stCondLst>
+                                  <p:childTnLst>
+                                    <p:set>
+                                      <p:cBhvr>
+                                        <p:cTn id="41" dur="1" fill="hold">
+                                          <p:stCondLst>
+                                            <p:cond delay="0"/>
+                                          </p:stCondLst>
+                                        </p:cTn>
+                                        <p:tgtEl>
+                                          <p:spTgt spid="48"/>
+                                        </p:tgtEl>
+                                        <p:attrNameLst>
+                                          <p:attrName>style.visibility</p:attrName>
+                                        </p:attrNameLst>
+                                      </p:cBhvr>
+                                      <p:to>
+                                        <p:strVal val="visible"/>
+                                      </p:to>
+                                    </p:set>
+                                    <p:animEffect transition="in" filter="fade">
+                                      <p:cBhvr>
+                                        <p:cTn id="42" dur="500"/>
+                                        <p:tgtEl>
+                                          <p:spTgt spid="48"/>
                                         </p:tgtEl>
                                       </p:cBhvr>
                                     </p:animEffect>

--- a/Users/LuanNM/document/Core Flow.pptx
+++ b/Users/LuanNM/document/Core Flow.pptx
@@ -5,7 +5,7 @@
     <p:sldMasterId id="2147483648" r:id="rId1"/>
   </p:sldMasterIdLst>
   <p:notesMasterIdLst>
-    <p:notesMasterId r:id="rId12"/>
+    <p:notesMasterId r:id="rId11"/>
   </p:notesMasterIdLst>
   <p:sldIdLst>
     <p:sldId id="266" r:id="rId2"/>
@@ -14,10 +14,9 @@
     <p:sldId id="258" r:id="rId5"/>
     <p:sldId id="262" r:id="rId6"/>
     <p:sldId id="259" r:id="rId7"/>
-    <p:sldId id="261" r:id="rId8"/>
-    <p:sldId id="264" r:id="rId9"/>
-    <p:sldId id="263" r:id="rId10"/>
-    <p:sldId id="265" r:id="rId11"/>
+    <p:sldId id="264" r:id="rId8"/>
+    <p:sldId id="263" r:id="rId9"/>
+    <p:sldId id="265" r:id="rId10"/>
   </p:sldIdLst>
   <p:sldSz cx="12192000" cy="6858000"/>
   <p:notesSz cx="6858000" cy="9144000"/>
@@ -7996,7 +7995,7 @@
             <a:p>
               <a:pPr algn="ctr"/>
               <a:r>
-                <a:rPr lang="en" sz="2400">
+                <a:rPr lang="en" sz="2400" dirty="0">
                   <a:latin typeface="Concert One"/>
                   <a:ea typeface="Concert One"/>
                   <a:cs typeface="Concert One"/>
@@ -8004,7 +8003,7 @@
                 </a:rPr>
                 <a:t>Video</a:t>
               </a:r>
-              <a:endParaRPr sz="2400">
+              <a:endParaRPr sz="2400" dirty="0">
                 <a:latin typeface="Concert One"/>
                 <a:ea typeface="Concert One"/>
                 <a:cs typeface="Concert One"/>
@@ -9327,6 +9326,44 @@
           </p:spPr>
         </p:pic>
       </p:grpSp>
+      <p:sp>
+        <p:nvSpPr>
+          <p:cNvPr id="9" name="TextBox 8"/>
+          <p:cNvSpPr txBox="1"/>
+          <p:nvPr/>
+        </p:nvSpPr>
+        <p:spPr>
+          <a:xfrm>
+            <a:off x="583474" y="5381915"/>
+            <a:ext cx="2938337" cy="369332"/>
+          </a:xfrm>
+          <a:prstGeom prst="rect">
+            <a:avLst/>
+          </a:prstGeom>
+          <a:noFill/>
+        </p:spPr>
+        <p:txBody>
+          <a:bodyPr wrap="square" rtlCol="0">
+            <a:spAutoFit/>
+          </a:bodyPr>
+          <a:lstStyle/>
+          <a:p>
+            <a:r>
+              <a:rPr lang="en-US" dirty="0" err="1" smtClean="0"/>
+              <a:t>Thêm</a:t>
+            </a:r>
+            <a:r>
+              <a:rPr lang="en-US" dirty="0" smtClean="0"/>
+              <a:t> STT, </a:t>
+            </a:r>
+            <a:r>
+              <a:rPr lang="en-US" dirty="0" err="1" smtClean="0"/>
+              <a:t>tách</a:t>
+            </a:r>
+            <a:endParaRPr lang="en-US" dirty="0"/>
+          </a:p>
+        </p:txBody>
+      </p:sp>
     </p:spTree>
     <p:extLst>
       <p:ext uri="{BB962C8B-B14F-4D97-AF65-F5344CB8AC3E}">
@@ -10674,81 +10711,6 @@
             </p:seq>
           </p:childTnLst>
         </p:cTn>
-      </p:par>
-    </p:tnLst>
-  </p:timing>
-</p:sld>
-</file>
-
-<file path=ppt/slides/slide10.xml><?xml version="1.0" encoding="utf-8"?>
-<p:sld xmlns:a="http://schemas.openxmlformats.org/drawingml/2006/main" xmlns:r="http://schemas.openxmlformats.org/officeDocument/2006/relationships" xmlns:p="http://schemas.openxmlformats.org/presentationml/2006/main">
-  <p:cSld>
-    <p:spTree>
-      <p:nvGrpSpPr>
-        <p:cNvPr id="1" name=""/>
-        <p:cNvGrpSpPr/>
-        <p:nvPr/>
-      </p:nvGrpSpPr>
-      <p:grpSpPr>
-        <a:xfrm>
-          <a:off x="0" y="0"/>
-          <a:ext cx="0" cy="0"/>
-          <a:chOff x="0" y="0"/>
-          <a:chExt cx="0" cy="0"/>
-        </a:xfrm>
-      </p:grpSpPr>
-      <p:sp>
-        <p:nvSpPr>
-          <p:cNvPr id="2" name="Title 1"/>
-          <p:cNvSpPr>
-            <a:spLocks noGrp="1"/>
-          </p:cNvSpPr>
-          <p:nvPr>
-            <p:ph type="ctrTitle"/>
-          </p:nvPr>
-        </p:nvSpPr>
-        <p:spPr/>
-        <p:txBody>
-          <a:bodyPr/>
-          <a:lstStyle/>
-          <a:p>
-            <a:endParaRPr lang="en-US" dirty="0"/>
-          </a:p>
-        </p:txBody>
-      </p:sp>
-      <p:sp>
-        <p:nvSpPr>
-          <p:cNvPr id="3" name="Subtitle 2"/>
-          <p:cNvSpPr>
-            <a:spLocks noGrp="1"/>
-          </p:cNvSpPr>
-          <p:nvPr>
-            <p:ph type="subTitle" idx="1"/>
-          </p:nvPr>
-        </p:nvSpPr>
-        <p:spPr/>
-        <p:txBody>
-          <a:bodyPr/>
-          <a:lstStyle/>
-          <a:p>
-            <a:endParaRPr lang="en-US" dirty="0"/>
-          </a:p>
-        </p:txBody>
-      </p:sp>
-    </p:spTree>
-    <p:extLst>
-      <p:ext uri="{BB962C8B-B14F-4D97-AF65-F5344CB8AC3E}">
-        <p14:creationId xmlns:p14="http://schemas.microsoft.com/office/powerpoint/2010/main" val="1616976327"/>
-      </p:ext>
-    </p:extLst>
-  </p:cSld>
-  <p:clrMapOvr>
-    <a:masterClrMapping/>
-  </p:clrMapOvr>
-  <p:timing>
-    <p:tnLst>
-      <p:par>
-        <p:cTn id="1" dur="indefinite" restart="never" nodeType="tmRoot"/>
       </p:par>
     </p:tnLst>
   </p:timing>
@@ -14113,7 +14075,16 @@
                   <a:cs typeface="Concert One"/>
                   <a:sym typeface="Concert One"/>
                 </a:rPr>
-                <a:t>Add camera</a:t>
+                <a:t>Add </a:t>
+              </a:r>
+              <a:r>
+                <a:rPr lang="en" sz="1600" dirty="0" smtClean="0">
+                  <a:latin typeface="Concert One"/>
+                  <a:ea typeface="Concert One"/>
+                  <a:cs typeface="Concert One"/>
+                  <a:sym typeface="Concert One"/>
+                </a:rPr>
+                <a:t>camera (count emo)</a:t>
               </a:r>
               <a:endParaRPr sz="1600" dirty="0">
                 <a:latin typeface="Concert One"/>
@@ -14228,7 +14199,16 @@
                   <a:cs typeface="Concert One"/>
                   <a:sym typeface="Concert One"/>
                 </a:rPr>
-                <a:t>Add camera</a:t>
+                <a:t>Add </a:t>
+              </a:r>
+              <a:r>
+                <a:rPr lang="en" sz="1600" dirty="0" smtClean="0">
+                  <a:latin typeface="Concert One"/>
+                  <a:ea typeface="Concert One"/>
+                  <a:cs typeface="Concert One"/>
+                  <a:sym typeface="Concert One"/>
+                </a:rPr>
+                <a:t>camera (count người)</a:t>
               </a:r>
               <a:endParaRPr sz="1600" dirty="0">
                 <a:latin typeface="Concert One"/>
@@ -16865,48 +16845,40 @@
           <a:chExt cx="0" cy="0"/>
         </a:xfrm>
       </p:grpSpPr>
-      <p:sp>
-        <p:nvSpPr>
-          <p:cNvPr id="2" name="Title 1"/>
-          <p:cNvSpPr>
-            <a:spLocks noGrp="1"/>
-          </p:cNvSpPr>
-          <p:nvPr>
-            <p:ph type="ctrTitle"/>
-          </p:nvPr>
-        </p:nvSpPr>
-        <p:spPr/>
-        <p:txBody>
-          <a:bodyPr/>
-          <a:lstStyle/>
-          <a:p>
-            <a:endParaRPr lang="en-US" dirty="0"/>
-          </a:p>
-        </p:txBody>
-      </p:sp>
-      <p:sp>
-        <p:nvSpPr>
-          <p:cNvPr id="3" name="Subtitle 2"/>
-          <p:cNvSpPr>
-            <a:spLocks noGrp="1"/>
-          </p:cNvSpPr>
-          <p:nvPr>
-            <p:ph type="subTitle" idx="1"/>
-          </p:nvPr>
-        </p:nvSpPr>
-        <p:spPr/>
-        <p:txBody>
-          <a:bodyPr/>
-          <a:lstStyle/>
-          <a:p>
-            <a:endParaRPr lang="en-US" dirty="0"/>
-          </a:p>
-        </p:txBody>
-      </p:sp>
+      <p:pic>
+        <p:nvPicPr>
+          <p:cNvPr id="4" name="Picture 3"/>
+          <p:cNvPicPr>
+            <a:picLocks noChangeAspect="1"/>
+          </p:cNvPicPr>
+          <p:nvPr/>
+        </p:nvPicPr>
+        <p:blipFill>
+          <a:blip r:embed="rId2">
+            <a:extLst>
+              <a:ext uri="{28A0092B-C50C-407E-A947-70E740481C1C}">
+                <a14:useLocalDpi xmlns:a14="http://schemas.microsoft.com/office/drawing/2010/main" val="0"/>
+              </a:ext>
+            </a:extLst>
+          </a:blip>
+          <a:stretch>
+            <a:fillRect/>
+          </a:stretch>
+        </p:blipFill>
+        <p:spPr>
+          <a:xfrm>
+            <a:off x="2520555" y="241995"/>
+            <a:ext cx="6945662" cy="6502793"/>
+          </a:xfrm>
+          <a:prstGeom prst="rect">
+            <a:avLst/>
+          </a:prstGeom>
+        </p:spPr>
+      </p:pic>
     </p:spTree>
     <p:extLst>
       <p:ext uri="{BB962C8B-B14F-4D97-AF65-F5344CB8AC3E}">
-        <p14:creationId xmlns:p14="http://schemas.microsoft.com/office/powerpoint/2010/main" val="391210031"/>
+        <p14:creationId xmlns:p14="http://schemas.microsoft.com/office/powerpoint/2010/main" val="4181698705"/>
       </p:ext>
     </p:extLst>
   </p:cSld>
@@ -16962,8 +16934,8 @@
         </p:blipFill>
         <p:spPr>
           <a:xfrm>
-            <a:off x="2520555" y="241995"/>
-            <a:ext cx="6945662" cy="6502793"/>
+            <a:off x="1357991" y="442069"/>
+            <a:ext cx="9205506" cy="6011166"/>
           </a:xfrm>
           <a:prstGeom prst="rect">
             <a:avLst/>
@@ -16973,7 +16945,7 @@
     </p:spTree>
     <p:extLst>
       <p:ext uri="{BB962C8B-B14F-4D97-AF65-F5344CB8AC3E}">
-        <p14:creationId xmlns:p14="http://schemas.microsoft.com/office/powerpoint/2010/main" val="4181698705"/>
+        <p14:creationId xmlns:p14="http://schemas.microsoft.com/office/powerpoint/2010/main" val="3621434155"/>
       </p:ext>
     </p:extLst>
   </p:cSld>
@@ -17029,8 +17001,8 @@
         </p:blipFill>
         <p:spPr>
           <a:xfrm>
-            <a:off x="1357991" y="442069"/>
-            <a:ext cx="9205506" cy="6011166"/>
+            <a:off x="2466975" y="376237"/>
+            <a:ext cx="7258050" cy="6105525"/>
           </a:xfrm>
           <a:prstGeom prst="rect">
             <a:avLst/>
@@ -17040,7 +17012,7 @@
     </p:spTree>
     <p:extLst>
       <p:ext uri="{BB962C8B-B14F-4D97-AF65-F5344CB8AC3E}">
-        <p14:creationId xmlns:p14="http://schemas.microsoft.com/office/powerpoint/2010/main" val="3621434155"/>
+        <p14:creationId xmlns:p14="http://schemas.microsoft.com/office/powerpoint/2010/main" val="1616976327"/>
       </p:ext>
     </p:extLst>
   </p:cSld>
